--- a/UI-Development-CheckList.pptx
+++ b/UI-Development-CheckList.pptx
@@ -5,14 +5,15 @@
     <p:sldMasterId id="2147483663" r:id="rId1"/>
   </p:sldMasterIdLst>
   <p:notesMasterIdLst>
-    <p:notesMasterId r:id="rId4"/>
+    <p:notesMasterId r:id="rId5"/>
   </p:notesMasterIdLst>
   <p:handoutMasterIdLst>
-    <p:handoutMasterId r:id="rId5"/>
+    <p:handoutMasterId r:id="rId6"/>
   </p:handoutMasterIdLst>
   <p:sldIdLst>
     <p:sldId id="288" r:id="rId2"/>
     <p:sldId id="326" r:id="rId3"/>
+    <p:sldId id="327" r:id="rId4"/>
   </p:sldIdLst>
   <p:sldSz cx="9144000" cy="5143500" type="screen16x9"/>
   <p:notesSz cx="6858000" cy="9144000"/>
@@ -227,7 +228,7 @@
             <a:fld id="{2C762424-DDEB-4A97-8DF5-6BF96CCB3FB5}" type="datetimeFigureOut">
               <a:rPr lang="en-US" smtClean="0"/>
               <a:pPr/>
-              <a:t>8/26/2023</a:t>
+              <a:t>8/27/2023</a:t>
             </a:fld>
             <a:endParaRPr lang="en-US"/>
           </a:p>
@@ -394,7 +395,7 @@
             <a:fld id="{4BAABD2D-06EE-4924-A970-DA7F071D30DD}" type="datetimeFigureOut">
               <a:rPr lang="en-US" smtClean="0"/>
               <a:pPr/>
-              <a:t>8/26/2023</a:t>
+              <a:t>8/27/2023</a:t>
             </a:fld>
             <a:endParaRPr lang="en-US"/>
           </a:p>
@@ -1166,7 +1167,7 @@
             <a:fld id="{FD1176A7-B091-469C-82C8-89C693043C40}" type="datetimeFigureOut">
               <a:rPr lang="en-US" smtClean="0"/>
               <a:pPr/>
-              <a:t>8/26/2023</a:t>
+              <a:t>8/27/2023</a:t>
             </a:fld>
             <a:endParaRPr lang="en-US"/>
           </a:p>
@@ -1379,7 +1380,7 @@
             <a:fld id="{FD1176A7-B091-469C-82C8-89C693043C40}" type="datetimeFigureOut">
               <a:rPr lang="en-US" smtClean="0"/>
               <a:pPr/>
-              <a:t>8/26/2023</a:t>
+              <a:t>8/27/2023</a:t>
             </a:fld>
             <a:endParaRPr lang="en-US"/>
           </a:p>
@@ -1600,7 +1601,7 @@
             <a:fld id="{FD1176A7-B091-469C-82C8-89C693043C40}" type="datetimeFigureOut">
               <a:rPr lang="en-US" smtClean="0"/>
               <a:pPr/>
-              <a:t>8/26/2023</a:t>
+              <a:t>8/27/2023</a:t>
             </a:fld>
             <a:endParaRPr lang="en-US"/>
           </a:p>
@@ -1732,7 +1733,7 @@
             <a:fld id="{FD1176A7-B091-469C-82C8-89C693043C40}" type="datetimeFigureOut">
               <a:rPr lang="en-US" smtClean="0"/>
               <a:pPr/>
-              <a:t>8/26/2023</a:t>
+              <a:t>8/27/2023</a:t>
             </a:fld>
             <a:endParaRPr lang="en-US"/>
           </a:p>
@@ -1864,7 +1865,7 @@
             <a:fld id="{FD1176A7-B091-469C-82C8-89C693043C40}" type="datetimeFigureOut">
               <a:rPr lang="en-US" smtClean="0"/>
               <a:pPr/>
-              <a:t>8/26/2023</a:t>
+              <a:t>8/27/2023</a:t>
             </a:fld>
             <a:endParaRPr lang="en-US"/>
           </a:p>
@@ -2260,7 +2261,7 @@
             <a:fld id="{FD1176A7-B091-469C-82C8-89C693043C40}" type="datetimeFigureOut">
               <a:rPr lang="en-US" smtClean="0"/>
               <a:pPr/>
-              <a:t>8/26/2023</a:t>
+              <a:t>8/27/2023</a:t>
             </a:fld>
             <a:endParaRPr lang="en-US"/>
           </a:p>
@@ -2547,7 +2548,7 @@
             <a:fld id="{FD1176A7-B091-469C-82C8-89C693043C40}" type="datetimeFigureOut">
               <a:rPr lang="en-US" smtClean="0"/>
               <a:pPr/>
-              <a:t>8/26/2023</a:t>
+              <a:t>8/27/2023</a:t>
             </a:fld>
             <a:endParaRPr lang="en-US"/>
           </a:p>
@@ -2757,7 +2758,7 @@
             <a:fld id="{FD1176A7-B091-469C-82C8-89C693043C40}" type="datetimeFigureOut">
               <a:rPr lang="en-US" smtClean="0"/>
               <a:pPr/>
-              <a:t>8/26/2023</a:t>
+              <a:t>8/27/2023</a:t>
             </a:fld>
             <a:endParaRPr lang="en-US"/>
           </a:p>
@@ -2967,7 +2968,7 @@
             <a:fld id="{FD1176A7-B091-469C-82C8-89C693043C40}" type="datetimeFigureOut">
               <a:rPr lang="en-US" smtClean="0"/>
               <a:pPr/>
-              <a:t>8/26/2023</a:t>
+              <a:t>8/27/2023</a:t>
             </a:fld>
             <a:endParaRPr lang="en-US"/>
           </a:p>
@@ -3102,7 +3103,7 @@
             <a:fld id="{FD1176A7-B091-469C-82C8-89C693043C40}" type="datetimeFigureOut">
               <a:rPr lang="en-US" smtClean="0"/>
               <a:pPr/>
-              <a:t>8/26/2023</a:t>
+              <a:t>8/27/2023</a:t>
             </a:fld>
             <a:endParaRPr lang="en-US"/>
           </a:p>
@@ -3374,7 +3375,7 @@
             <a:fld id="{FD1176A7-B091-469C-82C8-89C693043C40}" type="datetimeFigureOut">
               <a:rPr lang="en-US" smtClean="0"/>
               <a:pPr/>
-              <a:t>8/26/2023</a:t>
+              <a:t>8/27/2023</a:t>
             </a:fld>
             <a:endParaRPr lang="en-US"/>
           </a:p>
@@ -3495,7 +3496,7 @@
             <a:fld id="{FD1176A7-B091-469C-82C8-89C693043C40}" type="datetimeFigureOut">
               <a:rPr lang="en-US" smtClean="0"/>
               <a:pPr/>
-              <a:t>8/26/2023</a:t>
+              <a:t>8/27/2023</a:t>
             </a:fld>
             <a:endParaRPr lang="en-US"/>
           </a:p>
@@ -3726,7 +3727,7 @@
             <a:fld id="{FD1176A7-B091-469C-82C8-89C693043C40}" type="datetimeFigureOut">
               <a:rPr lang="en-US" smtClean="0"/>
               <a:pPr/>
-              <a:t>8/26/2023</a:t>
+              <a:t>8/27/2023</a:t>
             </a:fld>
             <a:endParaRPr lang="en-US" dirty="0"/>
           </a:p>
@@ -4003,7 +4004,7 @@
             <a:fld id="{FD1176A7-B091-469C-82C8-89C693043C40}" type="datetimeFigureOut">
               <a:rPr lang="en-US" smtClean="0"/>
               <a:pPr/>
-              <a:t>8/26/2023</a:t>
+              <a:t>8/27/2023</a:t>
             </a:fld>
             <a:endParaRPr lang="en-US"/>
           </a:p>
@@ -4734,7 +4735,7 @@
             <a:fld id="{FD1176A7-B091-469C-82C8-89C693043C40}" type="datetimeFigureOut">
               <a:rPr lang="en-US" smtClean="0"/>
               <a:pPr/>
-              <a:t>8/26/2023</a:t>
+              <a:t>8/27/2023</a:t>
             </a:fld>
             <a:endParaRPr lang="en-US"/>
           </a:p>
@@ -13442,6 +13443,5459 @@
 </p:sld>
 </file>
 
+<file path=ppt/slides/slide3.xml><?xml version="1.0" encoding="utf-8"?>
+<p:sld xmlns:a="http://schemas.openxmlformats.org/drawingml/2006/main" xmlns:r="http://schemas.openxmlformats.org/officeDocument/2006/relationships" xmlns:p="http://schemas.openxmlformats.org/presentationml/2006/main">
+  <p:cSld>
+    <p:spTree>
+      <p:nvGrpSpPr>
+        <p:cNvPr id="1" name=""/>
+        <p:cNvGrpSpPr/>
+        <p:nvPr/>
+      </p:nvGrpSpPr>
+      <p:grpSpPr>
+        <a:xfrm>
+          <a:off x="0" y="0"/>
+          <a:ext cx="0" cy="0"/>
+          <a:chOff x="0" y="0"/>
+          <a:chExt cx="0" cy="0"/>
+        </a:xfrm>
+      </p:grpSpPr>
+      <p:sp>
+        <p:nvSpPr>
+          <p:cNvPr id="3" name="Title 6">
+            <a:extLst>
+              <a:ext uri="{FF2B5EF4-FFF2-40B4-BE49-F238E27FC236}">
+                <a16:creationId xmlns:a16="http://schemas.microsoft.com/office/drawing/2014/main" id="{258A97E5-9D53-E535-F5E5-53C55703FE0D}"/>
+              </a:ext>
+            </a:extLst>
+          </p:cNvPr>
+          <p:cNvSpPr txBox="1">
+            <a:spLocks/>
+          </p:cNvSpPr>
+          <p:nvPr/>
+        </p:nvSpPr>
+        <p:spPr>
+          <a:xfrm>
+            <a:off x="457200" y="305284"/>
+            <a:ext cx="8229600" cy="437666"/>
+          </a:xfrm>
+          <a:prstGeom prst="rect">
+            <a:avLst/>
+          </a:prstGeom>
+        </p:spPr>
+        <p:txBody>
+          <a:bodyPr>
+            <a:normAutofit fontScale="97500" lnSpcReduction="10000"/>
+          </a:bodyPr>
+          <a:lstStyle>
+            <a:lvl1pPr algn="l" defTabSz="914362" rtl="0" eaLnBrk="1" latinLnBrk="0" hangingPunct="1">
+              <a:spcBef>
+                <a:spcPct val="0"/>
+              </a:spcBef>
+              <a:buNone/>
+              <a:defRPr sz="2400" kern="1200">
+                <a:solidFill>
+                  <a:schemeClr val="tx1">
+                    <a:lumMod val="65000"/>
+                    <a:lumOff val="35000"/>
+                  </a:schemeClr>
+                </a:solidFill>
+                <a:latin typeface="+mj-lt"/>
+                <a:ea typeface="+mj-ea"/>
+                <a:cs typeface="+mj-cs"/>
+              </a:defRPr>
+            </a:lvl1pPr>
+          </a:lstStyle>
+          <a:p>
+            <a:r>
+              <a:rPr lang="en-US"/>
+              <a:t>Swimlane Diagram Slide Template</a:t>
+            </a:r>
+            <a:endParaRPr lang="en-US" dirty="0"/>
+          </a:p>
+        </p:txBody>
+      </p:sp>
+      <p:sp>
+        <p:nvSpPr>
+          <p:cNvPr id="4" name="Graphic 6">
+            <a:extLst>
+              <a:ext uri="{FF2B5EF4-FFF2-40B4-BE49-F238E27FC236}">
+                <a16:creationId xmlns:a16="http://schemas.microsoft.com/office/drawing/2014/main" id="{342654D2-CFB6-9387-04E7-A49F1E709CA5}"/>
+              </a:ext>
+            </a:extLst>
+          </p:cNvPr>
+          <p:cNvSpPr/>
+          <p:nvPr/>
+        </p:nvSpPr>
+        <p:spPr>
+          <a:xfrm>
+            <a:off x="8364532" y="1700390"/>
+            <a:ext cx="599812" cy="212776"/>
+          </a:xfrm>
+          <a:custGeom>
+            <a:avLst/>
+            <a:gdLst>
+              <a:gd name="connsiteX0" fmla="*/ 653608 w 835374"/>
+              <a:gd name="connsiteY0" fmla="*/ 363578 h 363578"/>
+              <a:gd name="connsiteX1" fmla="*/ 181767 w 835374"/>
+              <a:gd name="connsiteY1" fmla="*/ 363578 h 363578"/>
+              <a:gd name="connsiteX2" fmla="*/ 0 w 835374"/>
+              <a:gd name="connsiteY2" fmla="*/ 182261 h 363578"/>
+              <a:gd name="connsiteX3" fmla="*/ 0 w 835374"/>
+              <a:gd name="connsiteY3" fmla="*/ 182261 h 363578"/>
+              <a:gd name="connsiteX4" fmla="*/ 181767 w 835374"/>
+              <a:gd name="connsiteY4" fmla="*/ 0 h 363578"/>
+              <a:gd name="connsiteX5" fmla="*/ 653608 w 835374"/>
+              <a:gd name="connsiteY5" fmla="*/ 0 h 363578"/>
+              <a:gd name="connsiteX6" fmla="*/ 835375 w 835374"/>
+              <a:gd name="connsiteY6" fmla="*/ 182261 h 363578"/>
+              <a:gd name="connsiteX7" fmla="*/ 835375 w 835374"/>
+              <a:gd name="connsiteY7" fmla="*/ 182261 h 363578"/>
+              <a:gd name="connsiteX8" fmla="*/ 653608 w 835374"/>
+              <a:gd name="connsiteY8" fmla="*/ 363578 h 363578"/>
+            </a:gdLst>
+            <a:ahLst/>
+            <a:cxnLst>
+              <a:cxn ang="0">
+                <a:pos x="connsiteX0" y="connsiteY0"/>
+              </a:cxn>
+              <a:cxn ang="0">
+                <a:pos x="connsiteX1" y="connsiteY1"/>
+              </a:cxn>
+              <a:cxn ang="0">
+                <a:pos x="connsiteX2" y="connsiteY2"/>
+              </a:cxn>
+              <a:cxn ang="0">
+                <a:pos x="connsiteX3" y="connsiteY3"/>
+              </a:cxn>
+              <a:cxn ang="0">
+                <a:pos x="connsiteX4" y="connsiteY4"/>
+              </a:cxn>
+              <a:cxn ang="0">
+                <a:pos x="connsiteX5" y="connsiteY5"/>
+              </a:cxn>
+              <a:cxn ang="0">
+                <a:pos x="connsiteX6" y="connsiteY6"/>
+              </a:cxn>
+              <a:cxn ang="0">
+                <a:pos x="connsiteX7" y="connsiteY7"/>
+              </a:cxn>
+              <a:cxn ang="0">
+                <a:pos x="connsiteX8" y="connsiteY8"/>
+              </a:cxn>
+            </a:cxnLst>
+            <a:rect l="l" t="t" r="r" b="b"/>
+            <a:pathLst>
+              <a:path w="835374" h="363578">
+                <a:moveTo>
+                  <a:pt x="653608" y="363578"/>
+                </a:moveTo>
+                <a:lnTo>
+                  <a:pt x="181767" y="363578"/>
+                </a:lnTo>
+                <a:cubicBezTo>
+                  <a:pt x="80995" y="363578"/>
+                  <a:pt x="0" y="282363"/>
+                  <a:pt x="0" y="182261"/>
+                </a:cubicBezTo>
+                <a:lnTo>
+                  <a:pt x="0" y="182261"/>
+                </a:lnTo>
+                <a:cubicBezTo>
+                  <a:pt x="0" y="81215"/>
+                  <a:pt x="80995" y="0"/>
+                  <a:pt x="181767" y="0"/>
+                </a:cubicBezTo>
+                <a:lnTo>
+                  <a:pt x="653608" y="0"/>
+                </a:lnTo>
+                <a:cubicBezTo>
+                  <a:pt x="753438" y="0"/>
+                  <a:pt x="835375" y="81215"/>
+                  <a:pt x="835375" y="182261"/>
+                </a:cubicBezTo>
+                <a:lnTo>
+                  <a:pt x="835375" y="182261"/>
+                </a:lnTo>
+                <a:cubicBezTo>
+                  <a:pt x="835375" y="282363"/>
+                  <a:pt x="753438" y="363578"/>
+                  <a:pt x="653608" y="363578"/>
+                </a:cubicBezTo>
+                <a:close/>
+              </a:path>
+            </a:pathLst>
+          </a:custGeom>
+          <a:solidFill>
+            <a:srgbClr val="A32C95"/>
+          </a:solidFill>
+          <a:ln w="9418" cap="flat">
+            <a:noFill/>
+            <a:prstDash val="solid"/>
+            <a:miter/>
+          </a:ln>
+        </p:spPr>
+        <p:txBody>
+          <a:bodyPr lIns="0" tIns="0" rIns="0" bIns="0" rtlCol="0" anchor="ctr"/>
+          <a:lstStyle/>
+          <a:p>
+            <a:pPr algn="ctr"/>
+            <a:r>
+              <a:rPr lang="pt-BR" sz="800" b="1" dirty="0">
+                <a:solidFill>
+                  <a:schemeClr val="bg1"/>
+                </a:solidFill>
+                <a:latin typeface="Segoe UI" panose="020B0502040204020203" pitchFamily="34" charset="0"/>
+                <a:cs typeface="Segoe UI" panose="020B0502040204020203" pitchFamily="34" charset="0"/>
+              </a:rPr>
+              <a:t>START</a:t>
+            </a:r>
+          </a:p>
+        </p:txBody>
+      </p:sp>
+      <p:sp>
+        <p:nvSpPr>
+          <p:cNvPr id="5" name="Graphic 8">
+            <a:extLst>
+              <a:ext uri="{FF2B5EF4-FFF2-40B4-BE49-F238E27FC236}">
+                <a16:creationId xmlns:a16="http://schemas.microsoft.com/office/drawing/2014/main" id="{337F6E5F-3E73-62B8-ADFF-615A95A95287}"/>
+              </a:ext>
+            </a:extLst>
+          </p:cNvPr>
+          <p:cNvSpPr/>
+          <p:nvPr/>
+        </p:nvSpPr>
+        <p:spPr>
+          <a:xfrm>
+            <a:off x="8351044" y="1983202"/>
+            <a:ext cx="660404" cy="389414"/>
+          </a:xfrm>
+          <a:custGeom>
+            <a:avLst/>
+            <a:gdLst>
+              <a:gd name="connsiteX0" fmla="*/ 613343 w 624070"/>
+              <a:gd name="connsiteY0" fmla="*/ 245269 h 451484"/>
+              <a:gd name="connsiteX1" fmla="*/ 324822 w 624070"/>
+              <a:gd name="connsiteY1" fmla="*/ 447199 h 451484"/>
+              <a:gd name="connsiteX2" fmla="*/ 297478 w 624070"/>
+              <a:gd name="connsiteY2" fmla="*/ 447199 h 451484"/>
+              <a:gd name="connsiteX3" fmla="*/ 9900 w 624070"/>
+              <a:gd name="connsiteY3" fmla="*/ 245269 h 451484"/>
+              <a:gd name="connsiteX4" fmla="*/ 9900 w 624070"/>
+              <a:gd name="connsiteY4" fmla="*/ 206216 h 451484"/>
+              <a:gd name="connsiteX5" fmla="*/ 298421 w 624070"/>
+              <a:gd name="connsiteY5" fmla="*/ 4286 h 451484"/>
+              <a:gd name="connsiteX6" fmla="*/ 325765 w 624070"/>
+              <a:gd name="connsiteY6" fmla="*/ 4286 h 451484"/>
+              <a:gd name="connsiteX7" fmla="*/ 614286 w 624070"/>
+              <a:gd name="connsiteY7" fmla="*/ 206216 h 451484"/>
+              <a:gd name="connsiteX8" fmla="*/ 613343 w 624070"/>
+              <a:gd name="connsiteY8" fmla="*/ 245269 h 451484"/>
+            </a:gdLst>
+            <a:ahLst/>
+            <a:cxnLst>
+              <a:cxn ang="0">
+                <a:pos x="connsiteX0" y="connsiteY0"/>
+              </a:cxn>
+              <a:cxn ang="0">
+                <a:pos x="connsiteX1" y="connsiteY1"/>
+              </a:cxn>
+              <a:cxn ang="0">
+                <a:pos x="connsiteX2" y="connsiteY2"/>
+              </a:cxn>
+              <a:cxn ang="0">
+                <a:pos x="connsiteX3" y="connsiteY3"/>
+              </a:cxn>
+              <a:cxn ang="0">
+                <a:pos x="connsiteX4" y="connsiteY4"/>
+              </a:cxn>
+              <a:cxn ang="0">
+                <a:pos x="connsiteX5" y="connsiteY5"/>
+              </a:cxn>
+              <a:cxn ang="0">
+                <a:pos x="connsiteX6" y="connsiteY6"/>
+              </a:cxn>
+              <a:cxn ang="0">
+                <a:pos x="connsiteX7" y="connsiteY7"/>
+              </a:cxn>
+              <a:cxn ang="0">
+                <a:pos x="connsiteX8" y="connsiteY8"/>
+              </a:cxn>
+            </a:cxnLst>
+            <a:rect l="l" t="t" r="r" b="b"/>
+            <a:pathLst>
+              <a:path w="624070" h="451484">
+                <a:moveTo>
+                  <a:pt x="613343" y="245269"/>
+                </a:moveTo>
+                <a:lnTo>
+                  <a:pt x="324822" y="447199"/>
+                </a:lnTo>
+                <a:cubicBezTo>
+                  <a:pt x="316336" y="452914"/>
+                  <a:pt x="305964" y="452914"/>
+                  <a:pt x="297478" y="447199"/>
+                </a:cubicBezTo>
+                <a:lnTo>
+                  <a:pt x="9900" y="245269"/>
+                </a:lnTo>
+                <a:cubicBezTo>
+                  <a:pt x="-3300" y="235744"/>
+                  <a:pt x="-3300" y="215741"/>
+                  <a:pt x="9900" y="206216"/>
+                </a:cubicBezTo>
+                <a:lnTo>
+                  <a:pt x="298421" y="4286"/>
+                </a:lnTo>
+                <a:cubicBezTo>
+                  <a:pt x="306907" y="-1429"/>
+                  <a:pt x="317279" y="-1429"/>
+                  <a:pt x="325765" y="4286"/>
+                </a:cubicBezTo>
+                <a:lnTo>
+                  <a:pt x="614286" y="206216"/>
+                </a:lnTo>
+                <a:cubicBezTo>
+                  <a:pt x="627486" y="215741"/>
+                  <a:pt x="627486" y="235744"/>
+                  <a:pt x="613343" y="245269"/>
+                </a:cubicBezTo>
+                <a:close/>
+              </a:path>
+            </a:pathLst>
+          </a:custGeom>
+          <a:solidFill>
+            <a:schemeClr val="accent3"/>
+          </a:solidFill>
+          <a:ln w="9381" cap="flat">
+            <a:noFill/>
+            <a:prstDash val="solid"/>
+            <a:miter/>
+          </a:ln>
+        </p:spPr>
+        <p:txBody>
+          <a:bodyPr lIns="0" tIns="0" rIns="0" bIns="0" rtlCol="0" anchor="ctr"/>
+          <a:lstStyle/>
+          <a:p>
+            <a:pPr algn="ctr"/>
+            <a:r>
+              <a:rPr lang="pt-BR" sz="800" b="1" dirty="0">
+                <a:solidFill>
+                  <a:schemeClr val="bg1"/>
+                </a:solidFill>
+                <a:latin typeface="Segoe UI" panose="020B0502040204020203" pitchFamily="34" charset="0"/>
+                <a:cs typeface="Segoe UI" panose="020B0502040204020203" pitchFamily="34" charset="0"/>
+              </a:rPr>
+              <a:t>DECISION</a:t>
+            </a:r>
+          </a:p>
+        </p:txBody>
+      </p:sp>
+      <p:sp>
+        <p:nvSpPr>
+          <p:cNvPr id="6" name="Graphic 12">
+            <a:extLst>
+              <a:ext uri="{FF2B5EF4-FFF2-40B4-BE49-F238E27FC236}">
+                <a16:creationId xmlns:a16="http://schemas.microsoft.com/office/drawing/2014/main" id="{FBB8FE19-67CC-A452-DD2C-578D4DD8B39E}"/>
+              </a:ext>
+            </a:extLst>
+          </p:cNvPr>
+          <p:cNvSpPr/>
+          <p:nvPr/>
+        </p:nvSpPr>
+        <p:spPr>
+          <a:xfrm>
+            <a:off x="8426467" y="2430060"/>
+            <a:ext cx="509558" cy="198393"/>
+          </a:xfrm>
+          <a:custGeom>
+            <a:avLst/>
+            <a:gdLst>
+              <a:gd name="connsiteX0" fmla="*/ 743903 w 761127"/>
+              <a:gd name="connsiteY0" fmla="*/ 363578 h 363578"/>
+              <a:gd name="connsiteX1" fmla="*/ 17145 w 761127"/>
+              <a:gd name="connsiteY1" fmla="*/ 363578 h 363578"/>
+              <a:gd name="connsiteX2" fmla="*/ 0 w 761127"/>
+              <a:gd name="connsiteY2" fmla="*/ 346580 h 363578"/>
+              <a:gd name="connsiteX3" fmla="*/ 0 w 761127"/>
+              <a:gd name="connsiteY3" fmla="*/ 16998 h 363578"/>
+              <a:gd name="connsiteX4" fmla="*/ 17145 w 761127"/>
+              <a:gd name="connsiteY4" fmla="*/ 0 h 363578"/>
+              <a:gd name="connsiteX5" fmla="*/ 743903 w 761127"/>
+              <a:gd name="connsiteY5" fmla="*/ 0 h 363578"/>
+              <a:gd name="connsiteX6" fmla="*/ 761048 w 761127"/>
+              <a:gd name="connsiteY6" fmla="*/ 16998 h 363578"/>
+              <a:gd name="connsiteX7" fmla="*/ 761048 w 761127"/>
+              <a:gd name="connsiteY7" fmla="*/ 346580 h 363578"/>
+              <a:gd name="connsiteX8" fmla="*/ 743903 w 761127"/>
+              <a:gd name="connsiteY8" fmla="*/ 363578 h 363578"/>
+            </a:gdLst>
+            <a:ahLst/>
+            <a:cxnLst>
+              <a:cxn ang="0">
+                <a:pos x="connsiteX0" y="connsiteY0"/>
+              </a:cxn>
+              <a:cxn ang="0">
+                <a:pos x="connsiteX1" y="connsiteY1"/>
+              </a:cxn>
+              <a:cxn ang="0">
+                <a:pos x="connsiteX2" y="connsiteY2"/>
+              </a:cxn>
+              <a:cxn ang="0">
+                <a:pos x="connsiteX3" y="connsiteY3"/>
+              </a:cxn>
+              <a:cxn ang="0">
+                <a:pos x="connsiteX4" y="connsiteY4"/>
+              </a:cxn>
+              <a:cxn ang="0">
+                <a:pos x="connsiteX5" y="connsiteY5"/>
+              </a:cxn>
+              <a:cxn ang="0">
+                <a:pos x="connsiteX6" y="connsiteY6"/>
+              </a:cxn>
+              <a:cxn ang="0">
+                <a:pos x="connsiteX7" y="connsiteY7"/>
+              </a:cxn>
+              <a:cxn ang="0">
+                <a:pos x="connsiteX8" y="connsiteY8"/>
+              </a:cxn>
+            </a:cxnLst>
+            <a:rect l="l" t="t" r="r" b="b"/>
+            <a:pathLst>
+              <a:path w="761127" h="363578">
+                <a:moveTo>
+                  <a:pt x="743903" y="363578"/>
+                </a:moveTo>
+                <a:lnTo>
+                  <a:pt x="17145" y="363578"/>
+                </a:lnTo>
+                <a:cubicBezTo>
+                  <a:pt x="7620" y="363578"/>
+                  <a:pt x="0" y="356023"/>
+                  <a:pt x="0" y="346580"/>
+                </a:cubicBezTo>
+                <a:lnTo>
+                  <a:pt x="0" y="16998"/>
+                </a:lnTo>
+                <a:cubicBezTo>
+                  <a:pt x="0" y="7555"/>
+                  <a:pt x="7620" y="0"/>
+                  <a:pt x="17145" y="0"/>
+                </a:cubicBezTo>
+                <a:lnTo>
+                  <a:pt x="743903" y="0"/>
+                </a:lnTo>
+                <a:cubicBezTo>
+                  <a:pt x="753428" y="0"/>
+                  <a:pt x="761048" y="7555"/>
+                  <a:pt x="761048" y="16998"/>
+                </a:cubicBezTo>
+                <a:lnTo>
+                  <a:pt x="761048" y="346580"/>
+                </a:lnTo>
+                <a:cubicBezTo>
+                  <a:pt x="762000" y="356023"/>
+                  <a:pt x="754380" y="363578"/>
+                  <a:pt x="743903" y="363578"/>
+                </a:cubicBezTo>
+                <a:close/>
+              </a:path>
+            </a:pathLst>
+          </a:custGeom>
+          <a:solidFill>
+            <a:schemeClr val="accent5"/>
+          </a:solidFill>
+          <a:ln w="9525" cap="flat">
+            <a:noFill/>
+            <a:prstDash val="solid"/>
+            <a:miter/>
+          </a:ln>
+        </p:spPr>
+        <p:txBody>
+          <a:bodyPr lIns="0" tIns="0" rIns="0" bIns="0" rtlCol="0" anchor="ctr"/>
+          <a:lstStyle/>
+          <a:p>
+            <a:pPr algn="ctr"/>
+            <a:r>
+              <a:rPr lang="pt-BR" sz="800" b="1" dirty="0">
+                <a:solidFill>
+                  <a:schemeClr val="bg1"/>
+                </a:solidFill>
+                <a:latin typeface="Segoe UI" panose="020B0502040204020203" pitchFamily="34" charset="0"/>
+                <a:cs typeface="Segoe UI" panose="020B0502040204020203" pitchFamily="34" charset="0"/>
+              </a:rPr>
+              <a:t>PROCESS</a:t>
+            </a:r>
+          </a:p>
+        </p:txBody>
+      </p:sp>
+      <p:sp>
+        <p:nvSpPr>
+          <p:cNvPr id="7" name="Graphic 16">
+            <a:extLst>
+              <a:ext uri="{FF2B5EF4-FFF2-40B4-BE49-F238E27FC236}">
+                <a16:creationId xmlns:a16="http://schemas.microsoft.com/office/drawing/2014/main" id="{89CD7154-63E3-02BA-9E63-37EF35EA1E88}"/>
+              </a:ext>
+            </a:extLst>
+          </p:cNvPr>
+          <p:cNvSpPr/>
+          <p:nvPr/>
+        </p:nvSpPr>
+        <p:spPr>
+          <a:xfrm>
+            <a:off x="8436640" y="2731810"/>
+            <a:ext cx="494568" cy="152064"/>
+          </a:xfrm>
+          <a:custGeom>
+            <a:avLst/>
+            <a:gdLst>
+              <a:gd name="connsiteX0" fmla="*/ 280988 w 307657"/>
+              <a:gd name="connsiteY0" fmla="*/ 116058 h 116058"/>
+              <a:gd name="connsiteX1" fmla="*/ 26670 w 307657"/>
+              <a:gd name="connsiteY1" fmla="*/ 116058 h 116058"/>
+              <a:gd name="connsiteX2" fmla="*/ 0 w 307657"/>
+              <a:gd name="connsiteY2" fmla="*/ 91440 h 116058"/>
+              <a:gd name="connsiteX3" fmla="*/ 0 w 307657"/>
+              <a:gd name="connsiteY3" fmla="*/ 24618 h 116058"/>
+              <a:gd name="connsiteX4" fmla="*/ 26670 w 307657"/>
+              <a:gd name="connsiteY4" fmla="*/ 0 h 116058"/>
+              <a:gd name="connsiteX5" fmla="*/ 280988 w 307657"/>
+              <a:gd name="connsiteY5" fmla="*/ 0 h 116058"/>
+              <a:gd name="connsiteX6" fmla="*/ 307658 w 307657"/>
+              <a:gd name="connsiteY6" fmla="*/ 24618 h 116058"/>
+              <a:gd name="connsiteX7" fmla="*/ 307658 w 307657"/>
+              <a:gd name="connsiteY7" fmla="*/ 91440 h 116058"/>
+              <a:gd name="connsiteX8" fmla="*/ 280988 w 307657"/>
+              <a:gd name="connsiteY8" fmla="*/ 116058 h 116058"/>
+            </a:gdLst>
+            <a:ahLst/>
+            <a:cxnLst>
+              <a:cxn ang="0">
+                <a:pos x="connsiteX0" y="connsiteY0"/>
+              </a:cxn>
+              <a:cxn ang="0">
+                <a:pos x="connsiteX1" y="connsiteY1"/>
+              </a:cxn>
+              <a:cxn ang="0">
+                <a:pos x="connsiteX2" y="connsiteY2"/>
+              </a:cxn>
+              <a:cxn ang="0">
+                <a:pos x="connsiteX3" y="connsiteY3"/>
+              </a:cxn>
+              <a:cxn ang="0">
+                <a:pos x="connsiteX4" y="connsiteY4"/>
+              </a:cxn>
+              <a:cxn ang="0">
+                <a:pos x="connsiteX5" y="connsiteY5"/>
+              </a:cxn>
+              <a:cxn ang="0">
+                <a:pos x="connsiteX6" y="connsiteY6"/>
+              </a:cxn>
+              <a:cxn ang="0">
+                <a:pos x="connsiteX7" y="connsiteY7"/>
+              </a:cxn>
+              <a:cxn ang="0">
+                <a:pos x="connsiteX8" y="connsiteY8"/>
+              </a:cxn>
+            </a:cxnLst>
+            <a:rect l="l" t="t" r="r" b="b"/>
+            <a:pathLst>
+              <a:path w="307657" h="116058">
+                <a:moveTo>
+                  <a:pt x="280988" y="116058"/>
+                </a:moveTo>
+                <a:lnTo>
+                  <a:pt x="26670" y="116058"/>
+                </a:lnTo>
+                <a:cubicBezTo>
+                  <a:pt x="12383" y="116058"/>
+                  <a:pt x="0" y="105508"/>
+                  <a:pt x="0" y="91440"/>
+                </a:cubicBezTo>
+                <a:lnTo>
+                  <a:pt x="0" y="24618"/>
+                </a:lnTo>
+                <a:cubicBezTo>
+                  <a:pt x="0" y="11430"/>
+                  <a:pt x="12383" y="0"/>
+                  <a:pt x="26670" y="0"/>
+                </a:cubicBezTo>
+                <a:lnTo>
+                  <a:pt x="280988" y="0"/>
+                </a:lnTo>
+                <a:cubicBezTo>
+                  <a:pt x="295275" y="0"/>
+                  <a:pt x="307658" y="11430"/>
+                  <a:pt x="307658" y="24618"/>
+                </a:cubicBezTo>
+                <a:lnTo>
+                  <a:pt x="307658" y="91440"/>
+                </a:lnTo>
+                <a:cubicBezTo>
+                  <a:pt x="307658" y="105508"/>
+                  <a:pt x="296228" y="116058"/>
+                  <a:pt x="280988" y="116058"/>
+                </a:cubicBezTo>
+                <a:close/>
+              </a:path>
+            </a:pathLst>
+          </a:custGeom>
+          <a:solidFill>
+            <a:schemeClr val="accent1"/>
+          </a:solidFill>
+          <a:ln w="9525" cap="flat">
+            <a:noFill/>
+            <a:prstDash val="solid"/>
+            <a:miter/>
+          </a:ln>
+        </p:spPr>
+        <p:txBody>
+          <a:bodyPr lIns="0" tIns="0" rIns="0" bIns="0" rtlCol="0" anchor="ctr"/>
+          <a:lstStyle/>
+          <a:p>
+            <a:pPr algn="ctr"/>
+            <a:r>
+              <a:rPr lang="pt-BR" sz="800" b="1" dirty="0">
+                <a:solidFill>
+                  <a:schemeClr val="bg1"/>
+                </a:solidFill>
+                <a:latin typeface="Segoe UI" panose="020B0502040204020203" pitchFamily="34" charset="0"/>
+                <a:cs typeface="Segoe UI" panose="020B0502040204020203" pitchFamily="34" charset="0"/>
+              </a:rPr>
+              <a:t>YES/NO</a:t>
+            </a:r>
+          </a:p>
+        </p:txBody>
+      </p:sp>
+      <p:sp>
+        <p:nvSpPr>
+          <p:cNvPr id="8" name="TextBox 7">
+            <a:extLst>
+              <a:ext uri="{FF2B5EF4-FFF2-40B4-BE49-F238E27FC236}">
+                <a16:creationId xmlns:a16="http://schemas.microsoft.com/office/drawing/2014/main" id="{5154EEFA-D32A-9F5A-4F71-25F576E22BD1}"/>
+              </a:ext>
+            </a:extLst>
+          </p:cNvPr>
+          <p:cNvSpPr txBox="1"/>
+          <p:nvPr/>
+        </p:nvSpPr>
+        <p:spPr>
+          <a:xfrm>
+            <a:off x="8251033" y="1450350"/>
+            <a:ext cx="950500" cy="184666"/>
+          </a:xfrm>
+          <a:prstGeom prst="rect">
+            <a:avLst/>
+          </a:prstGeom>
+          <a:noFill/>
+        </p:spPr>
+        <p:txBody>
+          <a:bodyPr wrap="square" lIns="0" tIns="0" rIns="0" bIns="0" rtlCol="0">
+            <a:spAutoFit/>
+          </a:bodyPr>
+          <a:lstStyle/>
+          <a:p>
+            <a:r>
+              <a:rPr lang="en-US" sz="1200" b="1" dirty="0">
+                <a:solidFill>
+                  <a:schemeClr val="bg2">
+                    <a:lumMod val="50000"/>
+                  </a:schemeClr>
+                </a:solidFill>
+                <a:latin typeface="Segoe UI" panose="020B0502040204020203" pitchFamily="34" charset="0"/>
+                <a:cs typeface="Segoe UI" panose="020B0502040204020203" pitchFamily="34" charset="0"/>
+              </a:rPr>
+              <a:t>ELEMENTS</a:t>
+            </a:r>
+          </a:p>
+        </p:txBody>
+      </p:sp>
+      <p:sp>
+        <p:nvSpPr>
+          <p:cNvPr id="9" name="Graphic 6">
+            <a:extLst>
+              <a:ext uri="{FF2B5EF4-FFF2-40B4-BE49-F238E27FC236}">
+                <a16:creationId xmlns:a16="http://schemas.microsoft.com/office/drawing/2014/main" id="{F557F47D-8349-EB2B-00F6-F9ECD45DF2D8}"/>
+              </a:ext>
+            </a:extLst>
+          </p:cNvPr>
+          <p:cNvSpPr/>
+          <p:nvPr/>
+        </p:nvSpPr>
+        <p:spPr>
+          <a:xfrm>
+            <a:off x="533642" y="742950"/>
+            <a:ext cx="773943" cy="274548"/>
+          </a:xfrm>
+          <a:custGeom>
+            <a:avLst/>
+            <a:gdLst>
+              <a:gd name="connsiteX0" fmla="*/ 653608 w 835374"/>
+              <a:gd name="connsiteY0" fmla="*/ 363578 h 363578"/>
+              <a:gd name="connsiteX1" fmla="*/ 181767 w 835374"/>
+              <a:gd name="connsiteY1" fmla="*/ 363578 h 363578"/>
+              <a:gd name="connsiteX2" fmla="*/ 0 w 835374"/>
+              <a:gd name="connsiteY2" fmla="*/ 182261 h 363578"/>
+              <a:gd name="connsiteX3" fmla="*/ 0 w 835374"/>
+              <a:gd name="connsiteY3" fmla="*/ 182261 h 363578"/>
+              <a:gd name="connsiteX4" fmla="*/ 181767 w 835374"/>
+              <a:gd name="connsiteY4" fmla="*/ 0 h 363578"/>
+              <a:gd name="connsiteX5" fmla="*/ 653608 w 835374"/>
+              <a:gd name="connsiteY5" fmla="*/ 0 h 363578"/>
+              <a:gd name="connsiteX6" fmla="*/ 835375 w 835374"/>
+              <a:gd name="connsiteY6" fmla="*/ 182261 h 363578"/>
+              <a:gd name="connsiteX7" fmla="*/ 835375 w 835374"/>
+              <a:gd name="connsiteY7" fmla="*/ 182261 h 363578"/>
+              <a:gd name="connsiteX8" fmla="*/ 653608 w 835374"/>
+              <a:gd name="connsiteY8" fmla="*/ 363578 h 363578"/>
+            </a:gdLst>
+            <a:ahLst/>
+            <a:cxnLst>
+              <a:cxn ang="0">
+                <a:pos x="connsiteX0" y="connsiteY0"/>
+              </a:cxn>
+              <a:cxn ang="0">
+                <a:pos x="connsiteX1" y="connsiteY1"/>
+              </a:cxn>
+              <a:cxn ang="0">
+                <a:pos x="connsiteX2" y="connsiteY2"/>
+              </a:cxn>
+              <a:cxn ang="0">
+                <a:pos x="connsiteX3" y="connsiteY3"/>
+              </a:cxn>
+              <a:cxn ang="0">
+                <a:pos x="connsiteX4" y="connsiteY4"/>
+              </a:cxn>
+              <a:cxn ang="0">
+                <a:pos x="connsiteX5" y="connsiteY5"/>
+              </a:cxn>
+              <a:cxn ang="0">
+                <a:pos x="connsiteX6" y="connsiteY6"/>
+              </a:cxn>
+              <a:cxn ang="0">
+                <a:pos x="connsiteX7" y="connsiteY7"/>
+              </a:cxn>
+              <a:cxn ang="0">
+                <a:pos x="connsiteX8" y="connsiteY8"/>
+              </a:cxn>
+            </a:cxnLst>
+            <a:rect l="l" t="t" r="r" b="b"/>
+            <a:pathLst>
+              <a:path w="835374" h="363578">
+                <a:moveTo>
+                  <a:pt x="653608" y="363578"/>
+                </a:moveTo>
+                <a:lnTo>
+                  <a:pt x="181767" y="363578"/>
+                </a:lnTo>
+                <a:cubicBezTo>
+                  <a:pt x="80995" y="363578"/>
+                  <a:pt x="0" y="282363"/>
+                  <a:pt x="0" y="182261"/>
+                </a:cubicBezTo>
+                <a:lnTo>
+                  <a:pt x="0" y="182261"/>
+                </a:lnTo>
+                <a:cubicBezTo>
+                  <a:pt x="0" y="81215"/>
+                  <a:pt x="80995" y="0"/>
+                  <a:pt x="181767" y="0"/>
+                </a:cubicBezTo>
+                <a:lnTo>
+                  <a:pt x="653608" y="0"/>
+                </a:lnTo>
+                <a:cubicBezTo>
+                  <a:pt x="753438" y="0"/>
+                  <a:pt x="835375" y="81215"/>
+                  <a:pt x="835375" y="182261"/>
+                </a:cubicBezTo>
+                <a:lnTo>
+                  <a:pt x="835375" y="182261"/>
+                </a:lnTo>
+                <a:cubicBezTo>
+                  <a:pt x="835375" y="282363"/>
+                  <a:pt x="753438" y="363578"/>
+                  <a:pt x="653608" y="363578"/>
+                </a:cubicBezTo>
+                <a:close/>
+              </a:path>
+            </a:pathLst>
+          </a:custGeom>
+          <a:solidFill>
+            <a:srgbClr val="A32C95"/>
+          </a:solidFill>
+          <a:ln w="9418" cap="flat">
+            <a:noFill/>
+            <a:prstDash val="solid"/>
+            <a:miter/>
+          </a:ln>
+        </p:spPr>
+        <p:txBody>
+          <a:bodyPr lIns="0" tIns="0" rIns="0" bIns="0" rtlCol="0" anchor="ctr"/>
+          <a:lstStyle/>
+          <a:p>
+            <a:pPr algn="ctr"/>
+            <a:r>
+              <a:rPr lang="pt-BR" sz="800" b="1" dirty="0">
+                <a:solidFill>
+                  <a:schemeClr val="bg1"/>
+                </a:solidFill>
+                <a:latin typeface="Segoe UI" panose="020B0502040204020203" pitchFamily="34" charset="0"/>
+                <a:cs typeface="Segoe UI" panose="020B0502040204020203" pitchFamily="34" charset="0"/>
+              </a:rPr>
+              <a:t>START</a:t>
+            </a:r>
+          </a:p>
+        </p:txBody>
+      </p:sp>
+      <p:sp>
+        <p:nvSpPr>
+          <p:cNvPr id="10" name="Graphic 8">
+            <a:extLst>
+              <a:ext uri="{FF2B5EF4-FFF2-40B4-BE49-F238E27FC236}">
+                <a16:creationId xmlns:a16="http://schemas.microsoft.com/office/drawing/2014/main" id="{21EAE491-DDAC-4F5E-41F8-079BD855F1DF}"/>
+              </a:ext>
+            </a:extLst>
+          </p:cNvPr>
+          <p:cNvSpPr/>
+          <p:nvPr/>
+        </p:nvSpPr>
+        <p:spPr>
+          <a:xfrm>
+            <a:off x="479562" y="1371009"/>
+            <a:ext cx="875885" cy="707503"/>
+          </a:xfrm>
+          <a:custGeom>
+            <a:avLst/>
+            <a:gdLst>
+              <a:gd name="connsiteX0" fmla="*/ 613343 w 624070"/>
+              <a:gd name="connsiteY0" fmla="*/ 245269 h 451484"/>
+              <a:gd name="connsiteX1" fmla="*/ 324822 w 624070"/>
+              <a:gd name="connsiteY1" fmla="*/ 447199 h 451484"/>
+              <a:gd name="connsiteX2" fmla="*/ 297478 w 624070"/>
+              <a:gd name="connsiteY2" fmla="*/ 447199 h 451484"/>
+              <a:gd name="connsiteX3" fmla="*/ 9900 w 624070"/>
+              <a:gd name="connsiteY3" fmla="*/ 245269 h 451484"/>
+              <a:gd name="connsiteX4" fmla="*/ 9900 w 624070"/>
+              <a:gd name="connsiteY4" fmla="*/ 206216 h 451484"/>
+              <a:gd name="connsiteX5" fmla="*/ 298421 w 624070"/>
+              <a:gd name="connsiteY5" fmla="*/ 4286 h 451484"/>
+              <a:gd name="connsiteX6" fmla="*/ 325765 w 624070"/>
+              <a:gd name="connsiteY6" fmla="*/ 4286 h 451484"/>
+              <a:gd name="connsiteX7" fmla="*/ 614286 w 624070"/>
+              <a:gd name="connsiteY7" fmla="*/ 206216 h 451484"/>
+              <a:gd name="connsiteX8" fmla="*/ 613343 w 624070"/>
+              <a:gd name="connsiteY8" fmla="*/ 245269 h 451484"/>
+            </a:gdLst>
+            <a:ahLst/>
+            <a:cxnLst>
+              <a:cxn ang="0">
+                <a:pos x="connsiteX0" y="connsiteY0"/>
+              </a:cxn>
+              <a:cxn ang="0">
+                <a:pos x="connsiteX1" y="connsiteY1"/>
+              </a:cxn>
+              <a:cxn ang="0">
+                <a:pos x="connsiteX2" y="connsiteY2"/>
+              </a:cxn>
+              <a:cxn ang="0">
+                <a:pos x="connsiteX3" y="connsiteY3"/>
+              </a:cxn>
+              <a:cxn ang="0">
+                <a:pos x="connsiteX4" y="connsiteY4"/>
+              </a:cxn>
+              <a:cxn ang="0">
+                <a:pos x="connsiteX5" y="connsiteY5"/>
+              </a:cxn>
+              <a:cxn ang="0">
+                <a:pos x="connsiteX6" y="connsiteY6"/>
+              </a:cxn>
+              <a:cxn ang="0">
+                <a:pos x="connsiteX7" y="connsiteY7"/>
+              </a:cxn>
+              <a:cxn ang="0">
+                <a:pos x="connsiteX8" y="connsiteY8"/>
+              </a:cxn>
+            </a:cxnLst>
+            <a:rect l="l" t="t" r="r" b="b"/>
+            <a:pathLst>
+              <a:path w="624070" h="451484">
+                <a:moveTo>
+                  <a:pt x="613343" y="245269"/>
+                </a:moveTo>
+                <a:lnTo>
+                  <a:pt x="324822" y="447199"/>
+                </a:lnTo>
+                <a:cubicBezTo>
+                  <a:pt x="316336" y="452914"/>
+                  <a:pt x="305964" y="452914"/>
+                  <a:pt x="297478" y="447199"/>
+                </a:cubicBezTo>
+                <a:lnTo>
+                  <a:pt x="9900" y="245269"/>
+                </a:lnTo>
+                <a:cubicBezTo>
+                  <a:pt x="-3300" y="235744"/>
+                  <a:pt x="-3300" y="215741"/>
+                  <a:pt x="9900" y="206216"/>
+                </a:cubicBezTo>
+                <a:lnTo>
+                  <a:pt x="298421" y="4286"/>
+                </a:lnTo>
+                <a:cubicBezTo>
+                  <a:pt x="306907" y="-1429"/>
+                  <a:pt x="317279" y="-1429"/>
+                  <a:pt x="325765" y="4286"/>
+                </a:cubicBezTo>
+                <a:lnTo>
+                  <a:pt x="614286" y="206216"/>
+                </a:lnTo>
+                <a:cubicBezTo>
+                  <a:pt x="627486" y="215741"/>
+                  <a:pt x="627486" y="235744"/>
+                  <a:pt x="613343" y="245269"/>
+                </a:cubicBezTo>
+                <a:close/>
+              </a:path>
+            </a:pathLst>
+          </a:custGeom>
+          <a:solidFill>
+            <a:srgbClr val="867BBF"/>
+          </a:solidFill>
+          <a:ln w="9381" cap="flat">
+            <a:noFill/>
+            <a:prstDash val="solid"/>
+            <a:miter/>
+          </a:ln>
+        </p:spPr>
+        <p:txBody>
+          <a:bodyPr lIns="0" tIns="0" rIns="0" bIns="0" rtlCol="0" anchor="ctr"/>
+          <a:lstStyle/>
+          <a:p>
+            <a:pPr algn="ctr"/>
+            <a:r>
+              <a:rPr lang="pt-BR" sz="800" b="1" dirty="0">
+                <a:solidFill>
+                  <a:schemeClr val="bg1"/>
+                </a:solidFill>
+                <a:latin typeface="Segoe UI" panose="020B0502040204020203" pitchFamily="34" charset="0"/>
+                <a:cs typeface="Segoe UI" panose="020B0502040204020203" pitchFamily="34" charset="0"/>
+              </a:rPr>
+              <a:t>UI THEME ?  </a:t>
+            </a:r>
+          </a:p>
+        </p:txBody>
+      </p:sp>
+      <p:sp>
+        <p:nvSpPr>
+          <p:cNvPr id="11" name="Graphic 12">
+            <a:extLst>
+              <a:ext uri="{FF2B5EF4-FFF2-40B4-BE49-F238E27FC236}">
+                <a16:creationId xmlns:a16="http://schemas.microsoft.com/office/drawing/2014/main" id="{5C1138FF-5162-4AD6-B245-E1648273DDD1}"/>
+              </a:ext>
+            </a:extLst>
+          </p:cNvPr>
+          <p:cNvSpPr/>
+          <p:nvPr/>
+        </p:nvSpPr>
+        <p:spPr>
+          <a:xfrm>
+            <a:off x="3926420" y="2768178"/>
+            <a:ext cx="1130126" cy="541951"/>
+          </a:xfrm>
+          <a:custGeom>
+            <a:avLst/>
+            <a:gdLst>
+              <a:gd name="connsiteX0" fmla="*/ 743903 w 761127"/>
+              <a:gd name="connsiteY0" fmla="*/ 363578 h 363578"/>
+              <a:gd name="connsiteX1" fmla="*/ 17145 w 761127"/>
+              <a:gd name="connsiteY1" fmla="*/ 363578 h 363578"/>
+              <a:gd name="connsiteX2" fmla="*/ 0 w 761127"/>
+              <a:gd name="connsiteY2" fmla="*/ 346580 h 363578"/>
+              <a:gd name="connsiteX3" fmla="*/ 0 w 761127"/>
+              <a:gd name="connsiteY3" fmla="*/ 16998 h 363578"/>
+              <a:gd name="connsiteX4" fmla="*/ 17145 w 761127"/>
+              <a:gd name="connsiteY4" fmla="*/ 0 h 363578"/>
+              <a:gd name="connsiteX5" fmla="*/ 743903 w 761127"/>
+              <a:gd name="connsiteY5" fmla="*/ 0 h 363578"/>
+              <a:gd name="connsiteX6" fmla="*/ 761048 w 761127"/>
+              <a:gd name="connsiteY6" fmla="*/ 16998 h 363578"/>
+              <a:gd name="connsiteX7" fmla="*/ 761048 w 761127"/>
+              <a:gd name="connsiteY7" fmla="*/ 346580 h 363578"/>
+              <a:gd name="connsiteX8" fmla="*/ 743903 w 761127"/>
+              <a:gd name="connsiteY8" fmla="*/ 363578 h 363578"/>
+            </a:gdLst>
+            <a:ahLst/>
+            <a:cxnLst>
+              <a:cxn ang="0">
+                <a:pos x="connsiteX0" y="connsiteY0"/>
+              </a:cxn>
+              <a:cxn ang="0">
+                <a:pos x="connsiteX1" y="connsiteY1"/>
+              </a:cxn>
+              <a:cxn ang="0">
+                <a:pos x="connsiteX2" y="connsiteY2"/>
+              </a:cxn>
+              <a:cxn ang="0">
+                <a:pos x="connsiteX3" y="connsiteY3"/>
+              </a:cxn>
+              <a:cxn ang="0">
+                <a:pos x="connsiteX4" y="connsiteY4"/>
+              </a:cxn>
+              <a:cxn ang="0">
+                <a:pos x="connsiteX5" y="connsiteY5"/>
+              </a:cxn>
+              <a:cxn ang="0">
+                <a:pos x="connsiteX6" y="connsiteY6"/>
+              </a:cxn>
+              <a:cxn ang="0">
+                <a:pos x="connsiteX7" y="connsiteY7"/>
+              </a:cxn>
+              <a:cxn ang="0">
+                <a:pos x="connsiteX8" y="connsiteY8"/>
+              </a:cxn>
+            </a:cxnLst>
+            <a:rect l="l" t="t" r="r" b="b"/>
+            <a:pathLst>
+              <a:path w="761127" h="363578">
+                <a:moveTo>
+                  <a:pt x="743903" y="363578"/>
+                </a:moveTo>
+                <a:lnTo>
+                  <a:pt x="17145" y="363578"/>
+                </a:lnTo>
+                <a:cubicBezTo>
+                  <a:pt x="7620" y="363578"/>
+                  <a:pt x="0" y="356023"/>
+                  <a:pt x="0" y="346580"/>
+                </a:cubicBezTo>
+                <a:lnTo>
+                  <a:pt x="0" y="16998"/>
+                </a:lnTo>
+                <a:cubicBezTo>
+                  <a:pt x="0" y="7555"/>
+                  <a:pt x="7620" y="0"/>
+                  <a:pt x="17145" y="0"/>
+                </a:cubicBezTo>
+                <a:lnTo>
+                  <a:pt x="743903" y="0"/>
+                </a:lnTo>
+                <a:cubicBezTo>
+                  <a:pt x="753428" y="0"/>
+                  <a:pt x="761048" y="7555"/>
+                  <a:pt x="761048" y="16998"/>
+                </a:cubicBezTo>
+                <a:lnTo>
+                  <a:pt x="761048" y="346580"/>
+                </a:lnTo>
+                <a:cubicBezTo>
+                  <a:pt x="762000" y="356023"/>
+                  <a:pt x="754380" y="363578"/>
+                  <a:pt x="743903" y="363578"/>
+                </a:cubicBezTo>
+                <a:close/>
+              </a:path>
+            </a:pathLst>
+          </a:custGeom>
+          <a:solidFill>
+            <a:schemeClr val="accent5"/>
+          </a:solidFill>
+          <a:ln w="9525" cap="flat">
+            <a:noFill/>
+            <a:prstDash val="solid"/>
+            <a:miter/>
+          </a:ln>
+        </p:spPr>
+        <p:txBody>
+          <a:bodyPr lIns="0" tIns="0" rIns="0" bIns="0" rtlCol="0" anchor="ctr"/>
+          <a:lstStyle/>
+          <a:p>
+            <a:pPr algn="ctr"/>
+            <a:r>
+              <a:rPr lang="pt-BR" sz="800" b="1" dirty="0">
+                <a:solidFill>
+                  <a:schemeClr val="bg1"/>
+                </a:solidFill>
+                <a:latin typeface="Segoe UI" panose="020B0502040204020203" pitchFamily="34" charset="0"/>
+                <a:cs typeface="Segoe UI" panose="020B0502040204020203" pitchFamily="34" charset="0"/>
+              </a:rPr>
+              <a:t>CREAT REACT</a:t>
+            </a:r>
+          </a:p>
+          <a:p>
+            <a:pPr algn="ctr"/>
+            <a:r>
+              <a:rPr lang="pt-BR" sz="800" b="1" dirty="0">
+                <a:solidFill>
+                  <a:schemeClr val="bg1"/>
+                </a:solidFill>
+                <a:latin typeface="Segoe UI" panose="020B0502040204020203" pitchFamily="34" charset="0"/>
+                <a:cs typeface="Segoe UI" panose="020B0502040204020203" pitchFamily="34" charset="0"/>
+              </a:rPr>
+              <a:t>COMPONENT USING LIBRARAY</a:t>
+            </a:r>
+          </a:p>
+        </p:txBody>
+      </p:sp>
+      <p:sp>
+        <p:nvSpPr>
+          <p:cNvPr id="12" name="Graphic 12">
+            <a:extLst>
+              <a:ext uri="{FF2B5EF4-FFF2-40B4-BE49-F238E27FC236}">
+                <a16:creationId xmlns:a16="http://schemas.microsoft.com/office/drawing/2014/main" id="{EEA436E5-3B3C-2D47-6768-9EF518AA2D35}"/>
+              </a:ext>
+            </a:extLst>
+          </p:cNvPr>
+          <p:cNvSpPr/>
+          <p:nvPr/>
+        </p:nvSpPr>
+        <p:spPr>
+          <a:xfrm>
+            <a:off x="6604998" y="2252074"/>
+            <a:ext cx="1115604" cy="541951"/>
+          </a:xfrm>
+          <a:custGeom>
+            <a:avLst/>
+            <a:gdLst>
+              <a:gd name="connsiteX0" fmla="*/ 743903 w 761127"/>
+              <a:gd name="connsiteY0" fmla="*/ 363578 h 363578"/>
+              <a:gd name="connsiteX1" fmla="*/ 17145 w 761127"/>
+              <a:gd name="connsiteY1" fmla="*/ 363578 h 363578"/>
+              <a:gd name="connsiteX2" fmla="*/ 0 w 761127"/>
+              <a:gd name="connsiteY2" fmla="*/ 346580 h 363578"/>
+              <a:gd name="connsiteX3" fmla="*/ 0 w 761127"/>
+              <a:gd name="connsiteY3" fmla="*/ 16998 h 363578"/>
+              <a:gd name="connsiteX4" fmla="*/ 17145 w 761127"/>
+              <a:gd name="connsiteY4" fmla="*/ 0 h 363578"/>
+              <a:gd name="connsiteX5" fmla="*/ 743903 w 761127"/>
+              <a:gd name="connsiteY5" fmla="*/ 0 h 363578"/>
+              <a:gd name="connsiteX6" fmla="*/ 761048 w 761127"/>
+              <a:gd name="connsiteY6" fmla="*/ 16998 h 363578"/>
+              <a:gd name="connsiteX7" fmla="*/ 761048 w 761127"/>
+              <a:gd name="connsiteY7" fmla="*/ 346580 h 363578"/>
+              <a:gd name="connsiteX8" fmla="*/ 743903 w 761127"/>
+              <a:gd name="connsiteY8" fmla="*/ 363578 h 363578"/>
+            </a:gdLst>
+            <a:ahLst/>
+            <a:cxnLst>
+              <a:cxn ang="0">
+                <a:pos x="connsiteX0" y="connsiteY0"/>
+              </a:cxn>
+              <a:cxn ang="0">
+                <a:pos x="connsiteX1" y="connsiteY1"/>
+              </a:cxn>
+              <a:cxn ang="0">
+                <a:pos x="connsiteX2" y="connsiteY2"/>
+              </a:cxn>
+              <a:cxn ang="0">
+                <a:pos x="connsiteX3" y="connsiteY3"/>
+              </a:cxn>
+              <a:cxn ang="0">
+                <a:pos x="connsiteX4" y="connsiteY4"/>
+              </a:cxn>
+              <a:cxn ang="0">
+                <a:pos x="connsiteX5" y="connsiteY5"/>
+              </a:cxn>
+              <a:cxn ang="0">
+                <a:pos x="connsiteX6" y="connsiteY6"/>
+              </a:cxn>
+              <a:cxn ang="0">
+                <a:pos x="connsiteX7" y="connsiteY7"/>
+              </a:cxn>
+              <a:cxn ang="0">
+                <a:pos x="connsiteX8" y="connsiteY8"/>
+              </a:cxn>
+            </a:cxnLst>
+            <a:rect l="l" t="t" r="r" b="b"/>
+            <a:pathLst>
+              <a:path w="761127" h="363578">
+                <a:moveTo>
+                  <a:pt x="743903" y="363578"/>
+                </a:moveTo>
+                <a:lnTo>
+                  <a:pt x="17145" y="363578"/>
+                </a:lnTo>
+                <a:cubicBezTo>
+                  <a:pt x="7620" y="363578"/>
+                  <a:pt x="0" y="356023"/>
+                  <a:pt x="0" y="346580"/>
+                </a:cubicBezTo>
+                <a:lnTo>
+                  <a:pt x="0" y="16998"/>
+                </a:lnTo>
+                <a:cubicBezTo>
+                  <a:pt x="0" y="7555"/>
+                  <a:pt x="7620" y="0"/>
+                  <a:pt x="17145" y="0"/>
+                </a:cubicBezTo>
+                <a:lnTo>
+                  <a:pt x="743903" y="0"/>
+                </a:lnTo>
+                <a:cubicBezTo>
+                  <a:pt x="753428" y="0"/>
+                  <a:pt x="761048" y="7555"/>
+                  <a:pt x="761048" y="16998"/>
+                </a:cubicBezTo>
+                <a:lnTo>
+                  <a:pt x="761048" y="346580"/>
+                </a:lnTo>
+                <a:cubicBezTo>
+                  <a:pt x="762000" y="356023"/>
+                  <a:pt x="754380" y="363578"/>
+                  <a:pt x="743903" y="363578"/>
+                </a:cubicBezTo>
+                <a:close/>
+              </a:path>
+            </a:pathLst>
+          </a:custGeom>
+          <a:solidFill>
+            <a:srgbClr val="F5C247"/>
+          </a:solidFill>
+          <a:ln w="9525" cap="flat">
+            <a:noFill/>
+            <a:prstDash val="solid"/>
+            <a:miter/>
+          </a:ln>
+        </p:spPr>
+        <p:txBody>
+          <a:bodyPr lIns="0" tIns="0" rIns="0" bIns="0" rtlCol="0" anchor="ctr"/>
+          <a:lstStyle/>
+          <a:p>
+            <a:pPr algn="ctr"/>
+            <a:r>
+              <a:rPr lang="pt-BR" sz="800" b="1" dirty="0">
+                <a:solidFill>
+                  <a:schemeClr val="bg1"/>
+                </a:solidFill>
+                <a:latin typeface="Segoe UI" panose="020B0502040204020203" pitchFamily="34" charset="0"/>
+                <a:cs typeface="Segoe UI" panose="020B0502040204020203" pitchFamily="34" charset="0"/>
+              </a:rPr>
+              <a:t>CUSTOMIZE REACT</a:t>
+            </a:r>
+          </a:p>
+          <a:p>
+            <a:pPr algn="ctr"/>
+            <a:r>
+              <a:rPr lang="pt-BR" sz="800" b="1" dirty="0">
+                <a:solidFill>
+                  <a:schemeClr val="bg1"/>
+                </a:solidFill>
+                <a:latin typeface="Segoe UI" panose="020B0502040204020203" pitchFamily="34" charset="0"/>
+                <a:cs typeface="Segoe UI" panose="020B0502040204020203" pitchFamily="34" charset="0"/>
+              </a:rPr>
+              <a:t>COMPONENT AS PER</a:t>
+            </a:r>
+          </a:p>
+          <a:p>
+            <a:pPr algn="ctr"/>
+            <a:r>
+              <a:rPr lang="pt-BR" sz="800" b="1" dirty="0">
+                <a:solidFill>
+                  <a:schemeClr val="bg1"/>
+                </a:solidFill>
+                <a:latin typeface="Segoe UI" panose="020B0502040204020203" pitchFamily="34" charset="0"/>
+                <a:cs typeface="Segoe UI" panose="020B0502040204020203" pitchFamily="34" charset="0"/>
+              </a:rPr>
+              <a:t>PROVIDED THEME</a:t>
+            </a:r>
+          </a:p>
+        </p:txBody>
+      </p:sp>
+      <p:sp>
+        <p:nvSpPr>
+          <p:cNvPr id="13" name="Graphic 12">
+            <a:extLst>
+              <a:ext uri="{FF2B5EF4-FFF2-40B4-BE49-F238E27FC236}">
+                <a16:creationId xmlns:a16="http://schemas.microsoft.com/office/drawing/2014/main" id="{DFD27C30-AC2C-BEBE-7666-8FC04B54301C}"/>
+              </a:ext>
+            </a:extLst>
+          </p:cNvPr>
+          <p:cNvSpPr/>
+          <p:nvPr/>
+        </p:nvSpPr>
+        <p:spPr>
+          <a:xfrm>
+            <a:off x="5631656" y="1472265"/>
+            <a:ext cx="1463910" cy="555969"/>
+          </a:xfrm>
+          <a:custGeom>
+            <a:avLst/>
+            <a:gdLst>
+              <a:gd name="connsiteX0" fmla="*/ 743903 w 761127"/>
+              <a:gd name="connsiteY0" fmla="*/ 363578 h 363578"/>
+              <a:gd name="connsiteX1" fmla="*/ 17145 w 761127"/>
+              <a:gd name="connsiteY1" fmla="*/ 363578 h 363578"/>
+              <a:gd name="connsiteX2" fmla="*/ 0 w 761127"/>
+              <a:gd name="connsiteY2" fmla="*/ 346580 h 363578"/>
+              <a:gd name="connsiteX3" fmla="*/ 0 w 761127"/>
+              <a:gd name="connsiteY3" fmla="*/ 16998 h 363578"/>
+              <a:gd name="connsiteX4" fmla="*/ 17145 w 761127"/>
+              <a:gd name="connsiteY4" fmla="*/ 0 h 363578"/>
+              <a:gd name="connsiteX5" fmla="*/ 743903 w 761127"/>
+              <a:gd name="connsiteY5" fmla="*/ 0 h 363578"/>
+              <a:gd name="connsiteX6" fmla="*/ 761048 w 761127"/>
+              <a:gd name="connsiteY6" fmla="*/ 16998 h 363578"/>
+              <a:gd name="connsiteX7" fmla="*/ 761048 w 761127"/>
+              <a:gd name="connsiteY7" fmla="*/ 346580 h 363578"/>
+              <a:gd name="connsiteX8" fmla="*/ 743903 w 761127"/>
+              <a:gd name="connsiteY8" fmla="*/ 363578 h 363578"/>
+            </a:gdLst>
+            <a:ahLst/>
+            <a:cxnLst>
+              <a:cxn ang="0">
+                <a:pos x="connsiteX0" y="connsiteY0"/>
+              </a:cxn>
+              <a:cxn ang="0">
+                <a:pos x="connsiteX1" y="connsiteY1"/>
+              </a:cxn>
+              <a:cxn ang="0">
+                <a:pos x="connsiteX2" y="connsiteY2"/>
+              </a:cxn>
+              <a:cxn ang="0">
+                <a:pos x="connsiteX3" y="connsiteY3"/>
+              </a:cxn>
+              <a:cxn ang="0">
+                <a:pos x="connsiteX4" y="connsiteY4"/>
+              </a:cxn>
+              <a:cxn ang="0">
+                <a:pos x="connsiteX5" y="connsiteY5"/>
+              </a:cxn>
+              <a:cxn ang="0">
+                <a:pos x="connsiteX6" y="connsiteY6"/>
+              </a:cxn>
+              <a:cxn ang="0">
+                <a:pos x="connsiteX7" y="connsiteY7"/>
+              </a:cxn>
+              <a:cxn ang="0">
+                <a:pos x="connsiteX8" y="connsiteY8"/>
+              </a:cxn>
+            </a:cxnLst>
+            <a:rect l="l" t="t" r="r" b="b"/>
+            <a:pathLst>
+              <a:path w="761127" h="363578">
+                <a:moveTo>
+                  <a:pt x="743903" y="363578"/>
+                </a:moveTo>
+                <a:lnTo>
+                  <a:pt x="17145" y="363578"/>
+                </a:lnTo>
+                <a:cubicBezTo>
+                  <a:pt x="7620" y="363578"/>
+                  <a:pt x="0" y="356023"/>
+                  <a:pt x="0" y="346580"/>
+                </a:cubicBezTo>
+                <a:lnTo>
+                  <a:pt x="0" y="16998"/>
+                </a:lnTo>
+                <a:cubicBezTo>
+                  <a:pt x="0" y="7555"/>
+                  <a:pt x="7620" y="0"/>
+                  <a:pt x="17145" y="0"/>
+                </a:cubicBezTo>
+                <a:lnTo>
+                  <a:pt x="743903" y="0"/>
+                </a:lnTo>
+                <a:cubicBezTo>
+                  <a:pt x="753428" y="0"/>
+                  <a:pt x="761048" y="7555"/>
+                  <a:pt x="761048" y="16998"/>
+                </a:cubicBezTo>
+                <a:lnTo>
+                  <a:pt x="761048" y="346580"/>
+                </a:lnTo>
+                <a:cubicBezTo>
+                  <a:pt x="762000" y="356023"/>
+                  <a:pt x="754380" y="363578"/>
+                  <a:pt x="743903" y="363578"/>
+                </a:cubicBezTo>
+                <a:close/>
+              </a:path>
+            </a:pathLst>
+          </a:custGeom>
+          <a:solidFill>
+            <a:srgbClr val="92D050"/>
+          </a:solidFill>
+          <a:ln w="9525" cap="flat">
+            <a:noFill/>
+            <a:prstDash val="solid"/>
+            <a:miter/>
+          </a:ln>
+        </p:spPr>
+        <p:txBody>
+          <a:bodyPr lIns="0" tIns="0" rIns="0" bIns="0" rtlCol="0" anchor="ctr"/>
+          <a:lstStyle/>
+          <a:p>
+            <a:pPr algn="ctr"/>
+            <a:r>
+              <a:rPr lang="pt-BR" sz="800" b="1" dirty="0">
+                <a:solidFill>
+                  <a:schemeClr val="bg1"/>
+                </a:solidFill>
+                <a:latin typeface="Segoe UI" panose="020B0502040204020203" pitchFamily="34" charset="0"/>
+                <a:cs typeface="Segoe UI" panose="020B0502040204020203" pitchFamily="34" charset="0"/>
+              </a:rPr>
+              <a:t>INTEGRATE THEME INTO REACT BY FOLLOWING ANY OF THE STYLING APPROCH</a:t>
+            </a:r>
+          </a:p>
+        </p:txBody>
+      </p:sp>
+      <p:cxnSp>
+        <p:nvCxnSpPr>
+          <p:cNvPr id="14" name="Straight Arrow Connector 13">
+            <a:extLst>
+              <a:ext uri="{FF2B5EF4-FFF2-40B4-BE49-F238E27FC236}">
+                <a16:creationId xmlns:a16="http://schemas.microsoft.com/office/drawing/2014/main" id="{9289E217-25E7-6910-CC0E-D86604DDE26F}"/>
+              </a:ext>
+            </a:extLst>
+          </p:cNvPr>
+          <p:cNvCxnSpPr>
+            <a:cxnSpLocks/>
+          </p:cNvCxnSpPr>
+          <p:nvPr/>
+        </p:nvCxnSpPr>
+        <p:spPr>
+          <a:xfrm>
+            <a:off x="914400" y="1079100"/>
+            <a:ext cx="0" cy="244286"/>
+          </a:xfrm>
+          <a:prstGeom prst="straightConnector1">
+            <a:avLst/>
+          </a:prstGeom>
+          <a:ln w="19050">
+            <a:solidFill>
+              <a:schemeClr val="bg2">
+                <a:lumMod val="75000"/>
+              </a:schemeClr>
+            </a:solidFill>
+            <a:headEnd type="none" w="med" len="med"/>
+            <a:tailEnd type="arrow" w="med" len="med"/>
+          </a:ln>
+        </p:spPr>
+        <p:style>
+          <a:lnRef idx="1">
+            <a:schemeClr val="dk1"/>
+          </a:lnRef>
+          <a:fillRef idx="0">
+            <a:schemeClr val="dk1"/>
+          </a:fillRef>
+          <a:effectRef idx="0">
+            <a:schemeClr val="dk1"/>
+          </a:effectRef>
+          <a:fontRef idx="minor">
+            <a:schemeClr val="tx1"/>
+          </a:fontRef>
+        </p:style>
+      </p:cxnSp>
+      <p:cxnSp>
+        <p:nvCxnSpPr>
+          <p:cNvPr id="15" name="Straight Arrow Connector 14">
+            <a:extLst>
+              <a:ext uri="{FF2B5EF4-FFF2-40B4-BE49-F238E27FC236}">
+                <a16:creationId xmlns:a16="http://schemas.microsoft.com/office/drawing/2014/main" id="{C082F1BC-1E10-EAD6-6AA4-B0B1D7E4342C}"/>
+              </a:ext>
+            </a:extLst>
+          </p:cNvPr>
+          <p:cNvCxnSpPr>
+            <a:cxnSpLocks/>
+          </p:cNvCxnSpPr>
+          <p:nvPr/>
+        </p:nvCxnSpPr>
+        <p:spPr>
+          <a:xfrm>
+            <a:off x="1419224" y="1723434"/>
+            <a:ext cx="724772" cy="168"/>
+          </a:xfrm>
+          <a:prstGeom prst="straightConnector1">
+            <a:avLst/>
+          </a:prstGeom>
+          <a:ln w="19050">
+            <a:solidFill>
+              <a:schemeClr val="bg2">
+                <a:lumMod val="75000"/>
+              </a:schemeClr>
+            </a:solidFill>
+            <a:headEnd type="none" w="med" len="med"/>
+            <a:tailEnd type="arrow" w="med" len="med"/>
+          </a:ln>
+        </p:spPr>
+        <p:style>
+          <a:lnRef idx="1">
+            <a:schemeClr val="dk1"/>
+          </a:lnRef>
+          <a:fillRef idx="0">
+            <a:schemeClr val="dk1"/>
+          </a:fillRef>
+          <a:effectRef idx="0">
+            <a:schemeClr val="dk1"/>
+          </a:effectRef>
+          <a:fontRef idx="minor">
+            <a:schemeClr val="tx1"/>
+          </a:fontRef>
+        </p:style>
+      </p:cxnSp>
+      <p:sp>
+        <p:nvSpPr>
+          <p:cNvPr id="16" name="Graphic 16">
+            <a:extLst>
+              <a:ext uri="{FF2B5EF4-FFF2-40B4-BE49-F238E27FC236}">
+                <a16:creationId xmlns:a16="http://schemas.microsoft.com/office/drawing/2014/main" id="{12B318F6-2558-C383-1101-9BDB37CE90E9}"/>
+              </a:ext>
+            </a:extLst>
+          </p:cNvPr>
+          <p:cNvSpPr/>
+          <p:nvPr/>
+        </p:nvSpPr>
+        <p:spPr>
+          <a:xfrm>
+            <a:off x="1600200" y="1654714"/>
+            <a:ext cx="308613" cy="152064"/>
+          </a:xfrm>
+          <a:custGeom>
+            <a:avLst/>
+            <a:gdLst>
+              <a:gd name="connsiteX0" fmla="*/ 280988 w 307657"/>
+              <a:gd name="connsiteY0" fmla="*/ 116058 h 116058"/>
+              <a:gd name="connsiteX1" fmla="*/ 26670 w 307657"/>
+              <a:gd name="connsiteY1" fmla="*/ 116058 h 116058"/>
+              <a:gd name="connsiteX2" fmla="*/ 0 w 307657"/>
+              <a:gd name="connsiteY2" fmla="*/ 91440 h 116058"/>
+              <a:gd name="connsiteX3" fmla="*/ 0 w 307657"/>
+              <a:gd name="connsiteY3" fmla="*/ 24618 h 116058"/>
+              <a:gd name="connsiteX4" fmla="*/ 26670 w 307657"/>
+              <a:gd name="connsiteY4" fmla="*/ 0 h 116058"/>
+              <a:gd name="connsiteX5" fmla="*/ 280988 w 307657"/>
+              <a:gd name="connsiteY5" fmla="*/ 0 h 116058"/>
+              <a:gd name="connsiteX6" fmla="*/ 307658 w 307657"/>
+              <a:gd name="connsiteY6" fmla="*/ 24618 h 116058"/>
+              <a:gd name="connsiteX7" fmla="*/ 307658 w 307657"/>
+              <a:gd name="connsiteY7" fmla="*/ 91440 h 116058"/>
+              <a:gd name="connsiteX8" fmla="*/ 280988 w 307657"/>
+              <a:gd name="connsiteY8" fmla="*/ 116058 h 116058"/>
+            </a:gdLst>
+            <a:ahLst/>
+            <a:cxnLst>
+              <a:cxn ang="0">
+                <a:pos x="connsiteX0" y="connsiteY0"/>
+              </a:cxn>
+              <a:cxn ang="0">
+                <a:pos x="connsiteX1" y="connsiteY1"/>
+              </a:cxn>
+              <a:cxn ang="0">
+                <a:pos x="connsiteX2" y="connsiteY2"/>
+              </a:cxn>
+              <a:cxn ang="0">
+                <a:pos x="connsiteX3" y="connsiteY3"/>
+              </a:cxn>
+              <a:cxn ang="0">
+                <a:pos x="connsiteX4" y="connsiteY4"/>
+              </a:cxn>
+              <a:cxn ang="0">
+                <a:pos x="connsiteX5" y="connsiteY5"/>
+              </a:cxn>
+              <a:cxn ang="0">
+                <a:pos x="connsiteX6" y="connsiteY6"/>
+              </a:cxn>
+              <a:cxn ang="0">
+                <a:pos x="connsiteX7" y="connsiteY7"/>
+              </a:cxn>
+              <a:cxn ang="0">
+                <a:pos x="connsiteX8" y="connsiteY8"/>
+              </a:cxn>
+            </a:cxnLst>
+            <a:rect l="l" t="t" r="r" b="b"/>
+            <a:pathLst>
+              <a:path w="307657" h="116058">
+                <a:moveTo>
+                  <a:pt x="280988" y="116058"/>
+                </a:moveTo>
+                <a:lnTo>
+                  <a:pt x="26670" y="116058"/>
+                </a:lnTo>
+                <a:cubicBezTo>
+                  <a:pt x="12383" y="116058"/>
+                  <a:pt x="0" y="105508"/>
+                  <a:pt x="0" y="91440"/>
+                </a:cubicBezTo>
+                <a:lnTo>
+                  <a:pt x="0" y="24618"/>
+                </a:lnTo>
+                <a:cubicBezTo>
+                  <a:pt x="0" y="11430"/>
+                  <a:pt x="12383" y="0"/>
+                  <a:pt x="26670" y="0"/>
+                </a:cubicBezTo>
+                <a:lnTo>
+                  <a:pt x="280988" y="0"/>
+                </a:lnTo>
+                <a:cubicBezTo>
+                  <a:pt x="295275" y="0"/>
+                  <a:pt x="307658" y="11430"/>
+                  <a:pt x="307658" y="24618"/>
+                </a:cubicBezTo>
+                <a:lnTo>
+                  <a:pt x="307658" y="91440"/>
+                </a:lnTo>
+                <a:cubicBezTo>
+                  <a:pt x="307658" y="105508"/>
+                  <a:pt x="296228" y="116058"/>
+                  <a:pt x="280988" y="116058"/>
+                </a:cubicBezTo>
+                <a:close/>
+              </a:path>
+            </a:pathLst>
+          </a:custGeom>
+          <a:solidFill>
+            <a:schemeClr val="accent1"/>
+          </a:solidFill>
+          <a:ln w="9525" cap="flat">
+            <a:noFill/>
+            <a:prstDash val="solid"/>
+            <a:miter/>
+          </a:ln>
+        </p:spPr>
+        <p:txBody>
+          <a:bodyPr lIns="0" tIns="0" rIns="0" bIns="0" rtlCol="0" anchor="ctr"/>
+          <a:lstStyle/>
+          <a:p>
+            <a:pPr algn="ctr"/>
+            <a:r>
+              <a:rPr lang="pt-BR" sz="800" b="1" dirty="0">
+                <a:solidFill>
+                  <a:schemeClr val="bg1"/>
+                </a:solidFill>
+                <a:latin typeface="Segoe UI" panose="020B0502040204020203" pitchFamily="34" charset="0"/>
+                <a:cs typeface="Segoe UI" panose="020B0502040204020203" pitchFamily="34" charset="0"/>
+              </a:rPr>
+              <a:t>YES</a:t>
+            </a:r>
+          </a:p>
+        </p:txBody>
+      </p:sp>
+      <p:sp>
+        <p:nvSpPr>
+          <p:cNvPr id="17" name="Graphic 8">
+            <a:extLst>
+              <a:ext uri="{FF2B5EF4-FFF2-40B4-BE49-F238E27FC236}">
+                <a16:creationId xmlns:a16="http://schemas.microsoft.com/office/drawing/2014/main" id="{666D8322-FCA6-B3E2-8A36-7D1657AF5466}"/>
+              </a:ext>
+            </a:extLst>
+          </p:cNvPr>
+          <p:cNvSpPr/>
+          <p:nvPr/>
+        </p:nvSpPr>
+        <p:spPr>
+          <a:xfrm>
+            <a:off x="2189832" y="1382262"/>
+            <a:ext cx="875885" cy="707503"/>
+          </a:xfrm>
+          <a:custGeom>
+            <a:avLst/>
+            <a:gdLst>
+              <a:gd name="connsiteX0" fmla="*/ 613343 w 624070"/>
+              <a:gd name="connsiteY0" fmla="*/ 245269 h 451484"/>
+              <a:gd name="connsiteX1" fmla="*/ 324822 w 624070"/>
+              <a:gd name="connsiteY1" fmla="*/ 447199 h 451484"/>
+              <a:gd name="connsiteX2" fmla="*/ 297478 w 624070"/>
+              <a:gd name="connsiteY2" fmla="*/ 447199 h 451484"/>
+              <a:gd name="connsiteX3" fmla="*/ 9900 w 624070"/>
+              <a:gd name="connsiteY3" fmla="*/ 245269 h 451484"/>
+              <a:gd name="connsiteX4" fmla="*/ 9900 w 624070"/>
+              <a:gd name="connsiteY4" fmla="*/ 206216 h 451484"/>
+              <a:gd name="connsiteX5" fmla="*/ 298421 w 624070"/>
+              <a:gd name="connsiteY5" fmla="*/ 4286 h 451484"/>
+              <a:gd name="connsiteX6" fmla="*/ 325765 w 624070"/>
+              <a:gd name="connsiteY6" fmla="*/ 4286 h 451484"/>
+              <a:gd name="connsiteX7" fmla="*/ 614286 w 624070"/>
+              <a:gd name="connsiteY7" fmla="*/ 206216 h 451484"/>
+              <a:gd name="connsiteX8" fmla="*/ 613343 w 624070"/>
+              <a:gd name="connsiteY8" fmla="*/ 245269 h 451484"/>
+            </a:gdLst>
+            <a:ahLst/>
+            <a:cxnLst>
+              <a:cxn ang="0">
+                <a:pos x="connsiteX0" y="connsiteY0"/>
+              </a:cxn>
+              <a:cxn ang="0">
+                <a:pos x="connsiteX1" y="connsiteY1"/>
+              </a:cxn>
+              <a:cxn ang="0">
+                <a:pos x="connsiteX2" y="connsiteY2"/>
+              </a:cxn>
+              <a:cxn ang="0">
+                <a:pos x="connsiteX3" y="connsiteY3"/>
+              </a:cxn>
+              <a:cxn ang="0">
+                <a:pos x="connsiteX4" y="connsiteY4"/>
+              </a:cxn>
+              <a:cxn ang="0">
+                <a:pos x="connsiteX5" y="connsiteY5"/>
+              </a:cxn>
+              <a:cxn ang="0">
+                <a:pos x="connsiteX6" y="connsiteY6"/>
+              </a:cxn>
+              <a:cxn ang="0">
+                <a:pos x="connsiteX7" y="connsiteY7"/>
+              </a:cxn>
+              <a:cxn ang="0">
+                <a:pos x="connsiteX8" y="connsiteY8"/>
+              </a:cxn>
+            </a:cxnLst>
+            <a:rect l="l" t="t" r="r" b="b"/>
+            <a:pathLst>
+              <a:path w="624070" h="451484">
+                <a:moveTo>
+                  <a:pt x="613343" y="245269"/>
+                </a:moveTo>
+                <a:lnTo>
+                  <a:pt x="324822" y="447199"/>
+                </a:lnTo>
+                <a:cubicBezTo>
+                  <a:pt x="316336" y="452914"/>
+                  <a:pt x="305964" y="452914"/>
+                  <a:pt x="297478" y="447199"/>
+                </a:cubicBezTo>
+                <a:lnTo>
+                  <a:pt x="9900" y="245269"/>
+                </a:lnTo>
+                <a:cubicBezTo>
+                  <a:pt x="-3300" y="235744"/>
+                  <a:pt x="-3300" y="215741"/>
+                  <a:pt x="9900" y="206216"/>
+                </a:cubicBezTo>
+                <a:lnTo>
+                  <a:pt x="298421" y="4286"/>
+                </a:lnTo>
+                <a:cubicBezTo>
+                  <a:pt x="306907" y="-1429"/>
+                  <a:pt x="317279" y="-1429"/>
+                  <a:pt x="325765" y="4286"/>
+                </a:cubicBezTo>
+                <a:lnTo>
+                  <a:pt x="614286" y="206216"/>
+                </a:lnTo>
+                <a:cubicBezTo>
+                  <a:pt x="627486" y="215741"/>
+                  <a:pt x="627486" y="235744"/>
+                  <a:pt x="613343" y="245269"/>
+                </a:cubicBezTo>
+                <a:close/>
+              </a:path>
+            </a:pathLst>
+          </a:custGeom>
+          <a:solidFill>
+            <a:srgbClr val="867BBF"/>
+          </a:solidFill>
+          <a:ln w="9381" cap="flat">
+            <a:noFill/>
+            <a:prstDash val="solid"/>
+            <a:miter/>
+          </a:ln>
+        </p:spPr>
+        <p:txBody>
+          <a:bodyPr lIns="0" tIns="0" rIns="0" bIns="0" rtlCol="0" anchor="ctr"/>
+          <a:lstStyle/>
+          <a:p>
+            <a:pPr algn="ctr"/>
+            <a:r>
+              <a:rPr lang="pt-BR" sz="800" b="1" dirty="0">
+                <a:solidFill>
+                  <a:schemeClr val="bg1"/>
+                </a:solidFill>
+                <a:latin typeface="Segoe UI" panose="020B0502040204020203" pitchFamily="34" charset="0"/>
+                <a:cs typeface="Segoe UI" panose="020B0502040204020203" pitchFamily="34" charset="0"/>
+              </a:rPr>
+              <a:t>REACT COMPONENT</a:t>
+            </a:r>
+          </a:p>
+          <a:p>
+            <a:pPr algn="ctr"/>
+            <a:r>
+              <a:rPr lang="pt-BR" sz="800" b="1" dirty="0">
+                <a:solidFill>
+                  <a:schemeClr val="bg1"/>
+                </a:solidFill>
+                <a:latin typeface="Segoe UI" panose="020B0502040204020203" pitchFamily="34" charset="0"/>
+                <a:cs typeface="Segoe UI" panose="020B0502040204020203" pitchFamily="34" charset="0"/>
+              </a:rPr>
+              <a:t>?</a:t>
+            </a:r>
+          </a:p>
+        </p:txBody>
+      </p:sp>
+      <p:cxnSp>
+        <p:nvCxnSpPr>
+          <p:cNvPr id="18" name="Straight Arrow Connector 17">
+            <a:extLst>
+              <a:ext uri="{FF2B5EF4-FFF2-40B4-BE49-F238E27FC236}">
+                <a16:creationId xmlns:a16="http://schemas.microsoft.com/office/drawing/2014/main" id="{C2C9D999-FC2D-A889-92C4-1D36C92AE476}"/>
+              </a:ext>
+            </a:extLst>
+          </p:cNvPr>
+          <p:cNvCxnSpPr>
+            <a:cxnSpLocks/>
+          </p:cNvCxnSpPr>
+          <p:nvPr/>
+        </p:nvCxnSpPr>
+        <p:spPr>
+          <a:xfrm>
+            <a:off x="914400" y="2125866"/>
+            <a:ext cx="0" cy="493500"/>
+          </a:xfrm>
+          <a:prstGeom prst="straightConnector1">
+            <a:avLst/>
+          </a:prstGeom>
+          <a:ln w="19050">
+            <a:solidFill>
+              <a:schemeClr val="bg2">
+                <a:lumMod val="75000"/>
+              </a:schemeClr>
+            </a:solidFill>
+            <a:headEnd type="none" w="med" len="med"/>
+            <a:tailEnd type="arrow" w="med" len="med"/>
+          </a:ln>
+        </p:spPr>
+        <p:style>
+          <a:lnRef idx="1">
+            <a:schemeClr val="dk1"/>
+          </a:lnRef>
+          <a:fillRef idx="0">
+            <a:schemeClr val="dk1"/>
+          </a:fillRef>
+          <a:effectRef idx="0">
+            <a:schemeClr val="dk1"/>
+          </a:effectRef>
+          <a:fontRef idx="minor">
+            <a:schemeClr val="tx1"/>
+          </a:fontRef>
+        </p:style>
+      </p:cxnSp>
+      <p:sp>
+        <p:nvSpPr>
+          <p:cNvPr id="19" name="Graphic 16">
+            <a:extLst>
+              <a:ext uri="{FF2B5EF4-FFF2-40B4-BE49-F238E27FC236}">
+                <a16:creationId xmlns:a16="http://schemas.microsoft.com/office/drawing/2014/main" id="{1199645A-CDBC-EA1D-FEDC-A38A98CAB0A8}"/>
+              </a:ext>
+            </a:extLst>
+          </p:cNvPr>
+          <p:cNvSpPr/>
+          <p:nvPr/>
+        </p:nvSpPr>
+        <p:spPr>
+          <a:xfrm>
+            <a:off x="792956" y="2252074"/>
+            <a:ext cx="251950" cy="152398"/>
+          </a:xfrm>
+          <a:custGeom>
+            <a:avLst/>
+            <a:gdLst>
+              <a:gd name="connsiteX0" fmla="*/ 280988 w 307657"/>
+              <a:gd name="connsiteY0" fmla="*/ 116058 h 116058"/>
+              <a:gd name="connsiteX1" fmla="*/ 26670 w 307657"/>
+              <a:gd name="connsiteY1" fmla="*/ 116058 h 116058"/>
+              <a:gd name="connsiteX2" fmla="*/ 0 w 307657"/>
+              <a:gd name="connsiteY2" fmla="*/ 91440 h 116058"/>
+              <a:gd name="connsiteX3" fmla="*/ 0 w 307657"/>
+              <a:gd name="connsiteY3" fmla="*/ 24618 h 116058"/>
+              <a:gd name="connsiteX4" fmla="*/ 26670 w 307657"/>
+              <a:gd name="connsiteY4" fmla="*/ 0 h 116058"/>
+              <a:gd name="connsiteX5" fmla="*/ 280988 w 307657"/>
+              <a:gd name="connsiteY5" fmla="*/ 0 h 116058"/>
+              <a:gd name="connsiteX6" fmla="*/ 307658 w 307657"/>
+              <a:gd name="connsiteY6" fmla="*/ 24618 h 116058"/>
+              <a:gd name="connsiteX7" fmla="*/ 307658 w 307657"/>
+              <a:gd name="connsiteY7" fmla="*/ 91440 h 116058"/>
+              <a:gd name="connsiteX8" fmla="*/ 280988 w 307657"/>
+              <a:gd name="connsiteY8" fmla="*/ 116058 h 116058"/>
+            </a:gdLst>
+            <a:ahLst/>
+            <a:cxnLst>
+              <a:cxn ang="0">
+                <a:pos x="connsiteX0" y="connsiteY0"/>
+              </a:cxn>
+              <a:cxn ang="0">
+                <a:pos x="connsiteX1" y="connsiteY1"/>
+              </a:cxn>
+              <a:cxn ang="0">
+                <a:pos x="connsiteX2" y="connsiteY2"/>
+              </a:cxn>
+              <a:cxn ang="0">
+                <a:pos x="connsiteX3" y="connsiteY3"/>
+              </a:cxn>
+              <a:cxn ang="0">
+                <a:pos x="connsiteX4" y="connsiteY4"/>
+              </a:cxn>
+              <a:cxn ang="0">
+                <a:pos x="connsiteX5" y="connsiteY5"/>
+              </a:cxn>
+              <a:cxn ang="0">
+                <a:pos x="connsiteX6" y="connsiteY6"/>
+              </a:cxn>
+              <a:cxn ang="0">
+                <a:pos x="connsiteX7" y="connsiteY7"/>
+              </a:cxn>
+              <a:cxn ang="0">
+                <a:pos x="connsiteX8" y="connsiteY8"/>
+              </a:cxn>
+            </a:cxnLst>
+            <a:rect l="l" t="t" r="r" b="b"/>
+            <a:pathLst>
+              <a:path w="307657" h="116058">
+                <a:moveTo>
+                  <a:pt x="280988" y="116058"/>
+                </a:moveTo>
+                <a:lnTo>
+                  <a:pt x="26670" y="116058"/>
+                </a:lnTo>
+                <a:cubicBezTo>
+                  <a:pt x="12383" y="116058"/>
+                  <a:pt x="0" y="105508"/>
+                  <a:pt x="0" y="91440"/>
+                </a:cubicBezTo>
+                <a:lnTo>
+                  <a:pt x="0" y="24618"/>
+                </a:lnTo>
+                <a:cubicBezTo>
+                  <a:pt x="0" y="11430"/>
+                  <a:pt x="12383" y="0"/>
+                  <a:pt x="26670" y="0"/>
+                </a:cubicBezTo>
+                <a:lnTo>
+                  <a:pt x="280988" y="0"/>
+                </a:lnTo>
+                <a:cubicBezTo>
+                  <a:pt x="295275" y="0"/>
+                  <a:pt x="307658" y="11430"/>
+                  <a:pt x="307658" y="24618"/>
+                </a:cubicBezTo>
+                <a:lnTo>
+                  <a:pt x="307658" y="91440"/>
+                </a:lnTo>
+                <a:cubicBezTo>
+                  <a:pt x="307658" y="105508"/>
+                  <a:pt x="296228" y="116058"/>
+                  <a:pt x="280988" y="116058"/>
+                </a:cubicBezTo>
+                <a:close/>
+              </a:path>
+            </a:pathLst>
+          </a:custGeom>
+          <a:solidFill>
+            <a:schemeClr val="accent1"/>
+          </a:solidFill>
+          <a:ln w="9525" cap="flat">
+            <a:noFill/>
+            <a:prstDash val="solid"/>
+            <a:miter/>
+          </a:ln>
+        </p:spPr>
+        <p:txBody>
+          <a:bodyPr lIns="0" tIns="0" rIns="0" bIns="0" rtlCol="0" anchor="ctr"/>
+          <a:lstStyle/>
+          <a:p>
+            <a:pPr algn="ctr"/>
+            <a:r>
+              <a:rPr lang="pt-BR" sz="800" b="1" dirty="0">
+                <a:solidFill>
+                  <a:schemeClr val="bg1"/>
+                </a:solidFill>
+                <a:latin typeface="Segoe UI" panose="020B0502040204020203" pitchFamily="34" charset="0"/>
+                <a:cs typeface="Segoe UI" panose="020B0502040204020203" pitchFamily="34" charset="0"/>
+              </a:rPr>
+              <a:t>NO</a:t>
+            </a:r>
+          </a:p>
+        </p:txBody>
+      </p:sp>
+      <p:cxnSp>
+        <p:nvCxnSpPr>
+          <p:cNvPr id="20" name="Straight Arrow Connector 19">
+            <a:extLst>
+              <a:ext uri="{FF2B5EF4-FFF2-40B4-BE49-F238E27FC236}">
+                <a16:creationId xmlns:a16="http://schemas.microsoft.com/office/drawing/2014/main" id="{B9B2DB86-4960-319E-ED0F-A66F8DEBCE28}"/>
+              </a:ext>
+            </a:extLst>
+          </p:cNvPr>
+          <p:cNvCxnSpPr>
+            <a:cxnSpLocks/>
+          </p:cNvCxnSpPr>
+          <p:nvPr/>
+        </p:nvCxnSpPr>
+        <p:spPr>
+          <a:xfrm>
+            <a:off x="3124200" y="1733614"/>
+            <a:ext cx="724772" cy="168"/>
+          </a:xfrm>
+          <a:prstGeom prst="straightConnector1">
+            <a:avLst/>
+          </a:prstGeom>
+          <a:ln w="19050">
+            <a:solidFill>
+              <a:schemeClr val="bg2">
+                <a:lumMod val="75000"/>
+              </a:schemeClr>
+            </a:solidFill>
+            <a:headEnd type="none" w="med" len="med"/>
+            <a:tailEnd type="arrow" w="med" len="med"/>
+          </a:ln>
+        </p:spPr>
+        <p:style>
+          <a:lnRef idx="1">
+            <a:schemeClr val="dk1"/>
+          </a:lnRef>
+          <a:fillRef idx="0">
+            <a:schemeClr val="dk1"/>
+          </a:fillRef>
+          <a:effectRef idx="0">
+            <a:schemeClr val="dk1"/>
+          </a:effectRef>
+          <a:fontRef idx="minor">
+            <a:schemeClr val="tx1"/>
+          </a:fontRef>
+        </p:style>
+      </p:cxnSp>
+      <p:sp>
+        <p:nvSpPr>
+          <p:cNvPr id="21" name="Graphic 16">
+            <a:extLst>
+              <a:ext uri="{FF2B5EF4-FFF2-40B4-BE49-F238E27FC236}">
+                <a16:creationId xmlns:a16="http://schemas.microsoft.com/office/drawing/2014/main" id="{3A6D87DC-9E3B-C9E2-32B1-CCCE9B5A1319}"/>
+              </a:ext>
+            </a:extLst>
+          </p:cNvPr>
+          <p:cNvSpPr/>
+          <p:nvPr/>
+        </p:nvSpPr>
+        <p:spPr>
+          <a:xfrm>
+            <a:off x="3305176" y="1664894"/>
+            <a:ext cx="308613" cy="152064"/>
+          </a:xfrm>
+          <a:custGeom>
+            <a:avLst/>
+            <a:gdLst>
+              <a:gd name="connsiteX0" fmla="*/ 280988 w 307657"/>
+              <a:gd name="connsiteY0" fmla="*/ 116058 h 116058"/>
+              <a:gd name="connsiteX1" fmla="*/ 26670 w 307657"/>
+              <a:gd name="connsiteY1" fmla="*/ 116058 h 116058"/>
+              <a:gd name="connsiteX2" fmla="*/ 0 w 307657"/>
+              <a:gd name="connsiteY2" fmla="*/ 91440 h 116058"/>
+              <a:gd name="connsiteX3" fmla="*/ 0 w 307657"/>
+              <a:gd name="connsiteY3" fmla="*/ 24618 h 116058"/>
+              <a:gd name="connsiteX4" fmla="*/ 26670 w 307657"/>
+              <a:gd name="connsiteY4" fmla="*/ 0 h 116058"/>
+              <a:gd name="connsiteX5" fmla="*/ 280988 w 307657"/>
+              <a:gd name="connsiteY5" fmla="*/ 0 h 116058"/>
+              <a:gd name="connsiteX6" fmla="*/ 307658 w 307657"/>
+              <a:gd name="connsiteY6" fmla="*/ 24618 h 116058"/>
+              <a:gd name="connsiteX7" fmla="*/ 307658 w 307657"/>
+              <a:gd name="connsiteY7" fmla="*/ 91440 h 116058"/>
+              <a:gd name="connsiteX8" fmla="*/ 280988 w 307657"/>
+              <a:gd name="connsiteY8" fmla="*/ 116058 h 116058"/>
+            </a:gdLst>
+            <a:ahLst/>
+            <a:cxnLst>
+              <a:cxn ang="0">
+                <a:pos x="connsiteX0" y="connsiteY0"/>
+              </a:cxn>
+              <a:cxn ang="0">
+                <a:pos x="connsiteX1" y="connsiteY1"/>
+              </a:cxn>
+              <a:cxn ang="0">
+                <a:pos x="connsiteX2" y="connsiteY2"/>
+              </a:cxn>
+              <a:cxn ang="0">
+                <a:pos x="connsiteX3" y="connsiteY3"/>
+              </a:cxn>
+              <a:cxn ang="0">
+                <a:pos x="connsiteX4" y="connsiteY4"/>
+              </a:cxn>
+              <a:cxn ang="0">
+                <a:pos x="connsiteX5" y="connsiteY5"/>
+              </a:cxn>
+              <a:cxn ang="0">
+                <a:pos x="connsiteX6" y="connsiteY6"/>
+              </a:cxn>
+              <a:cxn ang="0">
+                <a:pos x="connsiteX7" y="connsiteY7"/>
+              </a:cxn>
+              <a:cxn ang="0">
+                <a:pos x="connsiteX8" y="connsiteY8"/>
+              </a:cxn>
+            </a:cxnLst>
+            <a:rect l="l" t="t" r="r" b="b"/>
+            <a:pathLst>
+              <a:path w="307657" h="116058">
+                <a:moveTo>
+                  <a:pt x="280988" y="116058"/>
+                </a:moveTo>
+                <a:lnTo>
+                  <a:pt x="26670" y="116058"/>
+                </a:lnTo>
+                <a:cubicBezTo>
+                  <a:pt x="12383" y="116058"/>
+                  <a:pt x="0" y="105508"/>
+                  <a:pt x="0" y="91440"/>
+                </a:cubicBezTo>
+                <a:lnTo>
+                  <a:pt x="0" y="24618"/>
+                </a:lnTo>
+                <a:cubicBezTo>
+                  <a:pt x="0" y="11430"/>
+                  <a:pt x="12383" y="0"/>
+                  <a:pt x="26670" y="0"/>
+                </a:cubicBezTo>
+                <a:lnTo>
+                  <a:pt x="280988" y="0"/>
+                </a:lnTo>
+                <a:cubicBezTo>
+                  <a:pt x="295275" y="0"/>
+                  <a:pt x="307658" y="11430"/>
+                  <a:pt x="307658" y="24618"/>
+                </a:cubicBezTo>
+                <a:lnTo>
+                  <a:pt x="307658" y="91440"/>
+                </a:lnTo>
+                <a:cubicBezTo>
+                  <a:pt x="307658" y="105508"/>
+                  <a:pt x="296228" y="116058"/>
+                  <a:pt x="280988" y="116058"/>
+                </a:cubicBezTo>
+                <a:close/>
+              </a:path>
+            </a:pathLst>
+          </a:custGeom>
+          <a:solidFill>
+            <a:schemeClr val="accent1"/>
+          </a:solidFill>
+          <a:ln w="9525" cap="flat">
+            <a:noFill/>
+            <a:prstDash val="solid"/>
+            <a:miter/>
+          </a:ln>
+        </p:spPr>
+        <p:txBody>
+          <a:bodyPr lIns="0" tIns="0" rIns="0" bIns="0" rtlCol="0" anchor="ctr"/>
+          <a:lstStyle/>
+          <a:p>
+            <a:pPr algn="ctr"/>
+            <a:r>
+              <a:rPr lang="pt-BR" sz="800" b="1" dirty="0">
+                <a:solidFill>
+                  <a:schemeClr val="bg1"/>
+                </a:solidFill>
+                <a:latin typeface="Segoe UI" panose="020B0502040204020203" pitchFamily="34" charset="0"/>
+                <a:cs typeface="Segoe UI" panose="020B0502040204020203" pitchFamily="34" charset="0"/>
+              </a:rPr>
+              <a:t>NO</a:t>
+            </a:r>
+          </a:p>
+        </p:txBody>
+      </p:sp>
+      <p:sp>
+        <p:nvSpPr>
+          <p:cNvPr id="22" name="Graphic 8">
+            <a:extLst>
+              <a:ext uri="{FF2B5EF4-FFF2-40B4-BE49-F238E27FC236}">
+                <a16:creationId xmlns:a16="http://schemas.microsoft.com/office/drawing/2014/main" id="{CF1FAACD-C772-88A7-2CEA-3320D9031E70}"/>
+              </a:ext>
+            </a:extLst>
+          </p:cNvPr>
+          <p:cNvSpPr/>
+          <p:nvPr/>
+        </p:nvSpPr>
+        <p:spPr>
+          <a:xfrm>
+            <a:off x="3894808" y="1392442"/>
+            <a:ext cx="875885" cy="707503"/>
+          </a:xfrm>
+          <a:custGeom>
+            <a:avLst/>
+            <a:gdLst>
+              <a:gd name="connsiteX0" fmla="*/ 613343 w 624070"/>
+              <a:gd name="connsiteY0" fmla="*/ 245269 h 451484"/>
+              <a:gd name="connsiteX1" fmla="*/ 324822 w 624070"/>
+              <a:gd name="connsiteY1" fmla="*/ 447199 h 451484"/>
+              <a:gd name="connsiteX2" fmla="*/ 297478 w 624070"/>
+              <a:gd name="connsiteY2" fmla="*/ 447199 h 451484"/>
+              <a:gd name="connsiteX3" fmla="*/ 9900 w 624070"/>
+              <a:gd name="connsiteY3" fmla="*/ 245269 h 451484"/>
+              <a:gd name="connsiteX4" fmla="*/ 9900 w 624070"/>
+              <a:gd name="connsiteY4" fmla="*/ 206216 h 451484"/>
+              <a:gd name="connsiteX5" fmla="*/ 298421 w 624070"/>
+              <a:gd name="connsiteY5" fmla="*/ 4286 h 451484"/>
+              <a:gd name="connsiteX6" fmla="*/ 325765 w 624070"/>
+              <a:gd name="connsiteY6" fmla="*/ 4286 h 451484"/>
+              <a:gd name="connsiteX7" fmla="*/ 614286 w 624070"/>
+              <a:gd name="connsiteY7" fmla="*/ 206216 h 451484"/>
+              <a:gd name="connsiteX8" fmla="*/ 613343 w 624070"/>
+              <a:gd name="connsiteY8" fmla="*/ 245269 h 451484"/>
+            </a:gdLst>
+            <a:ahLst/>
+            <a:cxnLst>
+              <a:cxn ang="0">
+                <a:pos x="connsiteX0" y="connsiteY0"/>
+              </a:cxn>
+              <a:cxn ang="0">
+                <a:pos x="connsiteX1" y="connsiteY1"/>
+              </a:cxn>
+              <a:cxn ang="0">
+                <a:pos x="connsiteX2" y="connsiteY2"/>
+              </a:cxn>
+              <a:cxn ang="0">
+                <a:pos x="connsiteX3" y="connsiteY3"/>
+              </a:cxn>
+              <a:cxn ang="0">
+                <a:pos x="connsiteX4" y="connsiteY4"/>
+              </a:cxn>
+              <a:cxn ang="0">
+                <a:pos x="connsiteX5" y="connsiteY5"/>
+              </a:cxn>
+              <a:cxn ang="0">
+                <a:pos x="connsiteX6" y="connsiteY6"/>
+              </a:cxn>
+              <a:cxn ang="0">
+                <a:pos x="connsiteX7" y="connsiteY7"/>
+              </a:cxn>
+              <a:cxn ang="0">
+                <a:pos x="connsiteX8" y="connsiteY8"/>
+              </a:cxn>
+            </a:cxnLst>
+            <a:rect l="l" t="t" r="r" b="b"/>
+            <a:pathLst>
+              <a:path w="624070" h="451484">
+                <a:moveTo>
+                  <a:pt x="613343" y="245269"/>
+                </a:moveTo>
+                <a:lnTo>
+                  <a:pt x="324822" y="447199"/>
+                </a:lnTo>
+                <a:cubicBezTo>
+                  <a:pt x="316336" y="452914"/>
+                  <a:pt x="305964" y="452914"/>
+                  <a:pt x="297478" y="447199"/>
+                </a:cubicBezTo>
+                <a:lnTo>
+                  <a:pt x="9900" y="245269"/>
+                </a:lnTo>
+                <a:cubicBezTo>
+                  <a:pt x="-3300" y="235744"/>
+                  <a:pt x="-3300" y="215741"/>
+                  <a:pt x="9900" y="206216"/>
+                </a:cubicBezTo>
+                <a:lnTo>
+                  <a:pt x="298421" y="4286"/>
+                </a:lnTo>
+                <a:cubicBezTo>
+                  <a:pt x="306907" y="-1429"/>
+                  <a:pt x="317279" y="-1429"/>
+                  <a:pt x="325765" y="4286"/>
+                </a:cubicBezTo>
+                <a:lnTo>
+                  <a:pt x="614286" y="206216"/>
+                </a:lnTo>
+                <a:cubicBezTo>
+                  <a:pt x="627486" y="215741"/>
+                  <a:pt x="627486" y="235744"/>
+                  <a:pt x="613343" y="245269"/>
+                </a:cubicBezTo>
+                <a:close/>
+              </a:path>
+            </a:pathLst>
+          </a:custGeom>
+          <a:solidFill>
+            <a:srgbClr val="867BBF"/>
+          </a:solidFill>
+          <a:ln w="9381" cap="flat">
+            <a:noFill/>
+            <a:prstDash val="solid"/>
+            <a:miter/>
+          </a:ln>
+        </p:spPr>
+        <p:txBody>
+          <a:bodyPr lIns="0" tIns="0" rIns="0" bIns="0" rtlCol="0" anchor="ctr"/>
+          <a:lstStyle/>
+          <a:p>
+            <a:pPr algn="ctr"/>
+            <a:r>
+              <a:rPr lang="pt-BR" sz="800" b="1" dirty="0">
+                <a:solidFill>
+                  <a:schemeClr val="bg1"/>
+                </a:solidFill>
+                <a:latin typeface="Segoe UI" panose="020B0502040204020203" pitchFamily="34" charset="0"/>
+                <a:cs typeface="Segoe UI" panose="020B0502040204020203" pitchFamily="34" charset="0"/>
+              </a:rPr>
+              <a:t>USE </a:t>
+            </a:r>
+          </a:p>
+          <a:p>
+            <a:pPr algn="ctr"/>
+            <a:r>
+              <a:rPr lang="pt-BR" sz="800" b="1" dirty="0">
+                <a:solidFill>
+                  <a:schemeClr val="bg1"/>
+                </a:solidFill>
+                <a:latin typeface="Segoe UI" panose="020B0502040204020203" pitchFamily="34" charset="0"/>
+                <a:cs typeface="Segoe UI" panose="020B0502040204020203" pitchFamily="34" charset="0"/>
+              </a:rPr>
+              <a:t>LIBRARY</a:t>
+            </a:r>
+          </a:p>
+          <a:p>
+            <a:pPr algn="ctr"/>
+            <a:r>
+              <a:rPr lang="pt-BR" sz="800" b="1" dirty="0">
+                <a:solidFill>
+                  <a:schemeClr val="bg1"/>
+                </a:solidFill>
+                <a:latin typeface="Segoe UI" panose="020B0502040204020203" pitchFamily="34" charset="0"/>
+                <a:cs typeface="Segoe UI" panose="020B0502040204020203" pitchFamily="34" charset="0"/>
+              </a:rPr>
+              <a:t>LIKE </a:t>
+            </a:r>
+          </a:p>
+          <a:p>
+            <a:pPr algn="ctr"/>
+            <a:r>
+              <a:rPr lang="pt-BR" sz="800" b="1" dirty="0">
+                <a:solidFill>
+                  <a:schemeClr val="bg1"/>
+                </a:solidFill>
+                <a:latin typeface="Segoe UI" panose="020B0502040204020203" pitchFamily="34" charset="0"/>
+                <a:cs typeface="Segoe UI" panose="020B0502040204020203" pitchFamily="34" charset="0"/>
+              </a:rPr>
+              <a:t>MUI ?</a:t>
+            </a:r>
+          </a:p>
+        </p:txBody>
+      </p:sp>
+      <p:cxnSp>
+        <p:nvCxnSpPr>
+          <p:cNvPr id="23" name="Straight Arrow Connector 22">
+            <a:extLst>
+              <a:ext uri="{FF2B5EF4-FFF2-40B4-BE49-F238E27FC236}">
+                <a16:creationId xmlns:a16="http://schemas.microsoft.com/office/drawing/2014/main" id="{5E032AC8-B625-E34D-9135-802B7084BA9A}"/>
+              </a:ext>
+            </a:extLst>
+          </p:cNvPr>
+          <p:cNvCxnSpPr>
+            <a:cxnSpLocks/>
+          </p:cNvCxnSpPr>
+          <p:nvPr/>
+        </p:nvCxnSpPr>
+        <p:spPr>
+          <a:xfrm>
+            <a:off x="4843641" y="1744530"/>
+            <a:ext cx="724772" cy="168"/>
+          </a:xfrm>
+          <a:prstGeom prst="straightConnector1">
+            <a:avLst/>
+          </a:prstGeom>
+          <a:ln w="19050">
+            <a:solidFill>
+              <a:schemeClr val="bg2">
+                <a:lumMod val="75000"/>
+              </a:schemeClr>
+            </a:solidFill>
+            <a:headEnd type="none" w="med" len="med"/>
+            <a:tailEnd type="arrow" w="med" len="med"/>
+          </a:ln>
+        </p:spPr>
+        <p:style>
+          <a:lnRef idx="1">
+            <a:schemeClr val="dk1"/>
+          </a:lnRef>
+          <a:fillRef idx="0">
+            <a:schemeClr val="dk1"/>
+          </a:fillRef>
+          <a:effectRef idx="0">
+            <a:schemeClr val="dk1"/>
+          </a:effectRef>
+          <a:fontRef idx="minor">
+            <a:schemeClr val="tx1"/>
+          </a:fontRef>
+        </p:style>
+      </p:cxnSp>
+      <p:sp>
+        <p:nvSpPr>
+          <p:cNvPr id="24" name="Graphic 16">
+            <a:extLst>
+              <a:ext uri="{FF2B5EF4-FFF2-40B4-BE49-F238E27FC236}">
+                <a16:creationId xmlns:a16="http://schemas.microsoft.com/office/drawing/2014/main" id="{3F4354E3-B00A-421E-DDAC-1958EC664A99}"/>
+              </a:ext>
+            </a:extLst>
+          </p:cNvPr>
+          <p:cNvSpPr/>
+          <p:nvPr/>
+        </p:nvSpPr>
+        <p:spPr>
+          <a:xfrm>
+            <a:off x="5024617" y="1675810"/>
+            <a:ext cx="308613" cy="152064"/>
+          </a:xfrm>
+          <a:custGeom>
+            <a:avLst/>
+            <a:gdLst>
+              <a:gd name="connsiteX0" fmla="*/ 280988 w 307657"/>
+              <a:gd name="connsiteY0" fmla="*/ 116058 h 116058"/>
+              <a:gd name="connsiteX1" fmla="*/ 26670 w 307657"/>
+              <a:gd name="connsiteY1" fmla="*/ 116058 h 116058"/>
+              <a:gd name="connsiteX2" fmla="*/ 0 w 307657"/>
+              <a:gd name="connsiteY2" fmla="*/ 91440 h 116058"/>
+              <a:gd name="connsiteX3" fmla="*/ 0 w 307657"/>
+              <a:gd name="connsiteY3" fmla="*/ 24618 h 116058"/>
+              <a:gd name="connsiteX4" fmla="*/ 26670 w 307657"/>
+              <a:gd name="connsiteY4" fmla="*/ 0 h 116058"/>
+              <a:gd name="connsiteX5" fmla="*/ 280988 w 307657"/>
+              <a:gd name="connsiteY5" fmla="*/ 0 h 116058"/>
+              <a:gd name="connsiteX6" fmla="*/ 307658 w 307657"/>
+              <a:gd name="connsiteY6" fmla="*/ 24618 h 116058"/>
+              <a:gd name="connsiteX7" fmla="*/ 307658 w 307657"/>
+              <a:gd name="connsiteY7" fmla="*/ 91440 h 116058"/>
+              <a:gd name="connsiteX8" fmla="*/ 280988 w 307657"/>
+              <a:gd name="connsiteY8" fmla="*/ 116058 h 116058"/>
+            </a:gdLst>
+            <a:ahLst/>
+            <a:cxnLst>
+              <a:cxn ang="0">
+                <a:pos x="connsiteX0" y="connsiteY0"/>
+              </a:cxn>
+              <a:cxn ang="0">
+                <a:pos x="connsiteX1" y="connsiteY1"/>
+              </a:cxn>
+              <a:cxn ang="0">
+                <a:pos x="connsiteX2" y="connsiteY2"/>
+              </a:cxn>
+              <a:cxn ang="0">
+                <a:pos x="connsiteX3" y="connsiteY3"/>
+              </a:cxn>
+              <a:cxn ang="0">
+                <a:pos x="connsiteX4" y="connsiteY4"/>
+              </a:cxn>
+              <a:cxn ang="0">
+                <a:pos x="connsiteX5" y="connsiteY5"/>
+              </a:cxn>
+              <a:cxn ang="0">
+                <a:pos x="connsiteX6" y="connsiteY6"/>
+              </a:cxn>
+              <a:cxn ang="0">
+                <a:pos x="connsiteX7" y="connsiteY7"/>
+              </a:cxn>
+              <a:cxn ang="0">
+                <a:pos x="connsiteX8" y="connsiteY8"/>
+              </a:cxn>
+            </a:cxnLst>
+            <a:rect l="l" t="t" r="r" b="b"/>
+            <a:pathLst>
+              <a:path w="307657" h="116058">
+                <a:moveTo>
+                  <a:pt x="280988" y="116058"/>
+                </a:moveTo>
+                <a:lnTo>
+                  <a:pt x="26670" y="116058"/>
+                </a:lnTo>
+                <a:cubicBezTo>
+                  <a:pt x="12383" y="116058"/>
+                  <a:pt x="0" y="105508"/>
+                  <a:pt x="0" y="91440"/>
+                </a:cubicBezTo>
+                <a:lnTo>
+                  <a:pt x="0" y="24618"/>
+                </a:lnTo>
+                <a:cubicBezTo>
+                  <a:pt x="0" y="11430"/>
+                  <a:pt x="12383" y="0"/>
+                  <a:pt x="26670" y="0"/>
+                </a:cubicBezTo>
+                <a:lnTo>
+                  <a:pt x="280988" y="0"/>
+                </a:lnTo>
+                <a:cubicBezTo>
+                  <a:pt x="295275" y="0"/>
+                  <a:pt x="307658" y="11430"/>
+                  <a:pt x="307658" y="24618"/>
+                </a:cubicBezTo>
+                <a:lnTo>
+                  <a:pt x="307658" y="91440"/>
+                </a:lnTo>
+                <a:cubicBezTo>
+                  <a:pt x="307658" y="105508"/>
+                  <a:pt x="296228" y="116058"/>
+                  <a:pt x="280988" y="116058"/>
+                </a:cubicBezTo>
+                <a:close/>
+              </a:path>
+            </a:pathLst>
+          </a:custGeom>
+          <a:solidFill>
+            <a:schemeClr val="accent1"/>
+          </a:solidFill>
+          <a:ln w="9525" cap="flat">
+            <a:noFill/>
+            <a:prstDash val="solid"/>
+            <a:miter/>
+          </a:ln>
+        </p:spPr>
+        <p:txBody>
+          <a:bodyPr lIns="0" tIns="0" rIns="0" bIns="0" rtlCol="0" anchor="ctr"/>
+          <a:lstStyle/>
+          <a:p>
+            <a:pPr algn="ctr"/>
+            <a:r>
+              <a:rPr lang="pt-BR" sz="800" b="1" dirty="0">
+                <a:solidFill>
+                  <a:schemeClr val="bg1"/>
+                </a:solidFill>
+                <a:latin typeface="Segoe UI" panose="020B0502040204020203" pitchFamily="34" charset="0"/>
+                <a:cs typeface="Segoe UI" panose="020B0502040204020203" pitchFamily="34" charset="0"/>
+              </a:rPr>
+              <a:t>NO</a:t>
+            </a:r>
+          </a:p>
+        </p:txBody>
+      </p:sp>
+      <p:cxnSp>
+        <p:nvCxnSpPr>
+          <p:cNvPr id="25" name="Straight Arrow Connector 24">
+            <a:extLst>
+              <a:ext uri="{FF2B5EF4-FFF2-40B4-BE49-F238E27FC236}">
+                <a16:creationId xmlns:a16="http://schemas.microsoft.com/office/drawing/2014/main" id="{D41BB9F0-3563-5DA8-C4A3-A6DC309125B5}"/>
+              </a:ext>
+            </a:extLst>
+          </p:cNvPr>
+          <p:cNvCxnSpPr>
+            <a:cxnSpLocks/>
+          </p:cNvCxnSpPr>
+          <p:nvPr/>
+        </p:nvCxnSpPr>
+        <p:spPr>
+          <a:xfrm>
+            <a:off x="2612232" y="899858"/>
+            <a:ext cx="4931568" cy="0"/>
+          </a:xfrm>
+          <a:prstGeom prst="straightConnector1">
+            <a:avLst/>
+          </a:prstGeom>
+          <a:ln w="19050">
+            <a:solidFill>
+              <a:schemeClr val="bg2">
+                <a:lumMod val="75000"/>
+              </a:schemeClr>
+            </a:solidFill>
+            <a:headEnd type="none" w="med" len="med"/>
+            <a:tailEnd type="arrow" w="med" len="med"/>
+          </a:ln>
+        </p:spPr>
+        <p:style>
+          <a:lnRef idx="1">
+            <a:schemeClr val="dk1"/>
+          </a:lnRef>
+          <a:fillRef idx="0">
+            <a:schemeClr val="dk1"/>
+          </a:fillRef>
+          <a:effectRef idx="0">
+            <a:schemeClr val="dk1"/>
+          </a:effectRef>
+          <a:fontRef idx="minor">
+            <a:schemeClr val="tx1"/>
+          </a:fontRef>
+        </p:style>
+      </p:cxnSp>
+      <p:sp>
+        <p:nvSpPr>
+          <p:cNvPr id="26" name="Graphic 16">
+            <a:extLst>
+              <a:ext uri="{FF2B5EF4-FFF2-40B4-BE49-F238E27FC236}">
+                <a16:creationId xmlns:a16="http://schemas.microsoft.com/office/drawing/2014/main" id="{5BBCC956-1497-EC9F-D9FB-703A4FECE508}"/>
+              </a:ext>
+            </a:extLst>
+          </p:cNvPr>
+          <p:cNvSpPr/>
+          <p:nvPr/>
+        </p:nvSpPr>
+        <p:spPr>
+          <a:xfrm>
+            <a:off x="2894166" y="830802"/>
+            <a:ext cx="308613" cy="152064"/>
+          </a:xfrm>
+          <a:custGeom>
+            <a:avLst/>
+            <a:gdLst>
+              <a:gd name="connsiteX0" fmla="*/ 280988 w 307657"/>
+              <a:gd name="connsiteY0" fmla="*/ 116058 h 116058"/>
+              <a:gd name="connsiteX1" fmla="*/ 26670 w 307657"/>
+              <a:gd name="connsiteY1" fmla="*/ 116058 h 116058"/>
+              <a:gd name="connsiteX2" fmla="*/ 0 w 307657"/>
+              <a:gd name="connsiteY2" fmla="*/ 91440 h 116058"/>
+              <a:gd name="connsiteX3" fmla="*/ 0 w 307657"/>
+              <a:gd name="connsiteY3" fmla="*/ 24618 h 116058"/>
+              <a:gd name="connsiteX4" fmla="*/ 26670 w 307657"/>
+              <a:gd name="connsiteY4" fmla="*/ 0 h 116058"/>
+              <a:gd name="connsiteX5" fmla="*/ 280988 w 307657"/>
+              <a:gd name="connsiteY5" fmla="*/ 0 h 116058"/>
+              <a:gd name="connsiteX6" fmla="*/ 307658 w 307657"/>
+              <a:gd name="connsiteY6" fmla="*/ 24618 h 116058"/>
+              <a:gd name="connsiteX7" fmla="*/ 307658 w 307657"/>
+              <a:gd name="connsiteY7" fmla="*/ 91440 h 116058"/>
+              <a:gd name="connsiteX8" fmla="*/ 280988 w 307657"/>
+              <a:gd name="connsiteY8" fmla="*/ 116058 h 116058"/>
+            </a:gdLst>
+            <a:ahLst/>
+            <a:cxnLst>
+              <a:cxn ang="0">
+                <a:pos x="connsiteX0" y="connsiteY0"/>
+              </a:cxn>
+              <a:cxn ang="0">
+                <a:pos x="connsiteX1" y="connsiteY1"/>
+              </a:cxn>
+              <a:cxn ang="0">
+                <a:pos x="connsiteX2" y="connsiteY2"/>
+              </a:cxn>
+              <a:cxn ang="0">
+                <a:pos x="connsiteX3" y="connsiteY3"/>
+              </a:cxn>
+              <a:cxn ang="0">
+                <a:pos x="connsiteX4" y="connsiteY4"/>
+              </a:cxn>
+              <a:cxn ang="0">
+                <a:pos x="connsiteX5" y="connsiteY5"/>
+              </a:cxn>
+              <a:cxn ang="0">
+                <a:pos x="connsiteX6" y="connsiteY6"/>
+              </a:cxn>
+              <a:cxn ang="0">
+                <a:pos x="connsiteX7" y="connsiteY7"/>
+              </a:cxn>
+              <a:cxn ang="0">
+                <a:pos x="connsiteX8" y="connsiteY8"/>
+              </a:cxn>
+            </a:cxnLst>
+            <a:rect l="l" t="t" r="r" b="b"/>
+            <a:pathLst>
+              <a:path w="307657" h="116058">
+                <a:moveTo>
+                  <a:pt x="280988" y="116058"/>
+                </a:moveTo>
+                <a:lnTo>
+                  <a:pt x="26670" y="116058"/>
+                </a:lnTo>
+                <a:cubicBezTo>
+                  <a:pt x="12383" y="116058"/>
+                  <a:pt x="0" y="105508"/>
+                  <a:pt x="0" y="91440"/>
+                </a:cubicBezTo>
+                <a:lnTo>
+                  <a:pt x="0" y="24618"/>
+                </a:lnTo>
+                <a:cubicBezTo>
+                  <a:pt x="0" y="11430"/>
+                  <a:pt x="12383" y="0"/>
+                  <a:pt x="26670" y="0"/>
+                </a:cubicBezTo>
+                <a:lnTo>
+                  <a:pt x="280988" y="0"/>
+                </a:lnTo>
+                <a:cubicBezTo>
+                  <a:pt x="295275" y="0"/>
+                  <a:pt x="307658" y="11430"/>
+                  <a:pt x="307658" y="24618"/>
+                </a:cubicBezTo>
+                <a:lnTo>
+                  <a:pt x="307658" y="91440"/>
+                </a:lnTo>
+                <a:cubicBezTo>
+                  <a:pt x="307658" y="105508"/>
+                  <a:pt x="296228" y="116058"/>
+                  <a:pt x="280988" y="116058"/>
+                </a:cubicBezTo>
+                <a:close/>
+              </a:path>
+            </a:pathLst>
+          </a:custGeom>
+          <a:solidFill>
+            <a:schemeClr val="accent1"/>
+          </a:solidFill>
+          <a:ln w="9525" cap="flat">
+            <a:noFill/>
+            <a:prstDash val="solid"/>
+            <a:miter/>
+          </a:ln>
+        </p:spPr>
+        <p:txBody>
+          <a:bodyPr lIns="0" tIns="0" rIns="0" bIns="0" rtlCol="0" anchor="ctr"/>
+          <a:lstStyle/>
+          <a:p>
+            <a:pPr algn="ctr"/>
+            <a:r>
+              <a:rPr lang="pt-BR" sz="800" b="1" dirty="0">
+                <a:solidFill>
+                  <a:schemeClr val="bg1"/>
+                </a:solidFill>
+                <a:latin typeface="Segoe UI" panose="020B0502040204020203" pitchFamily="34" charset="0"/>
+                <a:cs typeface="Segoe UI" panose="020B0502040204020203" pitchFamily="34" charset="0"/>
+              </a:rPr>
+              <a:t>YES</a:t>
+            </a:r>
+          </a:p>
+        </p:txBody>
+      </p:sp>
+      <p:cxnSp>
+        <p:nvCxnSpPr>
+          <p:cNvPr id="27" name="Straight Connector 26">
+            <a:extLst>
+              <a:ext uri="{FF2B5EF4-FFF2-40B4-BE49-F238E27FC236}">
+                <a16:creationId xmlns:a16="http://schemas.microsoft.com/office/drawing/2014/main" id="{2B49D4A1-33F4-D3F9-FEAD-5C794843C37D}"/>
+              </a:ext>
+            </a:extLst>
+          </p:cNvPr>
+          <p:cNvCxnSpPr>
+            <a:cxnSpLocks/>
+          </p:cNvCxnSpPr>
+          <p:nvPr/>
+        </p:nvCxnSpPr>
+        <p:spPr>
+          <a:xfrm>
+            <a:off x="2620630" y="892724"/>
+            <a:ext cx="0" cy="444950"/>
+          </a:xfrm>
+          <a:prstGeom prst="line">
+            <a:avLst/>
+          </a:prstGeom>
+          <a:ln w="19050">
+            <a:solidFill>
+              <a:schemeClr val="bg2">
+                <a:lumMod val="75000"/>
+              </a:schemeClr>
+            </a:solidFill>
+          </a:ln>
+        </p:spPr>
+        <p:style>
+          <a:lnRef idx="1">
+            <a:schemeClr val="accent1"/>
+          </a:lnRef>
+          <a:fillRef idx="0">
+            <a:schemeClr val="accent1"/>
+          </a:fillRef>
+          <a:effectRef idx="0">
+            <a:schemeClr val="accent1"/>
+          </a:effectRef>
+          <a:fontRef idx="minor">
+            <a:schemeClr val="tx1"/>
+          </a:fontRef>
+        </p:style>
+      </p:cxnSp>
+      <p:cxnSp>
+        <p:nvCxnSpPr>
+          <p:cNvPr id="28" name="Straight Arrow Connector 27">
+            <a:extLst>
+              <a:ext uri="{FF2B5EF4-FFF2-40B4-BE49-F238E27FC236}">
+                <a16:creationId xmlns:a16="http://schemas.microsoft.com/office/drawing/2014/main" id="{1DE97E76-759F-45FE-DE75-770B22CEB5FE}"/>
+              </a:ext>
+            </a:extLst>
+          </p:cNvPr>
+          <p:cNvCxnSpPr>
+            <a:cxnSpLocks/>
+          </p:cNvCxnSpPr>
+          <p:nvPr/>
+        </p:nvCxnSpPr>
+        <p:spPr>
+          <a:xfrm>
+            <a:off x="4326732" y="2147298"/>
+            <a:ext cx="0" cy="543508"/>
+          </a:xfrm>
+          <a:prstGeom prst="straightConnector1">
+            <a:avLst/>
+          </a:prstGeom>
+          <a:ln w="19050">
+            <a:solidFill>
+              <a:schemeClr val="bg2">
+                <a:lumMod val="75000"/>
+              </a:schemeClr>
+            </a:solidFill>
+            <a:headEnd type="none" w="med" len="med"/>
+            <a:tailEnd type="arrow" w="med" len="med"/>
+          </a:ln>
+        </p:spPr>
+        <p:style>
+          <a:lnRef idx="1">
+            <a:schemeClr val="dk1"/>
+          </a:lnRef>
+          <a:fillRef idx="0">
+            <a:schemeClr val="dk1"/>
+          </a:fillRef>
+          <a:effectRef idx="0">
+            <a:schemeClr val="dk1"/>
+          </a:effectRef>
+          <a:fontRef idx="minor">
+            <a:schemeClr val="tx1"/>
+          </a:fontRef>
+        </p:style>
+      </p:cxnSp>
+      <p:sp>
+        <p:nvSpPr>
+          <p:cNvPr id="29" name="Graphic 16">
+            <a:extLst>
+              <a:ext uri="{FF2B5EF4-FFF2-40B4-BE49-F238E27FC236}">
+                <a16:creationId xmlns:a16="http://schemas.microsoft.com/office/drawing/2014/main" id="{400EF6FC-AA21-A46B-C65A-6C7AA31DBCF8}"/>
+              </a:ext>
+            </a:extLst>
+          </p:cNvPr>
+          <p:cNvSpPr/>
+          <p:nvPr/>
+        </p:nvSpPr>
+        <p:spPr>
+          <a:xfrm>
+            <a:off x="4205288" y="2284830"/>
+            <a:ext cx="251950" cy="152398"/>
+          </a:xfrm>
+          <a:custGeom>
+            <a:avLst/>
+            <a:gdLst>
+              <a:gd name="connsiteX0" fmla="*/ 280988 w 307657"/>
+              <a:gd name="connsiteY0" fmla="*/ 116058 h 116058"/>
+              <a:gd name="connsiteX1" fmla="*/ 26670 w 307657"/>
+              <a:gd name="connsiteY1" fmla="*/ 116058 h 116058"/>
+              <a:gd name="connsiteX2" fmla="*/ 0 w 307657"/>
+              <a:gd name="connsiteY2" fmla="*/ 91440 h 116058"/>
+              <a:gd name="connsiteX3" fmla="*/ 0 w 307657"/>
+              <a:gd name="connsiteY3" fmla="*/ 24618 h 116058"/>
+              <a:gd name="connsiteX4" fmla="*/ 26670 w 307657"/>
+              <a:gd name="connsiteY4" fmla="*/ 0 h 116058"/>
+              <a:gd name="connsiteX5" fmla="*/ 280988 w 307657"/>
+              <a:gd name="connsiteY5" fmla="*/ 0 h 116058"/>
+              <a:gd name="connsiteX6" fmla="*/ 307658 w 307657"/>
+              <a:gd name="connsiteY6" fmla="*/ 24618 h 116058"/>
+              <a:gd name="connsiteX7" fmla="*/ 307658 w 307657"/>
+              <a:gd name="connsiteY7" fmla="*/ 91440 h 116058"/>
+              <a:gd name="connsiteX8" fmla="*/ 280988 w 307657"/>
+              <a:gd name="connsiteY8" fmla="*/ 116058 h 116058"/>
+            </a:gdLst>
+            <a:ahLst/>
+            <a:cxnLst>
+              <a:cxn ang="0">
+                <a:pos x="connsiteX0" y="connsiteY0"/>
+              </a:cxn>
+              <a:cxn ang="0">
+                <a:pos x="connsiteX1" y="connsiteY1"/>
+              </a:cxn>
+              <a:cxn ang="0">
+                <a:pos x="connsiteX2" y="connsiteY2"/>
+              </a:cxn>
+              <a:cxn ang="0">
+                <a:pos x="connsiteX3" y="connsiteY3"/>
+              </a:cxn>
+              <a:cxn ang="0">
+                <a:pos x="connsiteX4" y="connsiteY4"/>
+              </a:cxn>
+              <a:cxn ang="0">
+                <a:pos x="connsiteX5" y="connsiteY5"/>
+              </a:cxn>
+              <a:cxn ang="0">
+                <a:pos x="connsiteX6" y="connsiteY6"/>
+              </a:cxn>
+              <a:cxn ang="0">
+                <a:pos x="connsiteX7" y="connsiteY7"/>
+              </a:cxn>
+              <a:cxn ang="0">
+                <a:pos x="connsiteX8" y="connsiteY8"/>
+              </a:cxn>
+            </a:cxnLst>
+            <a:rect l="l" t="t" r="r" b="b"/>
+            <a:pathLst>
+              <a:path w="307657" h="116058">
+                <a:moveTo>
+                  <a:pt x="280988" y="116058"/>
+                </a:moveTo>
+                <a:lnTo>
+                  <a:pt x="26670" y="116058"/>
+                </a:lnTo>
+                <a:cubicBezTo>
+                  <a:pt x="12383" y="116058"/>
+                  <a:pt x="0" y="105508"/>
+                  <a:pt x="0" y="91440"/>
+                </a:cubicBezTo>
+                <a:lnTo>
+                  <a:pt x="0" y="24618"/>
+                </a:lnTo>
+                <a:cubicBezTo>
+                  <a:pt x="0" y="11430"/>
+                  <a:pt x="12383" y="0"/>
+                  <a:pt x="26670" y="0"/>
+                </a:cubicBezTo>
+                <a:lnTo>
+                  <a:pt x="280988" y="0"/>
+                </a:lnTo>
+                <a:cubicBezTo>
+                  <a:pt x="295275" y="0"/>
+                  <a:pt x="307658" y="11430"/>
+                  <a:pt x="307658" y="24618"/>
+                </a:cubicBezTo>
+                <a:lnTo>
+                  <a:pt x="307658" y="91440"/>
+                </a:lnTo>
+                <a:cubicBezTo>
+                  <a:pt x="307658" y="105508"/>
+                  <a:pt x="296228" y="116058"/>
+                  <a:pt x="280988" y="116058"/>
+                </a:cubicBezTo>
+                <a:close/>
+              </a:path>
+            </a:pathLst>
+          </a:custGeom>
+          <a:solidFill>
+            <a:schemeClr val="accent1"/>
+          </a:solidFill>
+          <a:ln w="9525" cap="flat">
+            <a:noFill/>
+            <a:prstDash val="solid"/>
+            <a:miter/>
+          </a:ln>
+        </p:spPr>
+        <p:txBody>
+          <a:bodyPr lIns="0" tIns="0" rIns="0" bIns="0" rtlCol="0" anchor="ctr"/>
+          <a:lstStyle/>
+          <a:p>
+            <a:pPr algn="ctr"/>
+            <a:r>
+              <a:rPr lang="pt-BR" sz="800" b="1" dirty="0">
+                <a:solidFill>
+                  <a:schemeClr val="bg1"/>
+                </a:solidFill>
+                <a:latin typeface="Segoe UI" panose="020B0502040204020203" pitchFamily="34" charset="0"/>
+                <a:cs typeface="Segoe UI" panose="020B0502040204020203" pitchFamily="34" charset="0"/>
+              </a:rPr>
+              <a:t>YES</a:t>
+            </a:r>
+          </a:p>
+        </p:txBody>
+      </p:sp>
+      <p:cxnSp>
+        <p:nvCxnSpPr>
+          <p:cNvPr id="30" name="Straight Arrow Connector 29">
+            <a:extLst>
+              <a:ext uri="{FF2B5EF4-FFF2-40B4-BE49-F238E27FC236}">
+                <a16:creationId xmlns:a16="http://schemas.microsoft.com/office/drawing/2014/main" id="{7371B800-C0A5-7E4B-8AEE-358213EFB2AD}"/>
+              </a:ext>
+            </a:extLst>
+          </p:cNvPr>
+          <p:cNvCxnSpPr>
+            <a:cxnSpLocks/>
+          </p:cNvCxnSpPr>
+          <p:nvPr/>
+        </p:nvCxnSpPr>
+        <p:spPr>
+          <a:xfrm>
+            <a:off x="5105400" y="3032786"/>
+            <a:ext cx="250443" cy="3820"/>
+          </a:xfrm>
+          <a:prstGeom prst="straightConnector1">
+            <a:avLst/>
+          </a:prstGeom>
+          <a:ln w="19050">
+            <a:solidFill>
+              <a:schemeClr val="bg2">
+                <a:lumMod val="75000"/>
+              </a:schemeClr>
+            </a:solidFill>
+            <a:headEnd type="none" w="med" len="med"/>
+            <a:tailEnd type="arrow" w="med" len="med"/>
+          </a:ln>
+        </p:spPr>
+        <p:style>
+          <a:lnRef idx="1">
+            <a:schemeClr val="dk1"/>
+          </a:lnRef>
+          <a:fillRef idx="0">
+            <a:schemeClr val="dk1"/>
+          </a:fillRef>
+          <a:effectRef idx="0">
+            <a:schemeClr val="dk1"/>
+          </a:effectRef>
+          <a:fontRef idx="minor">
+            <a:schemeClr val="tx1"/>
+          </a:fontRef>
+        </p:style>
+      </p:cxnSp>
+      <p:cxnSp>
+        <p:nvCxnSpPr>
+          <p:cNvPr id="31" name="Straight Arrow Connector 30">
+            <a:extLst>
+              <a:ext uri="{FF2B5EF4-FFF2-40B4-BE49-F238E27FC236}">
+                <a16:creationId xmlns:a16="http://schemas.microsoft.com/office/drawing/2014/main" id="{1C6332B2-E50C-E5CE-8272-B050E3175440}"/>
+              </a:ext>
+            </a:extLst>
+          </p:cNvPr>
+          <p:cNvCxnSpPr>
+            <a:cxnSpLocks/>
+          </p:cNvCxnSpPr>
+          <p:nvPr/>
+        </p:nvCxnSpPr>
+        <p:spPr>
+          <a:xfrm flipV="1">
+            <a:off x="8001000" y="1062689"/>
+            <a:ext cx="0" cy="3167972"/>
+          </a:xfrm>
+          <a:prstGeom prst="straightConnector1">
+            <a:avLst/>
+          </a:prstGeom>
+          <a:ln w="19050">
+            <a:solidFill>
+              <a:schemeClr val="bg2">
+                <a:lumMod val="75000"/>
+              </a:schemeClr>
+            </a:solidFill>
+            <a:headEnd type="none" w="med" len="med"/>
+            <a:tailEnd type="arrow" w="med" len="med"/>
+          </a:ln>
+        </p:spPr>
+        <p:style>
+          <a:lnRef idx="1">
+            <a:schemeClr val="dk1"/>
+          </a:lnRef>
+          <a:fillRef idx="0">
+            <a:schemeClr val="dk1"/>
+          </a:fillRef>
+          <a:effectRef idx="0">
+            <a:schemeClr val="dk1"/>
+          </a:effectRef>
+          <a:fontRef idx="minor">
+            <a:schemeClr val="tx1"/>
+          </a:fontRef>
+        </p:style>
+      </p:cxnSp>
+      <p:sp>
+        <p:nvSpPr>
+          <p:cNvPr id="32" name="Graphic 8">
+            <a:extLst>
+              <a:ext uri="{FF2B5EF4-FFF2-40B4-BE49-F238E27FC236}">
+                <a16:creationId xmlns:a16="http://schemas.microsoft.com/office/drawing/2014/main" id="{567B2FD8-0798-54D1-709B-00DA9C73645E}"/>
+              </a:ext>
+            </a:extLst>
+          </p:cNvPr>
+          <p:cNvSpPr/>
+          <p:nvPr/>
+        </p:nvSpPr>
+        <p:spPr>
+          <a:xfrm>
+            <a:off x="478632" y="2666410"/>
+            <a:ext cx="875885" cy="707503"/>
+          </a:xfrm>
+          <a:custGeom>
+            <a:avLst/>
+            <a:gdLst>
+              <a:gd name="connsiteX0" fmla="*/ 613343 w 624070"/>
+              <a:gd name="connsiteY0" fmla="*/ 245269 h 451484"/>
+              <a:gd name="connsiteX1" fmla="*/ 324822 w 624070"/>
+              <a:gd name="connsiteY1" fmla="*/ 447199 h 451484"/>
+              <a:gd name="connsiteX2" fmla="*/ 297478 w 624070"/>
+              <a:gd name="connsiteY2" fmla="*/ 447199 h 451484"/>
+              <a:gd name="connsiteX3" fmla="*/ 9900 w 624070"/>
+              <a:gd name="connsiteY3" fmla="*/ 245269 h 451484"/>
+              <a:gd name="connsiteX4" fmla="*/ 9900 w 624070"/>
+              <a:gd name="connsiteY4" fmla="*/ 206216 h 451484"/>
+              <a:gd name="connsiteX5" fmla="*/ 298421 w 624070"/>
+              <a:gd name="connsiteY5" fmla="*/ 4286 h 451484"/>
+              <a:gd name="connsiteX6" fmla="*/ 325765 w 624070"/>
+              <a:gd name="connsiteY6" fmla="*/ 4286 h 451484"/>
+              <a:gd name="connsiteX7" fmla="*/ 614286 w 624070"/>
+              <a:gd name="connsiteY7" fmla="*/ 206216 h 451484"/>
+              <a:gd name="connsiteX8" fmla="*/ 613343 w 624070"/>
+              <a:gd name="connsiteY8" fmla="*/ 245269 h 451484"/>
+            </a:gdLst>
+            <a:ahLst/>
+            <a:cxnLst>
+              <a:cxn ang="0">
+                <a:pos x="connsiteX0" y="connsiteY0"/>
+              </a:cxn>
+              <a:cxn ang="0">
+                <a:pos x="connsiteX1" y="connsiteY1"/>
+              </a:cxn>
+              <a:cxn ang="0">
+                <a:pos x="connsiteX2" y="connsiteY2"/>
+              </a:cxn>
+              <a:cxn ang="0">
+                <a:pos x="connsiteX3" y="connsiteY3"/>
+              </a:cxn>
+              <a:cxn ang="0">
+                <a:pos x="connsiteX4" y="connsiteY4"/>
+              </a:cxn>
+              <a:cxn ang="0">
+                <a:pos x="connsiteX5" y="connsiteY5"/>
+              </a:cxn>
+              <a:cxn ang="0">
+                <a:pos x="connsiteX6" y="connsiteY6"/>
+              </a:cxn>
+              <a:cxn ang="0">
+                <a:pos x="connsiteX7" y="connsiteY7"/>
+              </a:cxn>
+              <a:cxn ang="0">
+                <a:pos x="connsiteX8" y="connsiteY8"/>
+              </a:cxn>
+            </a:cxnLst>
+            <a:rect l="l" t="t" r="r" b="b"/>
+            <a:pathLst>
+              <a:path w="624070" h="451484">
+                <a:moveTo>
+                  <a:pt x="613343" y="245269"/>
+                </a:moveTo>
+                <a:lnTo>
+                  <a:pt x="324822" y="447199"/>
+                </a:lnTo>
+                <a:cubicBezTo>
+                  <a:pt x="316336" y="452914"/>
+                  <a:pt x="305964" y="452914"/>
+                  <a:pt x="297478" y="447199"/>
+                </a:cubicBezTo>
+                <a:lnTo>
+                  <a:pt x="9900" y="245269"/>
+                </a:lnTo>
+                <a:cubicBezTo>
+                  <a:pt x="-3300" y="235744"/>
+                  <a:pt x="-3300" y="215741"/>
+                  <a:pt x="9900" y="206216"/>
+                </a:cubicBezTo>
+                <a:lnTo>
+                  <a:pt x="298421" y="4286"/>
+                </a:lnTo>
+                <a:cubicBezTo>
+                  <a:pt x="306907" y="-1429"/>
+                  <a:pt x="317279" y="-1429"/>
+                  <a:pt x="325765" y="4286"/>
+                </a:cubicBezTo>
+                <a:lnTo>
+                  <a:pt x="614286" y="206216"/>
+                </a:lnTo>
+                <a:cubicBezTo>
+                  <a:pt x="627486" y="215741"/>
+                  <a:pt x="627486" y="235744"/>
+                  <a:pt x="613343" y="245269"/>
+                </a:cubicBezTo>
+                <a:close/>
+              </a:path>
+            </a:pathLst>
+          </a:custGeom>
+          <a:solidFill>
+            <a:srgbClr val="867BBF"/>
+          </a:solidFill>
+          <a:ln w="9381" cap="flat">
+            <a:noFill/>
+            <a:prstDash val="solid"/>
+            <a:miter/>
+          </a:ln>
+        </p:spPr>
+        <p:txBody>
+          <a:bodyPr lIns="0" tIns="0" rIns="0" bIns="0" rtlCol="0" anchor="ctr"/>
+          <a:lstStyle/>
+          <a:p>
+            <a:pPr algn="ctr"/>
+            <a:r>
+              <a:rPr lang="pt-BR" sz="800" b="1" dirty="0">
+                <a:solidFill>
+                  <a:schemeClr val="bg1"/>
+                </a:solidFill>
+                <a:latin typeface="Segoe UI" panose="020B0502040204020203" pitchFamily="34" charset="0"/>
+                <a:cs typeface="Segoe UI" panose="020B0502040204020203" pitchFamily="34" charset="0"/>
+              </a:rPr>
+              <a:t>VISUALS</a:t>
+            </a:r>
+          </a:p>
+          <a:p>
+            <a:pPr algn="ctr"/>
+            <a:r>
+              <a:rPr lang="pt-BR" sz="800" b="1" dirty="0">
+                <a:solidFill>
+                  <a:schemeClr val="bg1"/>
+                </a:solidFill>
+                <a:latin typeface="Segoe UI" panose="020B0502040204020203" pitchFamily="34" charset="0"/>
+                <a:cs typeface="Segoe UI" panose="020B0502040204020203" pitchFamily="34" charset="0"/>
+              </a:rPr>
+              <a:t>(Figma..)</a:t>
+            </a:r>
+          </a:p>
+        </p:txBody>
+      </p:sp>
+      <p:cxnSp>
+        <p:nvCxnSpPr>
+          <p:cNvPr id="33" name="Straight Arrow Connector 32">
+            <a:extLst>
+              <a:ext uri="{FF2B5EF4-FFF2-40B4-BE49-F238E27FC236}">
+                <a16:creationId xmlns:a16="http://schemas.microsoft.com/office/drawing/2014/main" id="{384A0BCE-509B-2156-C8C7-DC27E51D5964}"/>
+              </a:ext>
+            </a:extLst>
+          </p:cNvPr>
+          <p:cNvCxnSpPr>
+            <a:cxnSpLocks/>
+          </p:cNvCxnSpPr>
+          <p:nvPr/>
+        </p:nvCxnSpPr>
+        <p:spPr>
+          <a:xfrm>
+            <a:off x="913470" y="3421267"/>
+            <a:ext cx="0" cy="493500"/>
+          </a:xfrm>
+          <a:prstGeom prst="straightConnector1">
+            <a:avLst/>
+          </a:prstGeom>
+          <a:ln w="19050">
+            <a:solidFill>
+              <a:schemeClr val="bg2">
+                <a:lumMod val="75000"/>
+              </a:schemeClr>
+            </a:solidFill>
+            <a:headEnd type="none" w="med" len="med"/>
+            <a:tailEnd type="arrow" w="med" len="med"/>
+          </a:ln>
+        </p:spPr>
+        <p:style>
+          <a:lnRef idx="1">
+            <a:schemeClr val="dk1"/>
+          </a:lnRef>
+          <a:fillRef idx="0">
+            <a:schemeClr val="dk1"/>
+          </a:fillRef>
+          <a:effectRef idx="0">
+            <a:schemeClr val="dk1"/>
+          </a:effectRef>
+          <a:fontRef idx="minor">
+            <a:schemeClr val="tx1"/>
+          </a:fontRef>
+        </p:style>
+      </p:cxnSp>
+      <p:sp>
+        <p:nvSpPr>
+          <p:cNvPr id="34" name="Graphic 16">
+            <a:extLst>
+              <a:ext uri="{FF2B5EF4-FFF2-40B4-BE49-F238E27FC236}">
+                <a16:creationId xmlns:a16="http://schemas.microsoft.com/office/drawing/2014/main" id="{0FCC74ED-450D-3BE4-B443-84F12586855A}"/>
+              </a:ext>
+            </a:extLst>
+          </p:cNvPr>
+          <p:cNvSpPr/>
+          <p:nvPr/>
+        </p:nvSpPr>
+        <p:spPr>
+          <a:xfrm>
+            <a:off x="792026" y="3547475"/>
+            <a:ext cx="251950" cy="152398"/>
+          </a:xfrm>
+          <a:custGeom>
+            <a:avLst/>
+            <a:gdLst>
+              <a:gd name="connsiteX0" fmla="*/ 280988 w 307657"/>
+              <a:gd name="connsiteY0" fmla="*/ 116058 h 116058"/>
+              <a:gd name="connsiteX1" fmla="*/ 26670 w 307657"/>
+              <a:gd name="connsiteY1" fmla="*/ 116058 h 116058"/>
+              <a:gd name="connsiteX2" fmla="*/ 0 w 307657"/>
+              <a:gd name="connsiteY2" fmla="*/ 91440 h 116058"/>
+              <a:gd name="connsiteX3" fmla="*/ 0 w 307657"/>
+              <a:gd name="connsiteY3" fmla="*/ 24618 h 116058"/>
+              <a:gd name="connsiteX4" fmla="*/ 26670 w 307657"/>
+              <a:gd name="connsiteY4" fmla="*/ 0 h 116058"/>
+              <a:gd name="connsiteX5" fmla="*/ 280988 w 307657"/>
+              <a:gd name="connsiteY5" fmla="*/ 0 h 116058"/>
+              <a:gd name="connsiteX6" fmla="*/ 307658 w 307657"/>
+              <a:gd name="connsiteY6" fmla="*/ 24618 h 116058"/>
+              <a:gd name="connsiteX7" fmla="*/ 307658 w 307657"/>
+              <a:gd name="connsiteY7" fmla="*/ 91440 h 116058"/>
+              <a:gd name="connsiteX8" fmla="*/ 280988 w 307657"/>
+              <a:gd name="connsiteY8" fmla="*/ 116058 h 116058"/>
+            </a:gdLst>
+            <a:ahLst/>
+            <a:cxnLst>
+              <a:cxn ang="0">
+                <a:pos x="connsiteX0" y="connsiteY0"/>
+              </a:cxn>
+              <a:cxn ang="0">
+                <a:pos x="connsiteX1" y="connsiteY1"/>
+              </a:cxn>
+              <a:cxn ang="0">
+                <a:pos x="connsiteX2" y="connsiteY2"/>
+              </a:cxn>
+              <a:cxn ang="0">
+                <a:pos x="connsiteX3" y="connsiteY3"/>
+              </a:cxn>
+              <a:cxn ang="0">
+                <a:pos x="connsiteX4" y="connsiteY4"/>
+              </a:cxn>
+              <a:cxn ang="0">
+                <a:pos x="connsiteX5" y="connsiteY5"/>
+              </a:cxn>
+              <a:cxn ang="0">
+                <a:pos x="connsiteX6" y="connsiteY6"/>
+              </a:cxn>
+              <a:cxn ang="0">
+                <a:pos x="connsiteX7" y="connsiteY7"/>
+              </a:cxn>
+              <a:cxn ang="0">
+                <a:pos x="connsiteX8" y="connsiteY8"/>
+              </a:cxn>
+            </a:cxnLst>
+            <a:rect l="l" t="t" r="r" b="b"/>
+            <a:pathLst>
+              <a:path w="307657" h="116058">
+                <a:moveTo>
+                  <a:pt x="280988" y="116058"/>
+                </a:moveTo>
+                <a:lnTo>
+                  <a:pt x="26670" y="116058"/>
+                </a:lnTo>
+                <a:cubicBezTo>
+                  <a:pt x="12383" y="116058"/>
+                  <a:pt x="0" y="105508"/>
+                  <a:pt x="0" y="91440"/>
+                </a:cubicBezTo>
+                <a:lnTo>
+                  <a:pt x="0" y="24618"/>
+                </a:lnTo>
+                <a:cubicBezTo>
+                  <a:pt x="0" y="11430"/>
+                  <a:pt x="12383" y="0"/>
+                  <a:pt x="26670" y="0"/>
+                </a:cubicBezTo>
+                <a:lnTo>
+                  <a:pt x="280988" y="0"/>
+                </a:lnTo>
+                <a:cubicBezTo>
+                  <a:pt x="295275" y="0"/>
+                  <a:pt x="307658" y="11430"/>
+                  <a:pt x="307658" y="24618"/>
+                </a:cubicBezTo>
+                <a:lnTo>
+                  <a:pt x="307658" y="91440"/>
+                </a:lnTo>
+                <a:cubicBezTo>
+                  <a:pt x="307658" y="105508"/>
+                  <a:pt x="296228" y="116058"/>
+                  <a:pt x="280988" y="116058"/>
+                </a:cubicBezTo>
+                <a:close/>
+              </a:path>
+            </a:pathLst>
+          </a:custGeom>
+          <a:solidFill>
+            <a:schemeClr val="accent1"/>
+          </a:solidFill>
+          <a:ln w="9525" cap="flat">
+            <a:noFill/>
+            <a:prstDash val="solid"/>
+            <a:miter/>
+          </a:ln>
+        </p:spPr>
+        <p:txBody>
+          <a:bodyPr lIns="0" tIns="0" rIns="0" bIns="0" rtlCol="0" anchor="ctr"/>
+          <a:lstStyle/>
+          <a:p>
+            <a:pPr algn="ctr"/>
+            <a:r>
+              <a:rPr lang="pt-BR" sz="800" b="1" dirty="0">
+                <a:solidFill>
+                  <a:schemeClr val="bg1"/>
+                </a:solidFill>
+                <a:latin typeface="Segoe UI" panose="020B0502040204020203" pitchFamily="34" charset="0"/>
+                <a:cs typeface="Segoe UI" panose="020B0502040204020203" pitchFamily="34" charset="0"/>
+              </a:rPr>
+              <a:t>NO</a:t>
+            </a:r>
+          </a:p>
+        </p:txBody>
+      </p:sp>
+      <p:cxnSp>
+        <p:nvCxnSpPr>
+          <p:cNvPr id="35" name="Straight Arrow Connector 34">
+            <a:extLst>
+              <a:ext uri="{FF2B5EF4-FFF2-40B4-BE49-F238E27FC236}">
+                <a16:creationId xmlns:a16="http://schemas.microsoft.com/office/drawing/2014/main" id="{672D2A75-2097-88A4-B965-CBFE25C59292}"/>
+              </a:ext>
+            </a:extLst>
+          </p:cNvPr>
+          <p:cNvCxnSpPr>
+            <a:cxnSpLocks/>
+          </p:cNvCxnSpPr>
+          <p:nvPr/>
+        </p:nvCxnSpPr>
+        <p:spPr>
+          <a:xfrm>
+            <a:off x="1408828" y="3033122"/>
+            <a:ext cx="724772" cy="168"/>
+          </a:xfrm>
+          <a:prstGeom prst="straightConnector1">
+            <a:avLst/>
+          </a:prstGeom>
+          <a:ln w="19050">
+            <a:solidFill>
+              <a:schemeClr val="bg2">
+                <a:lumMod val="75000"/>
+              </a:schemeClr>
+            </a:solidFill>
+            <a:headEnd type="none" w="med" len="med"/>
+            <a:tailEnd type="arrow" w="med" len="med"/>
+          </a:ln>
+        </p:spPr>
+        <p:style>
+          <a:lnRef idx="1">
+            <a:schemeClr val="dk1"/>
+          </a:lnRef>
+          <a:fillRef idx="0">
+            <a:schemeClr val="dk1"/>
+          </a:fillRef>
+          <a:effectRef idx="0">
+            <a:schemeClr val="dk1"/>
+          </a:effectRef>
+          <a:fontRef idx="minor">
+            <a:schemeClr val="tx1"/>
+          </a:fontRef>
+        </p:style>
+      </p:cxnSp>
+      <p:sp>
+        <p:nvSpPr>
+          <p:cNvPr id="36" name="Graphic 16">
+            <a:extLst>
+              <a:ext uri="{FF2B5EF4-FFF2-40B4-BE49-F238E27FC236}">
+                <a16:creationId xmlns:a16="http://schemas.microsoft.com/office/drawing/2014/main" id="{B8ADEBEB-C01F-04F9-0A2E-F86EED383B54}"/>
+              </a:ext>
+            </a:extLst>
+          </p:cNvPr>
+          <p:cNvSpPr/>
+          <p:nvPr/>
+        </p:nvSpPr>
+        <p:spPr>
+          <a:xfrm>
+            <a:off x="1589804" y="2964402"/>
+            <a:ext cx="308613" cy="152064"/>
+          </a:xfrm>
+          <a:custGeom>
+            <a:avLst/>
+            <a:gdLst>
+              <a:gd name="connsiteX0" fmla="*/ 280988 w 307657"/>
+              <a:gd name="connsiteY0" fmla="*/ 116058 h 116058"/>
+              <a:gd name="connsiteX1" fmla="*/ 26670 w 307657"/>
+              <a:gd name="connsiteY1" fmla="*/ 116058 h 116058"/>
+              <a:gd name="connsiteX2" fmla="*/ 0 w 307657"/>
+              <a:gd name="connsiteY2" fmla="*/ 91440 h 116058"/>
+              <a:gd name="connsiteX3" fmla="*/ 0 w 307657"/>
+              <a:gd name="connsiteY3" fmla="*/ 24618 h 116058"/>
+              <a:gd name="connsiteX4" fmla="*/ 26670 w 307657"/>
+              <a:gd name="connsiteY4" fmla="*/ 0 h 116058"/>
+              <a:gd name="connsiteX5" fmla="*/ 280988 w 307657"/>
+              <a:gd name="connsiteY5" fmla="*/ 0 h 116058"/>
+              <a:gd name="connsiteX6" fmla="*/ 307658 w 307657"/>
+              <a:gd name="connsiteY6" fmla="*/ 24618 h 116058"/>
+              <a:gd name="connsiteX7" fmla="*/ 307658 w 307657"/>
+              <a:gd name="connsiteY7" fmla="*/ 91440 h 116058"/>
+              <a:gd name="connsiteX8" fmla="*/ 280988 w 307657"/>
+              <a:gd name="connsiteY8" fmla="*/ 116058 h 116058"/>
+            </a:gdLst>
+            <a:ahLst/>
+            <a:cxnLst>
+              <a:cxn ang="0">
+                <a:pos x="connsiteX0" y="connsiteY0"/>
+              </a:cxn>
+              <a:cxn ang="0">
+                <a:pos x="connsiteX1" y="connsiteY1"/>
+              </a:cxn>
+              <a:cxn ang="0">
+                <a:pos x="connsiteX2" y="connsiteY2"/>
+              </a:cxn>
+              <a:cxn ang="0">
+                <a:pos x="connsiteX3" y="connsiteY3"/>
+              </a:cxn>
+              <a:cxn ang="0">
+                <a:pos x="connsiteX4" y="connsiteY4"/>
+              </a:cxn>
+              <a:cxn ang="0">
+                <a:pos x="connsiteX5" y="connsiteY5"/>
+              </a:cxn>
+              <a:cxn ang="0">
+                <a:pos x="connsiteX6" y="connsiteY6"/>
+              </a:cxn>
+              <a:cxn ang="0">
+                <a:pos x="connsiteX7" y="connsiteY7"/>
+              </a:cxn>
+              <a:cxn ang="0">
+                <a:pos x="connsiteX8" y="connsiteY8"/>
+              </a:cxn>
+            </a:cxnLst>
+            <a:rect l="l" t="t" r="r" b="b"/>
+            <a:pathLst>
+              <a:path w="307657" h="116058">
+                <a:moveTo>
+                  <a:pt x="280988" y="116058"/>
+                </a:moveTo>
+                <a:lnTo>
+                  <a:pt x="26670" y="116058"/>
+                </a:lnTo>
+                <a:cubicBezTo>
+                  <a:pt x="12383" y="116058"/>
+                  <a:pt x="0" y="105508"/>
+                  <a:pt x="0" y="91440"/>
+                </a:cubicBezTo>
+                <a:lnTo>
+                  <a:pt x="0" y="24618"/>
+                </a:lnTo>
+                <a:cubicBezTo>
+                  <a:pt x="0" y="11430"/>
+                  <a:pt x="12383" y="0"/>
+                  <a:pt x="26670" y="0"/>
+                </a:cubicBezTo>
+                <a:lnTo>
+                  <a:pt x="280988" y="0"/>
+                </a:lnTo>
+                <a:cubicBezTo>
+                  <a:pt x="295275" y="0"/>
+                  <a:pt x="307658" y="11430"/>
+                  <a:pt x="307658" y="24618"/>
+                </a:cubicBezTo>
+                <a:lnTo>
+                  <a:pt x="307658" y="91440"/>
+                </a:lnTo>
+                <a:cubicBezTo>
+                  <a:pt x="307658" y="105508"/>
+                  <a:pt x="296228" y="116058"/>
+                  <a:pt x="280988" y="116058"/>
+                </a:cubicBezTo>
+                <a:close/>
+              </a:path>
+            </a:pathLst>
+          </a:custGeom>
+          <a:solidFill>
+            <a:schemeClr val="accent1"/>
+          </a:solidFill>
+          <a:ln w="9525" cap="flat">
+            <a:noFill/>
+            <a:prstDash val="solid"/>
+            <a:miter/>
+          </a:ln>
+        </p:spPr>
+        <p:txBody>
+          <a:bodyPr lIns="0" tIns="0" rIns="0" bIns="0" rtlCol="0" anchor="ctr"/>
+          <a:lstStyle/>
+          <a:p>
+            <a:pPr algn="ctr"/>
+            <a:r>
+              <a:rPr lang="pt-BR" sz="800" b="1" dirty="0">
+                <a:solidFill>
+                  <a:schemeClr val="bg1"/>
+                </a:solidFill>
+                <a:latin typeface="Segoe UI" panose="020B0502040204020203" pitchFamily="34" charset="0"/>
+                <a:cs typeface="Segoe UI" panose="020B0502040204020203" pitchFamily="34" charset="0"/>
+              </a:rPr>
+              <a:t>YES</a:t>
+            </a:r>
+          </a:p>
+        </p:txBody>
+      </p:sp>
+      <p:sp>
+        <p:nvSpPr>
+          <p:cNvPr id="37" name="Graphic 12">
+            <a:extLst>
+              <a:ext uri="{FF2B5EF4-FFF2-40B4-BE49-F238E27FC236}">
+                <a16:creationId xmlns:a16="http://schemas.microsoft.com/office/drawing/2014/main" id="{34A5A57C-0342-C912-3EF1-3D34C72FB171}"/>
+              </a:ext>
+            </a:extLst>
+          </p:cNvPr>
+          <p:cNvSpPr/>
+          <p:nvPr/>
+        </p:nvSpPr>
+        <p:spPr>
+          <a:xfrm>
+            <a:off x="1905000" y="3960673"/>
+            <a:ext cx="1463910" cy="555969"/>
+          </a:xfrm>
+          <a:custGeom>
+            <a:avLst/>
+            <a:gdLst>
+              <a:gd name="connsiteX0" fmla="*/ 743903 w 761127"/>
+              <a:gd name="connsiteY0" fmla="*/ 363578 h 363578"/>
+              <a:gd name="connsiteX1" fmla="*/ 17145 w 761127"/>
+              <a:gd name="connsiteY1" fmla="*/ 363578 h 363578"/>
+              <a:gd name="connsiteX2" fmla="*/ 0 w 761127"/>
+              <a:gd name="connsiteY2" fmla="*/ 346580 h 363578"/>
+              <a:gd name="connsiteX3" fmla="*/ 0 w 761127"/>
+              <a:gd name="connsiteY3" fmla="*/ 16998 h 363578"/>
+              <a:gd name="connsiteX4" fmla="*/ 17145 w 761127"/>
+              <a:gd name="connsiteY4" fmla="*/ 0 h 363578"/>
+              <a:gd name="connsiteX5" fmla="*/ 743903 w 761127"/>
+              <a:gd name="connsiteY5" fmla="*/ 0 h 363578"/>
+              <a:gd name="connsiteX6" fmla="*/ 761048 w 761127"/>
+              <a:gd name="connsiteY6" fmla="*/ 16998 h 363578"/>
+              <a:gd name="connsiteX7" fmla="*/ 761048 w 761127"/>
+              <a:gd name="connsiteY7" fmla="*/ 346580 h 363578"/>
+              <a:gd name="connsiteX8" fmla="*/ 743903 w 761127"/>
+              <a:gd name="connsiteY8" fmla="*/ 363578 h 363578"/>
+            </a:gdLst>
+            <a:ahLst/>
+            <a:cxnLst>
+              <a:cxn ang="0">
+                <a:pos x="connsiteX0" y="connsiteY0"/>
+              </a:cxn>
+              <a:cxn ang="0">
+                <a:pos x="connsiteX1" y="connsiteY1"/>
+              </a:cxn>
+              <a:cxn ang="0">
+                <a:pos x="connsiteX2" y="connsiteY2"/>
+              </a:cxn>
+              <a:cxn ang="0">
+                <a:pos x="connsiteX3" y="connsiteY3"/>
+              </a:cxn>
+              <a:cxn ang="0">
+                <a:pos x="connsiteX4" y="connsiteY4"/>
+              </a:cxn>
+              <a:cxn ang="0">
+                <a:pos x="connsiteX5" y="connsiteY5"/>
+              </a:cxn>
+              <a:cxn ang="0">
+                <a:pos x="connsiteX6" y="connsiteY6"/>
+              </a:cxn>
+              <a:cxn ang="0">
+                <a:pos x="connsiteX7" y="connsiteY7"/>
+              </a:cxn>
+              <a:cxn ang="0">
+                <a:pos x="connsiteX8" y="connsiteY8"/>
+              </a:cxn>
+            </a:cxnLst>
+            <a:rect l="l" t="t" r="r" b="b"/>
+            <a:pathLst>
+              <a:path w="761127" h="363578">
+                <a:moveTo>
+                  <a:pt x="743903" y="363578"/>
+                </a:moveTo>
+                <a:lnTo>
+                  <a:pt x="17145" y="363578"/>
+                </a:lnTo>
+                <a:cubicBezTo>
+                  <a:pt x="7620" y="363578"/>
+                  <a:pt x="0" y="356023"/>
+                  <a:pt x="0" y="346580"/>
+                </a:cubicBezTo>
+                <a:lnTo>
+                  <a:pt x="0" y="16998"/>
+                </a:lnTo>
+                <a:cubicBezTo>
+                  <a:pt x="0" y="7555"/>
+                  <a:pt x="7620" y="0"/>
+                  <a:pt x="17145" y="0"/>
+                </a:cubicBezTo>
+                <a:lnTo>
+                  <a:pt x="743903" y="0"/>
+                </a:lnTo>
+                <a:cubicBezTo>
+                  <a:pt x="753428" y="0"/>
+                  <a:pt x="761048" y="7555"/>
+                  <a:pt x="761048" y="16998"/>
+                </a:cubicBezTo>
+                <a:lnTo>
+                  <a:pt x="761048" y="346580"/>
+                </a:lnTo>
+                <a:cubicBezTo>
+                  <a:pt x="762000" y="356023"/>
+                  <a:pt x="754380" y="363578"/>
+                  <a:pt x="743903" y="363578"/>
+                </a:cubicBezTo>
+                <a:close/>
+              </a:path>
+            </a:pathLst>
+          </a:custGeom>
+          <a:solidFill>
+            <a:schemeClr val="accent5"/>
+          </a:solidFill>
+          <a:ln w="9525" cap="flat">
+            <a:noFill/>
+            <a:prstDash val="solid"/>
+            <a:miter/>
+          </a:ln>
+        </p:spPr>
+        <p:txBody>
+          <a:bodyPr lIns="0" tIns="0" rIns="0" bIns="0" rtlCol="0" anchor="ctr"/>
+          <a:lstStyle/>
+          <a:p>
+            <a:pPr algn="ctr"/>
+            <a:r>
+              <a:rPr lang="pt-BR" sz="800" b="1" dirty="0">
+                <a:solidFill>
+                  <a:schemeClr val="bg1"/>
+                </a:solidFill>
+                <a:latin typeface="Segoe UI" panose="020B0502040204020203" pitchFamily="34" charset="0"/>
+                <a:cs typeface="Segoe UI" panose="020B0502040204020203" pitchFamily="34" charset="0"/>
+              </a:rPr>
+              <a:t>CREATE UI</a:t>
+            </a:r>
+          </a:p>
+          <a:p>
+            <a:pPr algn="ctr"/>
+            <a:r>
+              <a:rPr lang="pt-BR" sz="800" b="1" dirty="0">
+                <a:solidFill>
+                  <a:schemeClr val="bg1"/>
+                </a:solidFill>
+                <a:latin typeface="Segoe UI" panose="020B0502040204020203" pitchFamily="34" charset="0"/>
+                <a:cs typeface="Segoe UI" panose="020B0502040204020203" pitchFamily="34" charset="0"/>
+              </a:rPr>
+              <a:t>AS PER THE VISUALS</a:t>
+            </a:r>
+          </a:p>
+        </p:txBody>
+      </p:sp>
+      <p:sp>
+        <p:nvSpPr>
+          <p:cNvPr id="38" name="Graphic 8">
+            <a:extLst>
+              <a:ext uri="{FF2B5EF4-FFF2-40B4-BE49-F238E27FC236}">
+                <a16:creationId xmlns:a16="http://schemas.microsoft.com/office/drawing/2014/main" id="{F90F4F07-87E1-5BCD-5008-FDF6BCF29140}"/>
+              </a:ext>
+            </a:extLst>
+          </p:cNvPr>
+          <p:cNvSpPr/>
+          <p:nvPr/>
+        </p:nvSpPr>
+        <p:spPr>
+          <a:xfrm>
+            <a:off x="2196976" y="2680698"/>
+            <a:ext cx="875885" cy="707503"/>
+          </a:xfrm>
+          <a:custGeom>
+            <a:avLst/>
+            <a:gdLst>
+              <a:gd name="connsiteX0" fmla="*/ 613343 w 624070"/>
+              <a:gd name="connsiteY0" fmla="*/ 245269 h 451484"/>
+              <a:gd name="connsiteX1" fmla="*/ 324822 w 624070"/>
+              <a:gd name="connsiteY1" fmla="*/ 447199 h 451484"/>
+              <a:gd name="connsiteX2" fmla="*/ 297478 w 624070"/>
+              <a:gd name="connsiteY2" fmla="*/ 447199 h 451484"/>
+              <a:gd name="connsiteX3" fmla="*/ 9900 w 624070"/>
+              <a:gd name="connsiteY3" fmla="*/ 245269 h 451484"/>
+              <a:gd name="connsiteX4" fmla="*/ 9900 w 624070"/>
+              <a:gd name="connsiteY4" fmla="*/ 206216 h 451484"/>
+              <a:gd name="connsiteX5" fmla="*/ 298421 w 624070"/>
+              <a:gd name="connsiteY5" fmla="*/ 4286 h 451484"/>
+              <a:gd name="connsiteX6" fmla="*/ 325765 w 624070"/>
+              <a:gd name="connsiteY6" fmla="*/ 4286 h 451484"/>
+              <a:gd name="connsiteX7" fmla="*/ 614286 w 624070"/>
+              <a:gd name="connsiteY7" fmla="*/ 206216 h 451484"/>
+              <a:gd name="connsiteX8" fmla="*/ 613343 w 624070"/>
+              <a:gd name="connsiteY8" fmla="*/ 245269 h 451484"/>
+            </a:gdLst>
+            <a:ahLst/>
+            <a:cxnLst>
+              <a:cxn ang="0">
+                <a:pos x="connsiteX0" y="connsiteY0"/>
+              </a:cxn>
+              <a:cxn ang="0">
+                <a:pos x="connsiteX1" y="connsiteY1"/>
+              </a:cxn>
+              <a:cxn ang="0">
+                <a:pos x="connsiteX2" y="connsiteY2"/>
+              </a:cxn>
+              <a:cxn ang="0">
+                <a:pos x="connsiteX3" y="connsiteY3"/>
+              </a:cxn>
+              <a:cxn ang="0">
+                <a:pos x="connsiteX4" y="connsiteY4"/>
+              </a:cxn>
+              <a:cxn ang="0">
+                <a:pos x="connsiteX5" y="connsiteY5"/>
+              </a:cxn>
+              <a:cxn ang="0">
+                <a:pos x="connsiteX6" y="connsiteY6"/>
+              </a:cxn>
+              <a:cxn ang="0">
+                <a:pos x="connsiteX7" y="connsiteY7"/>
+              </a:cxn>
+              <a:cxn ang="0">
+                <a:pos x="connsiteX8" y="connsiteY8"/>
+              </a:cxn>
+            </a:cxnLst>
+            <a:rect l="l" t="t" r="r" b="b"/>
+            <a:pathLst>
+              <a:path w="624070" h="451484">
+                <a:moveTo>
+                  <a:pt x="613343" y="245269"/>
+                </a:moveTo>
+                <a:lnTo>
+                  <a:pt x="324822" y="447199"/>
+                </a:lnTo>
+                <a:cubicBezTo>
+                  <a:pt x="316336" y="452914"/>
+                  <a:pt x="305964" y="452914"/>
+                  <a:pt x="297478" y="447199"/>
+                </a:cubicBezTo>
+                <a:lnTo>
+                  <a:pt x="9900" y="245269"/>
+                </a:lnTo>
+                <a:cubicBezTo>
+                  <a:pt x="-3300" y="235744"/>
+                  <a:pt x="-3300" y="215741"/>
+                  <a:pt x="9900" y="206216"/>
+                </a:cubicBezTo>
+                <a:lnTo>
+                  <a:pt x="298421" y="4286"/>
+                </a:lnTo>
+                <a:cubicBezTo>
+                  <a:pt x="306907" y="-1429"/>
+                  <a:pt x="317279" y="-1429"/>
+                  <a:pt x="325765" y="4286"/>
+                </a:cubicBezTo>
+                <a:lnTo>
+                  <a:pt x="614286" y="206216"/>
+                </a:lnTo>
+                <a:cubicBezTo>
+                  <a:pt x="627486" y="215741"/>
+                  <a:pt x="627486" y="235744"/>
+                  <a:pt x="613343" y="245269"/>
+                </a:cubicBezTo>
+                <a:close/>
+              </a:path>
+            </a:pathLst>
+          </a:custGeom>
+          <a:solidFill>
+            <a:srgbClr val="867BBF"/>
+          </a:solidFill>
+          <a:ln w="9381" cap="flat">
+            <a:noFill/>
+            <a:prstDash val="solid"/>
+            <a:miter/>
+          </a:ln>
+        </p:spPr>
+        <p:txBody>
+          <a:bodyPr lIns="0" tIns="0" rIns="0" bIns="0" rtlCol="0" anchor="ctr"/>
+          <a:lstStyle/>
+          <a:p>
+            <a:pPr algn="ctr"/>
+            <a:r>
+              <a:rPr lang="pt-BR" sz="800" b="1" dirty="0">
+                <a:solidFill>
+                  <a:schemeClr val="bg1"/>
+                </a:solidFill>
+                <a:latin typeface="Segoe UI" panose="020B0502040204020203" pitchFamily="34" charset="0"/>
+                <a:cs typeface="Segoe UI" panose="020B0502040204020203" pitchFamily="34" charset="0"/>
+              </a:rPr>
+              <a:t>USE </a:t>
+            </a:r>
+          </a:p>
+          <a:p>
+            <a:pPr algn="ctr"/>
+            <a:r>
+              <a:rPr lang="pt-BR" sz="800" b="1" dirty="0">
+                <a:solidFill>
+                  <a:schemeClr val="bg1"/>
+                </a:solidFill>
+                <a:latin typeface="Segoe UI" panose="020B0502040204020203" pitchFamily="34" charset="0"/>
+                <a:cs typeface="Segoe UI" panose="020B0502040204020203" pitchFamily="34" charset="0"/>
+              </a:rPr>
+              <a:t>LIBRARY</a:t>
+            </a:r>
+          </a:p>
+          <a:p>
+            <a:pPr algn="ctr"/>
+            <a:r>
+              <a:rPr lang="pt-BR" sz="800" b="1" dirty="0">
+                <a:solidFill>
+                  <a:schemeClr val="bg1"/>
+                </a:solidFill>
+                <a:latin typeface="Segoe UI" panose="020B0502040204020203" pitchFamily="34" charset="0"/>
+                <a:cs typeface="Segoe UI" panose="020B0502040204020203" pitchFamily="34" charset="0"/>
+              </a:rPr>
+              <a:t>LIKE </a:t>
+            </a:r>
+          </a:p>
+          <a:p>
+            <a:pPr algn="ctr"/>
+            <a:r>
+              <a:rPr lang="pt-BR" sz="800" b="1" dirty="0">
+                <a:solidFill>
+                  <a:schemeClr val="bg1"/>
+                </a:solidFill>
+                <a:latin typeface="Segoe UI" panose="020B0502040204020203" pitchFamily="34" charset="0"/>
+                <a:cs typeface="Segoe UI" panose="020B0502040204020203" pitchFamily="34" charset="0"/>
+              </a:rPr>
+              <a:t>MUI ?</a:t>
+            </a:r>
+          </a:p>
+        </p:txBody>
+      </p:sp>
+      <p:cxnSp>
+        <p:nvCxnSpPr>
+          <p:cNvPr id="39" name="Straight Arrow Connector 38">
+            <a:extLst>
+              <a:ext uri="{FF2B5EF4-FFF2-40B4-BE49-F238E27FC236}">
+                <a16:creationId xmlns:a16="http://schemas.microsoft.com/office/drawing/2014/main" id="{BE93BAC3-401B-EC72-C76D-848C5C3D6854}"/>
+              </a:ext>
+            </a:extLst>
+          </p:cNvPr>
+          <p:cNvCxnSpPr>
+            <a:cxnSpLocks/>
+          </p:cNvCxnSpPr>
+          <p:nvPr/>
+        </p:nvCxnSpPr>
+        <p:spPr>
+          <a:xfrm>
+            <a:off x="2628900" y="3425446"/>
+            <a:ext cx="0" cy="493500"/>
+          </a:xfrm>
+          <a:prstGeom prst="straightConnector1">
+            <a:avLst/>
+          </a:prstGeom>
+          <a:ln w="19050">
+            <a:solidFill>
+              <a:schemeClr val="bg2">
+                <a:lumMod val="75000"/>
+              </a:schemeClr>
+            </a:solidFill>
+            <a:headEnd type="none" w="med" len="med"/>
+            <a:tailEnd type="arrow" w="med" len="med"/>
+          </a:ln>
+        </p:spPr>
+        <p:style>
+          <a:lnRef idx="1">
+            <a:schemeClr val="dk1"/>
+          </a:lnRef>
+          <a:fillRef idx="0">
+            <a:schemeClr val="dk1"/>
+          </a:fillRef>
+          <a:effectRef idx="0">
+            <a:schemeClr val="dk1"/>
+          </a:effectRef>
+          <a:fontRef idx="minor">
+            <a:schemeClr val="tx1"/>
+          </a:fontRef>
+        </p:style>
+      </p:cxnSp>
+      <p:sp>
+        <p:nvSpPr>
+          <p:cNvPr id="40" name="Graphic 16">
+            <a:extLst>
+              <a:ext uri="{FF2B5EF4-FFF2-40B4-BE49-F238E27FC236}">
+                <a16:creationId xmlns:a16="http://schemas.microsoft.com/office/drawing/2014/main" id="{7F1BCD5B-56B6-82EF-C3AA-31523700A6F5}"/>
+              </a:ext>
+            </a:extLst>
+          </p:cNvPr>
+          <p:cNvSpPr/>
+          <p:nvPr/>
+        </p:nvSpPr>
+        <p:spPr>
+          <a:xfrm>
+            <a:off x="2507456" y="3551654"/>
+            <a:ext cx="251950" cy="152398"/>
+          </a:xfrm>
+          <a:custGeom>
+            <a:avLst/>
+            <a:gdLst>
+              <a:gd name="connsiteX0" fmla="*/ 280988 w 307657"/>
+              <a:gd name="connsiteY0" fmla="*/ 116058 h 116058"/>
+              <a:gd name="connsiteX1" fmla="*/ 26670 w 307657"/>
+              <a:gd name="connsiteY1" fmla="*/ 116058 h 116058"/>
+              <a:gd name="connsiteX2" fmla="*/ 0 w 307657"/>
+              <a:gd name="connsiteY2" fmla="*/ 91440 h 116058"/>
+              <a:gd name="connsiteX3" fmla="*/ 0 w 307657"/>
+              <a:gd name="connsiteY3" fmla="*/ 24618 h 116058"/>
+              <a:gd name="connsiteX4" fmla="*/ 26670 w 307657"/>
+              <a:gd name="connsiteY4" fmla="*/ 0 h 116058"/>
+              <a:gd name="connsiteX5" fmla="*/ 280988 w 307657"/>
+              <a:gd name="connsiteY5" fmla="*/ 0 h 116058"/>
+              <a:gd name="connsiteX6" fmla="*/ 307658 w 307657"/>
+              <a:gd name="connsiteY6" fmla="*/ 24618 h 116058"/>
+              <a:gd name="connsiteX7" fmla="*/ 307658 w 307657"/>
+              <a:gd name="connsiteY7" fmla="*/ 91440 h 116058"/>
+              <a:gd name="connsiteX8" fmla="*/ 280988 w 307657"/>
+              <a:gd name="connsiteY8" fmla="*/ 116058 h 116058"/>
+            </a:gdLst>
+            <a:ahLst/>
+            <a:cxnLst>
+              <a:cxn ang="0">
+                <a:pos x="connsiteX0" y="connsiteY0"/>
+              </a:cxn>
+              <a:cxn ang="0">
+                <a:pos x="connsiteX1" y="connsiteY1"/>
+              </a:cxn>
+              <a:cxn ang="0">
+                <a:pos x="connsiteX2" y="connsiteY2"/>
+              </a:cxn>
+              <a:cxn ang="0">
+                <a:pos x="connsiteX3" y="connsiteY3"/>
+              </a:cxn>
+              <a:cxn ang="0">
+                <a:pos x="connsiteX4" y="connsiteY4"/>
+              </a:cxn>
+              <a:cxn ang="0">
+                <a:pos x="connsiteX5" y="connsiteY5"/>
+              </a:cxn>
+              <a:cxn ang="0">
+                <a:pos x="connsiteX6" y="connsiteY6"/>
+              </a:cxn>
+              <a:cxn ang="0">
+                <a:pos x="connsiteX7" y="connsiteY7"/>
+              </a:cxn>
+              <a:cxn ang="0">
+                <a:pos x="connsiteX8" y="connsiteY8"/>
+              </a:cxn>
+            </a:cxnLst>
+            <a:rect l="l" t="t" r="r" b="b"/>
+            <a:pathLst>
+              <a:path w="307657" h="116058">
+                <a:moveTo>
+                  <a:pt x="280988" y="116058"/>
+                </a:moveTo>
+                <a:lnTo>
+                  <a:pt x="26670" y="116058"/>
+                </a:lnTo>
+                <a:cubicBezTo>
+                  <a:pt x="12383" y="116058"/>
+                  <a:pt x="0" y="105508"/>
+                  <a:pt x="0" y="91440"/>
+                </a:cubicBezTo>
+                <a:lnTo>
+                  <a:pt x="0" y="24618"/>
+                </a:lnTo>
+                <a:cubicBezTo>
+                  <a:pt x="0" y="11430"/>
+                  <a:pt x="12383" y="0"/>
+                  <a:pt x="26670" y="0"/>
+                </a:cubicBezTo>
+                <a:lnTo>
+                  <a:pt x="280988" y="0"/>
+                </a:lnTo>
+                <a:cubicBezTo>
+                  <a:pt x="295275" y="0"/>
+                  <a:pt x="307658" y="11430"/>
+                  <a:pt x="307658" y="24618"/>
+                </a:cubicBezTo>
+                <a:lnTo>
+                  <a:pt x="307658" y="91440"/>
+                </a:lnTo>
+                <a:cubicBezTo>
+                  <a:pt x="307658" y="105508"/>
+                  <a:pt x="296228" y="116058"/>
+                  <a:pt x="280988" y="116058"/>
+                </a:cubicBezTo>
+                <a:close/>
+              </a:path>
+            </a:pathLst>
+          </a:custGeom>
+          <a:solidFill>
+            <a:schemeClr val="accent1"/>
+          </a:solidFill>
+          <a:ln w="9525" cap="flat">
+            <a:noFill/>
+            <a:prstDash val="solid"/>
+            <a:miter/>
+          </a:ln>
+        </p:spPr>
+        <p:txBody>
+          <a:bodyPr lIns="0" tIns="0" rIns="0" bIns="0" rtlCol="0" anchor="ctr"/>
+          <a:lstStyle/>
+          <a:p>
+            <a:pPr algn="ctr"/>
+            <a:r>
+              <a:rPr lang="pt-BR" sz="800" b="1" dirty="0">
+                <a:solidFill>
+                  <a:schemeClr val="bg1"/>
+                </a:solidFill>
+                <a:latin typeface="Segoe UI" panose="020B0502040204020203" pitchFamily="34" charset="0"/>
+                <a:cs typeface="Segoe UI" panose="020B0502040204020203" pitchFamily="34" charset="0"/>
+              </a:rPr>
+              <a:t>NO</a:t>
+            </a:r>
+          </a:p>
+        </p:txBody>
+      </p:sp>
+      <p:sp>
+        <p:nvSpPr>
+          <p:cNvPr id="41" name="Graphic 6">
+            <a:extLst>
+              <a:ext uri="{FF2B5EF4-FFF2-40B4-BE49-F238E27FC236}">
+                <a16:creationId xmlns:a16="http://schemas.microsoft.com/office/drawing/2014/main" id="{5CCC0BAA-1D95-854E-922D-F2C09B7B64A9}"/>
+              </a:ext>
+            </a:extLst>
+          </p:cNvPr>
+          <p:cNvSpPr/>
+          <p:nvPr/>
+        </p:nvSpPr>
+        <p:spPr>
+          <a:xfrm>
+            <a:off x="7614028" y="748591"/>
+            <a:ext cx="773943" cy="274548"/>
+          </a:xfrm>
+          <a:custGeom>
+            <a:avLst/>
+            <a:gdLst>
+              <a:gd name="connsiteX0" fmla="*/ 653608 w 835374"/>
+              <a:gd name="connsiteY0" fmla="*/ 363578 h 363578"/>
+              <a:gd name="connsiteX1" fmla="*/ 181767 w 835374"/>
+              <a:gd name="connsiteY1" fmla="*/ 363578 h 363578"/>
+              <a:gd name="connsiteX2" fmla="*/ 0 w 835374"/>
+              <a:gd name="connsiteY2" fmla="*/ 182261 h 363578"/>
+              <a:gd name="connsiteX3" fmla="*/ 0 w 835374"/>
+              <a:gd name="connsiteY3" fmla="*/ 182261 h 363578"/>
+              <a:gd name="connsiteX4" fmla="*/ 181767 w 835374"/>
+              <a:gd name="connsiteY4" fmla="*/ 0 h 363578"/>
+              <a:gd name="connsiteX5" fmla="*/ 653608 w 835374"/>
+              <a:gd name="connsiteY5" fmla="*/ 0 h 363578"/>
+              <a:gd name="connsiteX6" fmla="*/ 835375 w 835374"/>
+              <a:gd name="connsiteY6" fmla="*/ 182261 h 363578"/>
+              <a:gd name="connsiteX7" fmla="*/ 835375 w 835374"/>
+              <a:gd name="connsiteY7" fmla="*/ 182261 h 363578"/>
+              <a:gd name="connsiteX8" fmla="*/ 653608 w 835374"/>
+              <a:gd name="connsiteY8" fmla="*/ 363578 h 363578"/>
+            </a:gdLst>
+            <a:ahLst/>
+            <a:cxnLst>
+              <a:cxn ang="0">
+                <a:pos x="connsiteX0" y="connsiteY0"/>
+              </a:cxn>
+              <a:cxn ang="0">
+                <a:pos x="connsiteX1" y="connsiteY1"/>
+              </a:cxn>
+              <a:cxn ang="0">
+                <a:pos x="connsiteX2" y="connsiteY2"/>
+              </a:cxn>
+              <a:cxn ang="0">
+                <a:pos x="connsiteX3" y="connsiteY3"/>
+              </a:cxn>
+              <a:cxn ang="0">
+                <a:pos x="connsiteX4" y="connsiteY4"/>
+              </a:cxn>
+              <a:cxn ang="0">
+                <a:pos x="connsiteX5" y="connsiteY5"/>
+              </a:cxn>
+              <a:cxn ang="0">
+                <a:pos x="connsiteX6" y="connsiteY6"/>
+              </a:cxn>
+              <a:cxn ang="0">
+                <a:pos x="connsiteX7" y="connsiteY7"/>
+              </a:cxn>
+              <a:cxn ang="0">
+                <a:pos x="connsiteX8" y="connsiteY8"/>
+              </a:cxn>
+            </a:cxnLst>
+            <a:rect l="l" t="t" r="r" b="b"/>
+            <a:pathLst>
+              <a:path w="835374" h="363578">
+                <a:moveTo>
+                  <a:pt x="653608" y="363578"/>
+                </a:moveTo>
+                <a:lnTo>
+                  <a:pt x="181767" y="363578"/>
+                </a:lnTo>
+                <a:cubicBezTo>
+                  <a:pt x="80995" y="363578"/>
+                  <a:pt x="0" y="282363"/>
+                  <a:pt x="0" y="182261"/>
+                </a:cubicBezTo>
+                <a:lnTo>
+                  <a:pt x="0" y="182261"/>
+                </a:lnTo>
+                <a:cubicBezTo>
+                  <a:pt x="0" y="81215"/>
+                  <a:pt x="80995" y="0"/>
+                  <a:pt x="181767" y="0"/>
+                </a:cubicBezTo>
+                <a:lnTo>
+                  <a:pt x="653608" y="0"/>
+                </a:lnTo>
+                <a:cubicBezTo>
+                  <a:pt x="753438" y="0"/>
+                  <a:pt x="835375" y="81215"/>
+                  <a:pt x="835375" y="182261"/>
+                </a:cubicBezTo>
+                <a:lnTo>
+                  <a:pt x="835375" y="182261"/>
+                </a:lnTo>
+                <a:cubicBezTo>
+                  <a:pt x="835375" y="282363"/>
+                  <a:pt x="753438" y="363578"/>
+                  <a:pt x="653608" y="363578"/>
+                </a:cubicBezTo>
+                <a:close/>
+              </a:path>
+            </a:pathLst>
+          </a:custGeom>
+          <a:solidFill>
+            <a:srgbClr val="A32C95"/>
+          </a:solidFill>
+          <a:ln w="9418" cap="flat">
+            <a:noFill/>
+            <a:prstDash val="solid"/>
+            <a:miter/>
+          </a:ln>
+        </p:spPr>
+        <p:txBody>
+          <a:bodyPr lIns="0" tIns="0" rIns="0" bIns="0" rtlCol="0" anchor="ctr"/>
+          <a:lstStyle/>
+          <a:p>
+            <a:pPr algn="ctr"/>
+            <a:r>
+              <a:rPr lang="pt-BR" sz="800" b="1" dirty="0">
+                <a:solidFill>
+                  <a:schemeClr val="bg1"/>
+                </a:solidFill>
+                <a:latin typeface="Segoe UI" panose="020B0502040204020203" pitchFamily="34" charset="0"/>
+                <a:cs typeface="Segoe UI" panose="020B0502040204020203" pitchFamily="34" charset="0"/>
+              </a:rPr>
+              <a:t>END</a:t>
+            </a:r>
+          </a:p>
+        </p:txBody>
+      </p:sp>
+      <p:cxnSp>
+        <p:nvCxnSpPr>
+          <p:cNvPr id="42" name="Straight Connector 41">
+            <a:extLst>
+              <a:ext uri="{FF2B5EF4-FFF2-40B4-BE49-F238E27FC236}">
+                <a16:creationId xmlns:a16="http://schemas.microsoft.com/office/drawing/2014/main" id="{248A0CE2-5D8A-8FAC-AFF3-A689FC72524E}"/>
+              </a:ext>
+            </a:extLst>
+          </p:cNvPr>
+          <p:cNvCxnSpPr>
+            <a:cxnSpLocks/>
+          </p:cNvCxnSpPr>
+          <p:nvPr/>
+        </p:nvCxnSpPr>
+        <p:spPr>
+          <a:xfrm flipH="1">
+            <a:off x="7162800" y="1744866"/>
+            <a:ext cx="838200" cy="0"/>
+          </a:xfrm>
+          <a:prstGeom prst="line">
+            <a:avLst/>
+          </a:prstGeom>
+          <a:ln w="19050">
+            <a:solidFill>
+              <a:schemeClr val="bg2">
+                <a:lumMod val="75000"/>
+              </a:schemeClr>
+            </a:solidFill>
+          </a:ln>
+        </p:spPr>
+        <p:style>
+          <a:lnRef idx="1">
+            <a:schemeClr val="accent1"/>
+          </a:lnRef>
+          <a:fillRef idx="0">
+            <a:schemeClr val="accent1"/>
+          </a:fillRef>
+          <a:effectRef idx="0">
+            <a:schemeClr val="accent1"/>
+          </a:effectRef>
+          <a:fontRef idx="minor">
+            <a:schemeClr val="tx1"/>
+          </a:fontRef>
+        </p:style>
+      </p:cxnSp>
+      <p:cxnSp>
+        <p:nvCxnSpPr>
+          <p:cNvPr id="43" name="Straight Arrow Connector 42">
+            <a:extLst>
+              <a:ext uri="{FF2B5EF4-FFF2-40B4-BE49-F238E27FC236}">
+                <a16:creationId xmlns:a16="http://schemas.microsoft.com/office/drawing/2014/main" id="{2A1E2BDE-1D2E-6F09-0800-C9F500141A08}"/>
+              </a:ext>
+            </a:extLst>
+          </p:cNvPr>
+          <p:cNvCxnSpPr>
+            <a:cxnSpLocks/>
+          </p:cNvCxnSpPr>
+          <p:nvPr/>
+        </p:nvCxnSpPr>
+        <p:spPr>
+          <a:xfrm>
+            <a:off x="3124200" y="3032786"/>
+            <a:ext cx="724772" cy="168"/>
+          </a:xfrm>
+          <a:prstGeom prst="straightConnector1">
+            <a:avLst/>
+          </a:prstGeom>
+          <a:ln w="19050">
+            <a:solidFill>
+              <a:schemeClr val="bg2">
+                <a:lumMod val="75000"/>
+              </a:schemeClr>
+            </a:solidFill>
+            <a:headEnd type="none" w="med" len="med"/>
+            <a:tailEnd type="arrow" w="med" len="med"/>
+          </a:ln>
+        </p:spPr>
+        <p:style>
+          <a:lnRef idx="1">
+            <a:schemeClr val="dk1"/>
+          </a:lnRef>
+          <a:fillRef idx="0">
+            <a:schemeClr val="dk1"/>
+          </a:fillRef>
+          <a:effectRef idx="0">
+            <a:schemeClr val="dk1"/>
+          </a:effectRef>
+          <a:fontRef idx="minor">
+            <a:schemeClr val="tx1"/>
+          </a:fontRef>
+        </p:style>
+      </p:cxnSp>
+      <p:sp>
+        <p:nvSpPr>
+          <p:cNvPr id="44" name="Graphic 16">
+            <a:extLst>
+              <a:ext uri="{FF2B5EF4-FFF2-40B4-BE49-F238E27FC236}">
+                <a16:creationId xmlns:a16="http://schemas.microsoft.com/office/drawing/2014/main" id="{8B791BC1-B4D2-E785-FB74-88B2E3569C2A}"/>
+              </a:ext>
+            </a:extLst>
+          </p:cNvPr>
+          <p:cNvSpPr/>
+          <p:nvPr/>
+        </p:nvSpPr>
+        <p:spPr>
+          <a:xfrm>
+            <a:off x="3305176" y="2964066"/>
+            <a:ext cx="308613" cy="152064"/>
+          </a:xfrm>
+          <a:custGeom>
+            <a:avLst/>
+            <a:gdLst>
+              <a:gd name="connsiteX0" fmla="*/ 280988 w 307657"/>
+              <a:gd name="connsiteY0" fmla="*/ 116058 h 116058"/>
+              <a:gd name="connsiteX1" fmla="*/ 26670 w 307657"/>
+              <a:gd name="connsiteY1" fmla="*/ 116058 h 116058"/>
+              <a:gd name="connsiteX2" fmla="*/ 0 w 307657"/>
+              <a:gd name="connsiteY2" fmla="*/ 91440 h 116058"/>
+              <a:gd name="connsiteX3" fmla="*/ 0 w 307657"/>
+              <a:gd name="connsiteY3" fmla="*/ 24618 h 116058"/>
+              <a:gd name="connsiteX4" fmla="*/ 26670 w 307657"/>
+              <a:gd name="connsiteY4" fmla="*/ 0 h 116058"/>
+              <a:gd name="connsiteX5" fmla="*/ 280988 w 307657"/>
+              <a:gd name="connsiteY5" fmla="*/ 0 h 116058"/>
+              <a:gd name="connsiteX6" fmla="*/ 307658 w 307657"/>
+              <a:gd name="connsiteY6" fmla="*/ 24618 h 116058"/>
+              <a:gd name="connsiteX7" fmla="*/ 307658 w 307657"/>
+              <a:gd name="connsiteY7" fmla="*/ 91440 h 116058"/>
+              <a:gd name="connsiteX8" fmla="*/ 280988 w 307657"/>
+              <a:gd name="connsiteY8" fmla="*/ 116058 h 116058"/>
+            </a:gdLst>
+            <a:ahLst/>
+            <a:cxnLst>
+              <a:cxn ang="0">
+                <a:pos x="connsiteX0" y="connsiteY0"/>
+              </a:cxn>
+              <a:cxn ang="0">
+                <a:pos x="connsiteX1" y="connsiteY1"/>
+              </a:cxn>
+              <a:cxn ang="0">
+                <a:pos x="connsiteX2" y="connsiteY2"/>
+              </a:cxn>
+              <a:cxn ang="0">
+                <a:pos x="connsiteX3" y="connsiteY3"/>
+              </a:cxn>
+              <a:cxn ang="0">
+                <a:pos x="connsiteX4" y="connsiteY4"/>
+              </a:cxn>
+              <a:cxn ang="0">
+                <a:pos x="connsiteX5" y="connsiteY5"/>
+              </a:cxn>
+              <a:cxn ang="0">
+                <a:pos x="connsiteX6" y="connsiteY6"/>
+              </a:cxn>
+              <a:cxn ang="0">
+                <a:pos x="connsiteX7" y="connsiteY7"/>
+              </a:cxn>
+              <a:cxn ang="0">
+                <a:pos x="connsiteX8" y="connsiteY8"/>
+              </a:cxn>
+            </a:cxnLst>
+            <a:rect l="l" t="t" r="r" b="b"/>
+            <a:pathLst>
+              <a:path w="307657" h="116058">
+                <a:moveTo>
+                  <a:pt x="280988" y="116058"/>
+                </a:moveTo>
+                <a:lnTo>
+                  <a:pt x="26670" y="116058"/>
+                </a:lnTo>
+                <a:cubicBezTo>
+                  <a:pt x="12383" y="116058"/>
+                  <a:pt x="0" y="105508"/>
+                  <a:pt x="0" y="91440"/>
+                </a:cubicBezTo>
+                <a:lnTo>
+                  <a:pt x="0" y="24618"/>
+                </a:lnTo>
+                <a:cubicBezTo>
+                  <a:pt x="0" y="11430"/>
+                  <a:pt x="12383" y="0"/>
+                  <a:pt x="26670" y="0"/>
+                </a:cubicBezTo>
+                <a:lnTo>
+                  <a:pt x="280988" y="0"/>
+                </a:lnTo>
+                <a:cubicBezTo>
+                  <a:pt x="295275" y="0"/>
+                  <a:pt x="307658" y="11430"/>
+                  <a:pt x="307658" y="24618"/>
+                </a:cubicBezTo>
+                <a:lnTo>
+                  <a:pt x="307658" y="91440"/>
+                </a:lnTo>
+                <a:cubicBezTo>
+                  <a:pt x="307658" y="105508"/>
+                  <a:pt x="296228" y="116058"/>
+                  <a:pt x="280988" y="116058"/>
+                </a:cubicBezTo>
+                <a:close/>
+              </a:path>
+            </a:pathLst>
+          </a:custGeom>
+          <a:solidFill>
+            <a:schemeClr val="accent1"/>
+          </a:solidFill>
+          <a:ln w="9525" cap="flat">
+            <a:noFill/>
+            <a:prstDash val="solid"/>
+            <a:miter/>
+          </a:ln>
+        </p:spPr>
+        <p:txBody>
+          <a:bodyPr lIns="0" tIns="0" rIns="0" bIns="0" rtlCol="0" anchor="ctr"/>
+          <a:lstStyle/>
+          <a:p>
+            <a:pPr algn="ctr"/>
+            <a:r>
+              <a:rPr lang="pt-BR" sz="800" b="1" dirty="0">
+                <a:solidFill>
+                  <a:schemeClr val="bg1"/>
+                </a:solidFill>
+                <a:latin typeface="Segoe UI" panose="020B0502040204020203" pitchFamily="34" charset="0"/>
+                <a:cs typeface="Segoe UI" panose="020B0502040204020203" pitchFamily="34" charset="0"/>
+              </a:rPr>
+              <a:t>YES</a:t>
+            </a:r>
+          </a:p>
+        </p:txBody>
+      </p:sp>
+      <p:sp>
+        <p:nvSpPr>
+          <p:cNvPr id="45" name="Graphic 12">
+            <a:extLst>
+              <a:ext uri="{FF2B5EF4-FFF2-40B4-BE49-F238E27FC236}">
+                <a16:creationId xmlns:a16="http://schemas.microsoft.com/office/drawing/2014/main" id="{E492C5BA-D826-1822-CE62-8549E7FB2A59}"/>
+              </a:ext>
+            </a:extLst>
+          </p:cNvPr>
+          <p:cNvSpPr/>
+          <p:nvPr/>
+        </p:nvSpPr>
+        <p:spPr>
+          <a:xfrm>
+            <a:off x="4191000" y="3968264"/>
+            <a:ext cx="1817422" cy="541951"/>
+          </a:xfrm>
+          <a:custGeom>
+            <a:avLst/>
+            <a:gdLst>
+              <a:gd name="connsiteX0" fmla="*/ 743903 w 761127"/>
+              <a:gd name="connsiteY0" fmla="*/ 363578 h 363578"/>
+              <a:gd name="connsiteX1" fmla="*/ 17145 w 761127"/>
+              <a:gd name="connsiteY1" fmla="*/ 363578 h 363578"/>
+              <a:gd name="connsiteX2" fmla="*/ 0 w 761127"/>
+              <a:gd name="connsiteY2" fmla="*/ 346580 h 363578"/>
+              <a:gd name="connsiteX3" fmla="*/ 0 w 761127"/>
+              <a:gd name="connsiteY3" fmla="*/ 16998 h 363578"/>
+              <a:gd name="connsiteX4" fmla="*/ 17145 w 761127"/>
+              <a:gd name="connsiteY4" fmla="*/ 0 h 363578"/>
+              <a:gd name="connsiteX5" fmla="*/ 743903 w 761127"/>
+              <a:gd name="connsiteY5" fmla="*/ 0 h 363578"/>
+              <a:gd name="connsiteX6" fmla="*/ 761048 w 761127"/>
+              <a:gd name="connsiteY6" fmla="*/ 16998 h 363578"/>
+              <a:gd name="connsiteX7" fmla="*/ 761048 w 761127"/>
+              <a:gd name="connsiteY7" fmla="*/ 346580 h 363578"/>
+              <a:gd name="connsiteX8" fmla="*/ 743903 w 761127"/>
+              <a:gd name="connsiteY8" fmla="*/ 363578 h 363578"/>
+            </a:gdLst>
+            <a:ahLst/>
+            <a:cxnLst>
+              <a:cxn ang="0">
+                <a:pos x="connsiteX0" y="connsiteY0"/>
+              </a:cxn>
+              <a:cxn ang="0">
+                <a:pos x="connsiteX1" y="connsiteY1"/>
+              </a:cxn>
+              <a:cxn ang="0">
+                <a:pos x="connsiteX2" y="connsiteY2"/>
+              </a:cxn>
+              <a:cxn ang="0">
+                <a:pos x="connsiteX3" y="connsiteY3"/>
+              </a:cxn>
+              <a:cxn ang="0">
+                <a:pos x="connsiteX4" y="connsiteY4"/>
+              </a:cxn>
+              <a:cxn ang="0">
+                <a:pos x="connsiteX5" y="connsiteY5"/>
+              </a:cxn>
+              <a:cxn ang="0">
+                <a:pos x="connsiteX6" y="connsiteY6"/>
+              </a:cxn>
+              <a:cxn ang="0">
+                <a:pos x="connsiteX7" y="connsiteY7"/>
+              </a:cxn>
+              <a:cxn ang="0">
+                <a:pos x="connsiteX8" y="connsiteY8"/>
+              </a:cxn>
+            </a:cxnLst>
+            <a:rect l="l" t="t" r="r" b="b"/>
+            <a:pathLst>
+              <a:path w="761127" h="363578">
+                <a:moveTo>
+                  <a:pt x="743903" y="363578"/>
+                </a:moveTo>
+                <a:lnTo>
+                  <a:pt x="17145" y="363578"/>
+                </a:lnTo>
+                <a:cubicBezTo>
+                  <a:pt x="7620" y="363578"/>
+                  <a:pt x="0" y="356023"/>
+                  <a:pt x="0" y="346580"/>
+                </a:cubicBezTo>
+                <a:lnTo>
+                  <a:pt x="0" y="16998"/>
+                </a:lnTo>
+                <a:cubicBezTo>
+                  <a:pt x="0" y="7555"/>
+                  <a:pt x="7620" y="0"/>
+                  <a:pt x="17145" y="0"/>
+                </a:cubicBezTo>
+                <a:lnTo>
+                  <a:pt x="743903" y="0"/>
+                </a:lnTo>
+                <a:cubicBezTo>
+                  <a:pt x="753428" y="0"/>
+                  <a:pt x="761048" y="7555"/>
+                  <a:pt x="761048" y="16998"/>
+                </a:cubicBezTo>
+                <a:lnTo>
+                  <a:pt x="761048" y="346580"/>
+                </a:lnTo>
+                <a:cubicBezTo>
+                  <a:pt x="762000" y="356023"/>
+                  <a:pt x="754380" y="363578"/>
+                  <a:pt x="743903" y="363578"/>
+                </a:cubicBezTo>
+                <a:close/>
+              </a:path>
+            </a:pathLst>
+          </a:custGeom>
+          <a:solidFill>
+            <a:srgbClr val="FCB040"/>
+          </a:solidFill>
+          <a:ln w="9525" cap="flat">
+            <a:noFill/>
+            <a:prstDash val="solid"/>
+            <a:miter/>
+          </a:ln>
+        </p:spPr>
+        <p:txBody>
+          <a:bodyPr lIns="0" tIns="0" rIns="0" bIns="0" rtlCol="0" anchor="ctr"/>
+          <a:lstStyle/>
+          <a:p>
+            <a:pPr algn="ctr"/>
+            <a:r>
+              <a:rPr lang="pt-BR" sz="800" b="1" dirty="0">
+                <a:solidFill>
+                  <a:schemeClr val="bg1"/>
+                </a:solidFill>
+                <a:latin typeface="Segoe UI" panose="020B0502040204020203" pitchFamily="34" charset="0"/>
+                <a:cs typeface="Segoe UI" panose="020B0502040204020203" pitchFamily="34" charset="0"/>
+              </a:rPr>
+              <a:t>CREAT REACT</a:t>
+            </a:r>
+          </a:p>
+          <a:p>
+            <a:pPr algn="ctr"/>
+            <a:r>
+              <a:rPr lang="pt-BR" sz="800" b="1" dirty="0">
+                <a:solidFill>
+                  <a:schemeClr val="bg1"/>
+                </a:solidFill>
+                <a:latin typeface="Segoe UI" panose="020B0502040204020203" pitchFamily="34" charset="0"/>
+                <a:cs typeface="Segoe UI" panose="020B0502040204020203" pitchFamily="34" charset="0"/>
+              </a:rPr>
+              <a:t>COMPONENT BY FOLLOWING ANY OF THE STYLING APPROCH</a:t>
+            </a:r>
+          </a:p>
+        </p:txBody>
+      </p:sp>
+      <p:cxnSp>
+        <p:nvCxnSpPr>
+          <p:cNvPr id="46" name="Straight Arrow Connector 45">
+            <a:extLst>
+              <a:ext uri="{FF2B5EF4-FFF2-40B4-BE49-F238E27FC236}">
+                <a16:creationId xmlns:a16="http://schemas.microsoft.com/office/drawing/2014/main" id="{8B8A8F35-B897-0AEA-D03B-DB16CAE87EAA}"/>
+              </a:ext>
+            </a:extLst>
+          </p:cNvPr>
+          <p:cNvCxnSpPr>
+            <a:cxnSpLocks/>
+          </p:cNvCxnSpPr>
+          <p:nvPr/>
+        </p:nvCxnSpPr>
+        <p:spPr>
+          <a:xfrm>
+            <a:off x="3429000" y="4232872"/>
+            <a:ext cx="724772" cy="168"/>
+          </a:xfrm>
+          <a:prstGeom prst="straightConnector1">
+            <a:avLst/>
+          </a:prstGeom>
+          <a:ln w="19050">
+            <a:solidFill>
+              <a:schemeClr val="bg2">
+                <a:lumMod val="75000"/>
+              </a:schemeClr>
+            </a:solidFill>
+            <a:headEnd type="none" w="med" len="med"/>
+            <a:tailEnd type="arrow" w="med" len="med"/>
+          </a:ln>
+        </p:spPr>
+        <p:style>
+          <a:lnRef idx="1">
+            <a:schemeClr val="dk1"/>
+          </a:lnRef>
+          <a:fillRef idx="0">
+            <a:schemeClr val="dk1"/>
+          </a:fillRef>
+          <a:effectRef idx="0">
+            <a:schemeClr val="dk1"/>
+          </a:effectRef>
+          <a:fontRef idx="minor">
+            <a:schemeClr val="tx1"/>
+          </a:fontRef>
+        </p:style>
+      </p:cxnSp>
+      <p:cxnSp>
+        <p:nvCxnSpPr>
+          <p:cNvPr id="47" name="Straight Connector 46">
+            <a:extLst>
+              <a:ext uri="{FF2B5EF4-FFF2-40B4-BE49-F238E27FC236}">
+                <a16:creationId xmlns:a16="http://schemas.microsoft.com/office/drawing/2014/main" id="{61300D6E-E14F-298D-BCE8-D6324051959B}"/>
+              </a:ext>
+            </a:extLst>
+          </p:cNvPr>
+          <p:cNvCxnSpPr>
+            <a:cxnSpLocks/>
+          </p:cNvCxnSpPr>
+          <p:nvPr/>
+        </p:nvCxnSpPr>
+        <p:spPr>
+          <a:xfrm flipH="1" flipV="1">
+            <a:off x="6069808" y="4230661"/>
+            <a:ext cx="1931192" cy="2211"/>
+          </a:xfrm>
+          <a:prstGeom prst="line">
+            <a:avLst/>
+          </a:prstGeom>
+          <a:ln w="19050">
+            <a:solidFill>
+              <a:schemeClr val="bg2">
+                <a:lumMod val="75000"/>
+              </a:schemeClr>
+            </a:solidFill>
+          </a:ln>
+        </p:spPr>
+        <p:style>
+          <a:lnRef idx="1">
+            <a:schemeClr val="accent1"/>
+          </a:lnRef>
+          <a:fillRef idx="0">
+            <a:schemeClr val="accent1"/>
+          </a:fillRef>
+          <a:effectRef idx="0">
+            <a:schemeClr val="accent1"/>
+          </a:effectRef>
+          <a:fontRef idx="minor">
+            <a:schemeClr val="tx1"/>
+          </a:fontRef>
+        </p:style>
+      </p:cxnSp>
+      <p:sp>
+        <p:nvSpPr>
+          <p:cNvPr id="48" name="Graphic 8">
+            <a:extLst>
+              <a:ext uri="{FF2B5EF4-FFF2-40B4-BE49-F238E27FC236}">
+                <a16:creationId xmlns:a16="http://schemas.microsoft.com/office/drawing/2014/main" id="{04EF4F3B-14A6-3C45-37E7-749E34CACE9A}"/>
+              </a:ext>
+            </a:extLst>
+          </p:cNvPr>
+          <p:cNvSpPr/>
+          <p:nvPr/>
+        </p:nvSpPr>
+        <p:spPr>
+          <a:xfrm>
+            <a:off x="5412995" y="2680698"/>
+            <a:ext cx="875885" cy="707503"/>
+          </a:xfrm>
+          <a:custGeom>
+            <a:avLst/>
+            <a:gdLst>
+              <a:gd name="connsiteX0" fmla="*/ 613343 w 624070"/>
+              <a:gd name="connsiteY0" fmla="*/ 245269 h 451484"/>
+              <a:gd name="connsiteX1" fmla="*/ 324822 w 624070"/>
+              <a:gd name="connsiteY1" fmla="*/ 447199 h 451484"/>
+              <a:gd name="connsiteX2" fmla="*/ 297478 w 624070"/>
+              <a:gd name="connsiteY2" fmla="*/ 447199 h 451484"/>
+              <a:gd name="connsiteX3" fmla="*/ 9900 w 624070"/>
+              <a:gd name="connsiteY3" fmla="*/ 245269 h 451484"/>
+              <a:gd name="connsiteX4" fmla="*/ 9900 w 624070"/>
+              <a:gd name="connsiteY4" fmla="*/ 206216 h 451484"/>
+              <a:gd name="connsiteX5" fmla="*/ 298421 w 624070"/>
+              <a:gd name="connsiteY5" fmla="*/ 4286 h 451484"/>
+              <a:gd name="connsiteX6" fmla="*/ 325765 w 624070"/>
+              <a:gd name="connsiteY6" fmla="*/ 4286 h 451484"/>
+              <a:gd name="connsiteX7" fmla="*/ 614286 w 624070"/>
+              <a:gd name="connsiteY7" fmla="*/ 206216 h 451484"/>
+              <a:gd name="connsiteX8" fmla="*/ 613343 w 624070"/>
+              <a:gd name="connsiteY8" fmla="*/ 245269 h 451484"/>
+            </a:gdLst>
+            <a:ahLst/>
+            <a:cxnLst>
+              <a:cxn ang="0">
+                <a:pos x="connsiteX0" y="connsiteY0"/>
+              </a:cxn>
+              <a:cxn ang="0">
+                <a:pos x="connsiteX1" y="connsiteY1"/>
+              </a:cxn>
+              <a:cxn ang="0">
+                <a:pos x="connsiteX2" y="connsiteY2"/>
+              </a:cxn>
+              <a:cxn ang="0">
+                <a:pos x="connsiteX3" y="connsiteY3"/>
+              </a:cxn>
+              <a:cxn ang="0">
+                <a:pos x="connsiteX4" y="connsiteY4"/>
+              </a:cxn>
+              <a:cxn ang="0">
+                <a:pos x="connsiteX5" y="connsiteY5"/>
+              </a:cxn>
+              <a:cxn ang="0">
+                <a:pos x="connsiteX6" y="connsiteY6"/>
+              </a:cxn>
+              <a:cxn ang="0">
+                <a:pos x="connsiteX7" y="connsiteY7"/>
+              </a:cxn>
+              <a:cxn ang="0">
+                <a:pos x="connsiteX8" y="connsiteY8"/>
+              </a:cxn>
+            </a:cxnLst>
+            <a:rect l="l" t="t" r="r" b="b"/>
+            <a:pathLst>
+              <a:path w="624070" h="451484">
+                <a:moveTo>
+                  <a:pt x="613343" y="245269"/>
+                </a:moveTo>
+                <a:lnTo>
+                  <a:pt x="324822" y="447199"/>
+                </a:lnTo>
+                <a:cubicBezTo>
+                  <a:pt x="316336" y="452914"/>
+                  <a:pt x="305964" y="452914"/>
+                  <a:pt x="297478" y="447199"/>
+                </a:cubicBezTo>
+                <a:lnTo>
+                  <a:pt x="9900" y="245269"/>
+                </a:lnTo>
+                <a:cubicBezTo>
+                  <a:pt x="-3300" y="235744"/>
+                  <a:pt x="-3300" y="215741"/>
+                  <a:pt x="9900" y="206216"/>
+                </a:cubicBezTo>
+                <a:lnTo>
+                  <a:pt x="298421" y="4286"/>
+                </a:lnTo>
+                <a:cubicBezTo>
+                  <a:pt x="306907" y="-1429"/>
+                  <a:pt x="317279" y="-1429"/>
+                  <a:pt x="325765" y="4286"/>
+                </a:cubicBezTo>
+                <a:lnTo>
+                  <a:pt x="614286" y="206216"/>
+                </a:lnTo>
+                <a:cubicBezTo>
+                  <a:pt x="627486" y="215741"/>
+                  <a:pt x="627486" y="235744"/>
+                  <a:pt x="613343" y="245269"/>
+                </a:cubicBezTo>
+                <a:close/>
+              </a:path>
+            </a:pathLst>
+          </a:custGeom>
+          <a:solidFill>
+            <a:srgbClr val="867BBF"/>
+          </a:solidFill>
+          <a:ln w="9381" cap="flat">
+            <a:noFill/>
+            <a:prstDash val="solid"/>
+            <a:miter/>
+          </a:ln>
+        </p:spPr>
+        <p:txBody>
+          <a:bodyPr lIns="0" tIns="0" rIns="0" bIns="0" rtlCol="0" anchor="ctr"/>
+          <a:lstStyle/>
+          <a:p>
+            <a:pPr algn="ctr"/>
+            <a:r>
+              <a:rPr lang="pt-BR" sz="800" b="1" dirty="0">
+                <a:solidFill>
+                  <a:schemeClr val="bg1"/>
+                </a:solidFill>
+                <a:latin typeface="Segoe UI" panose="020B0502040204020203" pitchFamily="34" charset="0"/>
+                <a:cs typeface="Segoe UI" panose="020B0502040204020203" pitchFamily="34" charset="0"/>
+              </a:rPr>
+              <a:t>STYLING </a:t>
+            </a:r>
+          </a:p>
+          <a:p>
+            <a:pPr algn="ctr"/>
+            <a:r>
+              <a:rPr lang="pt-BR" sz="800" b="1" dirty="0">
+                <a:solidFill>
+                  <a:schemeClr val="bg1"/>
+                </a:solidFill>
+                <a:latin typeface="Segoe UI" panose="020B0502040204020203" pitchFamily="34" charset="0"/>
+                <a:cs typeface="Segoe UI" panose="020B0502040204020203" pitchFamily="34" charset="0"/>
+              </a:rPr>
+              <a:t>IS PROVIDED?</a:t>
+            </a:r>
+          </a:p>
+        </p:txBody>
+      </p:sp>
+      <p:cxnSp>
+        <p:nvCxnSpPr>
+          <p:cNvPr id="49" name="Straight Arrow Connector 48">
+            <a:extLst>
+              <a:ext uri="{FF2B5EF4-FFF2-40B4-BE49-F238E27FC236}">
+                <a16:creationId xmlns:a16="http://schemas.microsoft.com/office/drawing/2014/main" id="{68DF1541-1630-EDF6-9705-EC6B5F614395}"/>
+              </a:ext>
+            </a:extLst>
+          </p:cNvPr>
+          <p:cNvCxnSpPr>
+            <a:cxnSpLocks/>
+          </p:cNvCxnSpPr>
+          <p:nvPr/>
+        </p:nvCxnSpPr>
+        <p:spPr>
+          <a:xfrm>
+            <a:off x="5837470" y="2516703"/>
+            <a:ext cx="724772" cy="168"/>
+          </a:xfrm>
+          <a:prstGeom prst="straightConnector1">
+            <a:avLst/>
+          </a:prstGeom>
+          <a:ln w="19050">
+            <a:solidFill>
+              <a:schemeClr val="bg2">
+                <a:lumMod val="75000"/>
+              </a:schemeClr>
+            </a:solidFill>
+            <a:headEnd type="none" w="med" len="med"/>
+            <a:tailEnd type="arrow" w="med" len="med"/>
+          </a:ln>
+        </p:spPr>
+        <p:style>
+          <a:lnRef idx="1">
+            <a:schemeClr val="dk1"/>
+          </a:lnRef>
+          <a:fillRef idx="0">
+            <a:schemeClr val="dk1"/>
+          </a:fillRef>
+          <a:effectRef idx="0">
+            <a:schemeClr val="dk1"/>
+          </a:effectRef>
+          <a:fontRef idx="minor">
+            <a:schemeClr val="tx1"/>
+          </a:fontRef>
+        </p:style>
+      </p:cxnSp>
+      <p:sp>
+        <p:nvSpPr>
+          <p:cNvPr id="50" name="Graphic 16">
+            <a:extLst>
+              <a:ext uri="{FF2B5EF4-FFF2-40B4-BE49-F238E27FC236}">
+                <a16:creationId xmlns:a16="http://schemas.microsoft.com/office/drawing/2014/main" id="{4B6B7120-9EA3-0F43-9624-454858096151}"/>
+              </a:ext>
+            </a:extLst>
+          </p:cNvPr>
+          <p:cNvSpPr/>
+          <p:nvPr/>
+        </p:nvSpPr>
+        <p:spPr>
+          <a:xfrm>
+            <a:off x="6018446" y="2447983"/>
+            <a:ext cx="308613" cy="152064"/>
+          </a:xfrm>
+          <a:custGeom>
+            <a:avLst/>
+            <a:gdLst>
+              <a:gd name="connsiteX0" fmla="*/ 280988 w 307657"/>
+              <a:gd name="connsiteY0" fmla="*/ 116058 h 116058"/>
+              <a:gd name="connsiteX1" fmla="*/ 26670 w 307657"/>
+              <a:gd name="connsiteY1" fmla="*/ 116058 h 116058"/>
+              <a:gd name="connsiteX2" fmla="*/ 0 w 307657"/>
+              <a:gd name="connsiteY2" fmla="*/ 91440 h 116058"/>
+              <a:gd name="connsiteX3" fmla="*/ 0 w 307657"/>
+              <a:gd name="connsiteY3" fmla="*/ 24618 h 116058"/>
+              <a:gd name="connsiteX4" fmla="*/ 26670 w 307657"/>
+              <a:gd name="connsiteY4" fmla="*/ 0 h 116058"/>
+              <a:gd name="connsiteX5" fmla="*/ 280988 w 307657"/>
+              <a:gd name="connsiteY5" fmla="*/ 0 h 116058"/>
+              <a:gd name="connsiteX6" fmla="*/ 307658 w 307657"/>
+              <a:gd name="connsiteY6" fmla="*/ 24618 h 116058"/>
+              <a:gd name="connsiteX7" fmla="*/ 307658 w 307657"/>
+              <a:gd name="connsiteY7" fmla="*/ 91440 h 116058"/>
+              <a:gd name="connsiteX8" fmla="*/ 280988 w 307657"/>
+              <a:gd name="connsiteY8" fmla="*/ 116058 h 116058"/>
+            </a:gdLst>
+            <a:ahLst/>
+            <a:cxnLst>
+              <a:cxn ang="0">
+                <a:pos x="connsiteX0" y="connsiteY0"/>
+              </a:cxn>
+              <a:cxn ang="0">
+                <a:pos x="connsiteX1" y="connsiteY1"/>
+              </a:cxn>
+              <a:cxn ang="0">
+                <a:pos x="connsiteX2" y="connsiteY2"/>
+              </a:cxn>
+              <a:cxn ang="0">
+                <a:pos x="connsiteX3" y="connsiteY3"/>
+              </a:cxn>
+              <a:cxn ang="0">
+                <a:pos x="connsiteX4" y="connsiteY4"/>
+              </a:cxn>
+              <a:cxn ang="0">
+                <a:pos x="connsiteX5" y="connsiteY5"/>
+              </a:cxn>
+              <a:cxn ang="0">
+                <a:pos x="connsiteX6" y="connsiteY6"/>
+              </a:cxn>
+              <a:cxn ang="0">
+                <a:pos x="connsiteX7" y="connsiteY7"/>
+              </a:cxn>
+              <a:cxn ang="0">
+                <a:pos x="connsiteX8" y="connsiteY8"/>
+              </a:cxn>
+            </a:cxnLst>
+            <a:rect l="l" t="t" r="r" b="b"/>
+            <a:pathLst>
+              <a:path w="307657" h="116058">
+                <a:moveTo>
+                  <a:pt x="280988" y="116058"/>
+                </a:moveTo>
+                <a:lnTo>
+                  <a:pt x="26670" y="116058"/>
+                </a:lnTo>
+                <a:cubicBezTo>
+                  <a:pt x="12383" y="116058"/>
+                  <a:pt x="0" y="105508"/>
+                  <a:pt x="0" y="91440"/>
+                </a:cubicBezTo>
+                <a:lnTo>
+                  <a:pt x="0" y="24618"/>
+                </a:lnTo>
+                <a:cubicBezTo>
+                  <a:pt x="0" y="11430"/>
+                  <a:pt x="12383" y="0"/>
+                  <a:pt x="26670" y="0"/>
+                </a:cubicBezTo>
+                <a:lnTo>
+                  <a:pt x="280988" y="0"/>
+                </a:lnTo>
+                <a:cubicBezTo>
+                  <a:pt x="295275" y="0"/>
+                  <a:pt x="307658" y="11430"/>
+                  <a:pt x="307658" y="24618"/>
+                </a:cubicBezTo>
+                <a:lnTo>
+                  <a:pt x="307658" y="91440"/>
+                </a:lnTo>
+                <a:cubicBezTo>
+                  <a:pt x="307658" y="105508"/>
+                  <a:pt x="296228" y="116058"/>
+                  <a:pt x="280988" y="116058"/>
+                </a:cubicBezTo>
+                <a:close/>
+              </a:path>
+            </a:pathLst>
+          </a:custGeom>
+          <a:solidFill>
+            <a:schemeClr val="accent1"/>
+          </a:solidFill>
+          <a:ln w="9525" cap="flat">
+            <a:noFill/>
+            <a:prstDash val="solid"/>
+            <a:miter/>
+          </a:ln>
+        </p:spPr>
+        <p:txBody>
+          <a:bodyPr lIns="0" tIns="0" rIns="0" bIns="0" rtlCol="0" anchor="ctr"/>
+          <a:lstStyle/>
+          <a:p>
+            <a:pPr algn="ctr"/>
+            <a:r>
+              <a:rPr lang="pt-BR" sz="800" b="1" dirty="0">
+                <a:solidFill>
+                  <a:schemeClr val="bg1"/>
+                </a:solidFill>
+                <a:latin typeface="Segoe UI" panose="020B0502040204020203" pitchFamily="34" charset="0"/>
+                <a:cs typeface="Segoe UI" panose="020B0502040204020203" pitchFamily="34" charset="0"/>
+              </a:rPr>
+              <a:t>YES</a:t>
+            </a:r>
+          </a:p>
+        </p:txBody>
+      </p:sp>
+      <p:cxnSp>
+        <p:nvCxnSpPr>
+          <p:cNvPr id="51" name="Straight Connector 50">
+            <a:extLst>
+              <a:ext uri="{FF2B5EF4-FFF2-40B4-BE49-F238E27FC236}">
+                <a16:creationId xmlns:a16="http://schemas.microsoft.com/office/drawing/2014/main" id="{02525B76-0924-2080-F7FB-407E8C530382}"/>
+              </a:ext>
+            </a:extLst>
+          </p:cNvPr>
+          <p:cNvCxnSpPr>
+            <a:cxnSpLocks/>
+          </p:cNvCxnSpPr>
+          <p:nvPr/>
+        </p:nvCxnSpPr>
+        <p:spPr>
+          <a:xfrm>
+            <a:off x="5845968" y="2519116"/>
+            <a:ext cx="0" cy="114538"/>
+          </a:xfrm>
+          <a:prstGeom prst="line">
+            <a:avLst/>
+          </a:prstGeom>
+          <a:ln w="19050">
+            <a:solidFill>
+              <a:schemeClr val="bg2">
+                <a:lumMod val="75000"/>
+              </a:schemeClr>
+            </a:solidFill>
+          </a:ln>
+        </p:spPr>
+        <p:style>
+          <a:lnRef idx="1">
+            <a:schemeClr val="accent1"/>
+          </a:lnRef>
+          <a:fillRef idx="0">
+            <a:schemeClr val="accent1"/>
+          </a:fillRef>
+          <a:effectRef idx="0">
+            <a:schemeClr val="accent1"/>
+          </a:effectRef>
+          <a:fontRef idx="minor">
+            <a:schemeClr val="tx1"/>
+          </a:fontRef>
+        </p:style>
+      </p:cxnSp>
+      <p:sp>
+        <p:nvSpPr>
+          <p:cNvPr id="52" name="Graphic 12">
+            <a:extLst>
+              <a:ext uri="{FF2B5EF4-FFF2-40B4-BE49-F238E27FC236}">
+                <a16:creationId xmlns:a16="http://schemas.microsoft.com/office/drawing/2014/main" id="{976CF2B7-F020-DC89-ABAF-800AB0A44F98}"/>
+              </a:ext>
+            </a:extLst>
+          </p:cNvPr>
+          <p:cNvSpPr/>
+          <p:nvPr/>
+        </p:nvSpPr>
+        <p:spPr>
+          <a:xfrm>
+            <a:off x="6621076" y="3260315"/>
+            <a:ext cx="1115604" cy="541951"/>
+          </a:xfrm>
+          <a:custGeom>
+            <a:avLst/>
+            <a:gdLst>
+              <a:gd name="connsiteX0" fmla="*/ 743903 w 761127"/>
+              <a:gd name="connsiteY0" fmla="*/ 363578 h 363578"/>
+              <a:gd name="connsiteX1" fmla="*/ 17145 w 761127"/>
+              <a:gd name="connsiteY1" fmla="*/ 363578 h 363578"/>
+              <a:gd name="connsiteX2" fmla="*/ 0 w 761127"/>
+              <a:gd name="connsiteY2" fmla="*/ 346580 h 363578"/>
+              <a:gd name="connsiteX3" fmla="*/ 0 w 761127"/>
+              <a:gd name="connsiteY3" fmla="*/ 16998 h 363578"/>
+              <a:gd name="connsiteX4" fmla="*/ 17145 w 761127"/>
+              <a:gd name="connsiteY4" fmla="*/ 0 h 363578"/>
+              <a:gd name="connsiteX5" fmla="*/ 743903 w 761127"/>
+              <a:gd name="connsiteY5" fmla="*/ 0 h 363578"/>
+              <a:gd name="connsiteX6" fmla="*/ 761048 w 761127"/>
+              <a:gd name="connsiteY6" fmla="*/ 16998 h 363578"/>
+              <a:gd name="connsiteX7" fmla="*/ 761048 w 761127"/>
+              <a:gd name="connsiteY7" fmla="*/ 346580 h 363578"/>
+              <a:gd name="connsiteX8" fmla="*/ 743903 w 761127"/>
+              <a:gd name="connsiteY8" fmla="*/ 363578 h 363578"/>
+            </a:gdLst>
+            <a:ahLst/>
+            <a:cxnLst>
+              <a:cxn ang="0">
+                <a:pos x="connsiteX0" y="connsiteY0"/>
+              </a:cxn>
+              <a:cxn ang="0">
+                <a:pos x="connsiteX1" y="connsiteY1"/>
+              </a:cxn>
+              <a:cxn ang="0">
+                <a:pos x="connsiteX2" y="connsiteY2"/>
+              </a:cxn>
+              <a:cxn ang="0">
+                <a:pos x="connsiteX3" y="connsiteY3"/>
+              </a:cxn>
+              <a:cxn ang="0">
+                <a:pos x="connsiteX4" y="connsiteY4"/>
+              </a:cxn>
+              <a:cxn ang="0">
+                <a:pos x="connsiteX5" y="connsiteY5"/>
+              </a:cxn>
+              <a:cxn ang="0">
+                <a:pos x="connsiteX6" y="connsiteY6"/>
+              </a:cxn>
+              <a:cxn ang="0">
+                <a:pos x="connsiteX7" y="connsiteY7"/>
+              </a:cxn>
+              <a:cxn ang="0">
+                <a:pos x="connsiteX8" y="connsiteY8"/>
+              </a:cxn>
+            </a:cxnLst>
+            <a:rect l="l" t="t" r="r" b="b"/>
+            <a:pathLst>
+              <a:path w="761127" h="363578">
+                <a:moveTo>
+                  <a:pt x="743903" y="363578"/>
+                </a:moveTo>
+                <a:lnTo>
+                  <a:pt x="17145" y="363578"/>
+                </a:lnTo>
+                <a:cubicBezTo>
+                  <a:pt x="7620" y="363578"/>
+                  <a:pt x="0" y="356023"/>
+                  <a:pt x="0" y="346580"/>
+                </a:cubicBezTo>
+                <a:lnTo>
+                  <a:pt x="0" y="16998"/>
+                </a:lnTo>
+                <a:cubicBezTo>
+                  <a:pt x="0" y="7555"/>
+                  <a:pt x="7620" y="0"/>
+                  <a:pt x="17145" y="0"/>
+                </a:cubicBezTo>
+                <a:lnTo>
+                  <a:pt x="743903" y="0"/>
+                </a:lnTo>
+                <a:cubicBezTo>
+                  <a:pt x="753428" y="0"/>
+                  <a:pt x="761048" y="7555"/>
+                  <a:pt x="761048" y="16998"/>
+                </a:cubicBezTo>
+                <a:lnTo>
+                  <a:pt x="761048" y="346580"/>
+                </a:lnTo>
+                <a:cubicBezTo>
+                  <a:pt x="762000" y="356023"/>
+                  <a:pt x="754380" y="363578"/>
+                  <a:pt x="743903" y="363578"/>
+                </a:cubicBezTo>
+                <a:close/>
+              </a:path>
+            </a:pathLst>
+          </a:custGeom>
+          <a:solidFill>
+            <a:srgbClr val="D96845"/>
+          </a:solidFill>
+          <a:ln w="9525" cap="flat">
+            <a:noFill/>
+            <a:prstDash val="solid"/>
+            <a:miter/>
+          </a:ln>
+        </p:spPr>
+        <p:txBody>
+          <a:bodyPr lIns="0" tIns="0" rIns="0" bIns="0" rtlCol="0" anchor="ctr"/>
+          <a:lstStyle/>
+          <a:p>
+            <a:pPr algn="ctr"/>
+            <a:r>
+              <a:rPr lang="pt-BR" sz="800" b="1" dirty="0">
+                <a:solidFill>
+                  <a:schemeClr val="bg1"/>
+                </a:solidFill>
+                <a:latin typeface="Segoe UI" panose="020B0502040204020203" pitchFamily="34" charset="0"/>
+                <a:cs typeface="Segoe UI" panose="020B0502040204020203" pitchFamily="34" charset="0"/>
+              </a:rPr>
+              <a:t>OVERRIDE REACT</a:t>
+            </a:r>
+          </a:p>
+          <a:p>
+            <a:pPr algn="ctr"/>
+            <a:r>
+              <a:rPr lang="pt-BR" sz="800" b="1" dirty="0">
+                <a:solidFill>
+                  <a:schemeClr val="bg1"/>
+                </a:solidFill>
+                <a:latin typeface="Segoe UI" panose="020B0502040204020203" pitchFamily="34" charset="0"/>
+                <a:cs typeface="Segoe UI" panose="020B0502040204020203" pitchFamily="34" charset="0"/>
+              </a:rPr>
+              <a:t>COMPONENT AS PER</a:t>
+            </a:r>
+          </a:p>
+          <a:p>
+            <a:pPr algn="ctr"/>
+            <a:r>
+              <a:rPr lang="pt-BR" sz="800" b="1" dirty="0">
+                <a:solidFill>
+                  <a:schemeClr val="bg1"/>
+                </a:solidFill>
+                <a:latin typeface="Segoe UI" panose="020B0502040204020203" pitchFamily="34" charset="0"/>
+                <a:cs typeface="Segoe UI" panose="020B0502040204020203" pitchFamily="34" charset="0"/>
+              </a:rPr>
+              <a:t>PROVIDED VISUALS</a:t>
+            </a:r>
+          </a:p>
+        </p:txBody>
+      </p:sp>
+      <p:cxnSp>
+        <p:nvCxnSpPr>
+          <p:cNvPr id="53" name="Straight Arrow Connector 52">
+            <a:extLst>
+              <a:ext uri="{FF2B5EF4-FFF2-40B4-BE49-F238E27FC236}">
+                <a16:creationId xmlns:a16="http://schemas.microsoft.com/office/drawing/2014/main" id="{BA05266F-896B-C044-B4DE-34B379E95D3A}"/>
+              </a:ext>
+            </a:extLst>
+          </p:cNvPr>
+          <p:cNvCxnSpPr>
+            <a:cxnSpLocks/>
+          </p:cNvCxnSpPr>
+          <p:nvPr/>
+        </p:nvCxnSpPr>
+        <p:spPr>
+          <a:xfrm>
+            <a:off x="5846404" y="3524944"/>
+            <a:ext cx="724772" cy="168"/>
+          </a:xfrm>
+          <a:prstGeom prst="straightConnector1">
+            <a:avLst/>
+          </a:prstGeom>
+          <a:ln w="19050">
+            <a:solidFill>
+              <a:schemeClr val="bg2">
+                <a:lumMod val="75000"/>
+              </a:schemeClr>
+            </a:solidFill>
+            <a:headEnd type="none" w="med" len="med"/>
+            <a:tailEnd type="arrow" w="med" len="med"/>
+          </a:ln>
+        </p:spPr>
+        <p:style>
+          <a:lnRef idx="1">
+            <a:schemeClr val="dk1"/>
+          </a:lnRef>
+          <a:fillRef idx="0">
+            <a:schemeClr val="dk1"/>
+          </a:fillRef>
+          <a:effectRef idx="0">
+            <a:schemeClr val="dk1"/>
+          </a:effectRef>
+          <a:fontRef idx="minor">
+            <a:schemeClr val="tx1"/>
+          </a:fontRef>
+        </p:style>
+      </p:cxnSp>
+      <p:sp>
+        <p:nvSpPr>
+          <p:cNvPr id="54" name="Graphic 16">
+            <a:extLst>
+              <a:ext uri="{FF2B5EF4-FFF2-40B4-BE49-F238E27FC236}">
+                <a16:creationId xmlns:a16="http://schemas.microsoft.com/office/drawing/2014/main" id="{216B23CD-2EF1-A417-766B-9D297D5ABA5E}"/>
+              </a:ext>
+            </a:extLst>
+          </p:cNvPr>
+          <p:cNvSpPr/>
+          <p:nvPr/>
+        </p:nvSpPr>
+        <p:spPr>
+          <a:xfrm>
+            <a:off x="6027380" y="3456224"/>
+            <a:ext cx="308613" cy="152064"/>
+          </a:xfrm>
+          <a:custGeom>
+            <a:avLst/>
+            <a:gdLst>
+              <a:gd name="connsiteX0" fmla="*/ 280988 w 307657"/>
+              <a:gd name="connsiteY0" fmla="*/ 116058 h 116058"/>
+              <a:gd name="connsiteX1" fmla="*/ 26670 w 307657"/>
+              <a:gd name="connsiteY1" fmla="*/ 116058 h 116058"/>
+              <a:gd name="connsiteX2" fmla="*/ 0 w 307657"/>
+              <a:gd name="connsiteY2" fmla="*/ 91440 h 116058"/>
+              <a:gd name="connsiteX3" fmla="*/ 0 w 307657"/>
+              <a:gd name="connsiteY3" fmla="*/ 24618 h 116058"/>
+              <a:gd name="connsiteX4" fmla="*/ 26670 w 307657"/>
+              <a:gd name="connsiteY4" fmla="*/ 0 h 116058"/>
+              <a:gd name="connsiteX5" fmla="*/ 280988 w 307657"/>
+              <a:gd name="connsiteY5" fmla="*/ 0 h 116058"/>
+              <a:gd name="connsiteX6" fmla="*/ 307658 w 307657"/>
+              <a:gd name="connsiteY6" fmla="*/ 24618 h 116058"/>
+              <a:gd name="connsiteX7" fmla="*/ 307658 w 307657"/>
+              <a:gd name="connsiteY7" fmla="*/ 91440 h 116058"/>
+              <a:gd name="connsiteX8" fmla="*/ 280988 w 307657"/>
+              <a:gd name="connsiteY8" fmla="*/ 116058 h 116058"/>
+            </a:gdLst>
+            <a:ahLst/>
+            <a:cxnLst>
+              <a:cxn ang="0">
+                <a:pos x="connsiteX0" y="connsiteY0"/>
+              </a:cxn>
+              <a:cxn ang="0">
+                <a:pos x="connsiteX1" y="connsiteY1"/>
+              </a:cxn>
+              <a:cxn ang="0">
+                <a:pos x="connsiteX2" y="connsiteY2"/>
+              </a:cxn>
+              <a:cxn ang="0">
+                <a:pos x="connsiteX3" y="connsiteY3"/>
+              </a:cxn>
+              <a:cxn ang="0">
+                <a:pos x="connsiteX4" y="connsiteY4"/>
+              </a:cxn>
+              <a:cxn ang="0">
+                <a:pos x="connsiteX5" y="connsiteY5"/>
+              </a:cxn>
+              <a:cxn ang="0">
+                <a:pos x="connsiteX6" y="connsiteY6"/>
+              </a:cxn>
+              <a:cxn ang="0">
+                <a:pos x="connsiteX7" y="connsiteY7"/>
+              </a:cxn>
+              <a:cxn ang="0">
+                <a:pos x="connsiteX8" y="connsiteY8"/>
+              </a:cxn>
+            </a:cxnLst>
+            <a:rect l="l" t="t" r="r" b="b"/>
+            <a:pathLst>
+              <a:path w="307657" h="116058">
+                <a:moveTo>
+                  <a:pt x="280988" y="116058"/>
+                </a:moveTo>
+                <a:lnTo>
+                  <a:pt x="26670" y="116058"/>
+                </a:lnTo>
+                <a:cubicBezTo>
+                  <a:pt x="12383" y="116058"/>
+                  <a:pt x="0" y="105508"/>
+                  <a:pt x="0" y="91440"/>
+                </a:cubicBezTo>
+                <a:lnTo>
+                  <a:pt x="0" y="24618"/>
+                </a:lnTo>
+                <a:cubicBezTo>
+                  <a:pt x="0" y="11430"/>
+                  <a:pt x="12383" y="0"/>
+                  <a:pt x="26670" y="0"/>
+                </a:cubicBezTo>
+                <a:lnTo>
+                  <a:pt x="280988" y="0"/>
+                </a:lnTo>
+                <a:cubicBezTo>
+                  <a:pt x="295275" y="0"/>
+                  <a:pt x="307658" y="11430"/>
+                  <a:pt x="307658" y="24618"/>
+                </a:cubicBezTo>
+                <a:lnTo>
+                  <a:pt x="307658" y="91440"/>
+                </a:lnTo>
+                <a:cubicBezTo>
+                  <a:pt x="307658" y="105508"/>
+                  <a:pt x="296228" y="116058"/>
+                  <a:pt x="280988" y="116058"/>
+                </a:cubicBezTo>
+                <a:close/>
+              </a:path>
+            </a:pathLst>
+          </a:custGeom>
+          <a:solidFill>
+            <a:schemeClr val="accent1"/>
+          </a:solidFill>
+          <a:ln w="9525" cap="flat">
+            <a:noFill/>
+            <a:prstDash val="solid"/>
+            <a:miter/>
+          </a:ln>
+        </p:spPr>
+        <p:txBody>
+          <a:bodyPr lIns="0" tIns="0" rIns="0" bIns="0" rtlCol="0" anchor="ctr"/>
+          <a:lstStyle/>
+          <a:p>
+            <a:pPr algn="ctr"/>
+            <a:r>
+              <a:rPr lang="pt-BR" sz="800" b="1" dirty="0">
+                <a:solidFill>
+                  <a:schemeClr val="bg1"/>
+                </a:solidFill>
+                <a:latin typeface="Segoe UI" panose="020B0502040204020203" pitchFamily="34" charset="0"/>
+                <a:cs typeface="Segoe UI" panose="020B0502040204020203" pitchFamily="34" charset="0"/>
+              </a:rPr>
+              <a:t>NO</a:t>
+            </a:r>
+          </a:p>
+        </p:txBody>
+      </p:sp>
+      <p:cxnSp>
+        <p:nvCxnSpPr>
+          <p:cNvPr id="55" name="Straight Connector 54">
+            <a:extLst>
+              <a:ext uri="{FF2B5EF4-FFF2-40B4-BE49-F238E27FC236}">
+                <a16:creationId xmlns:a16="http://schemas.microsoft.com/office/drawing/2014/main" id="{8D8100A2-E126-3F73-8C14-4011D8AAE26F}"/>
+              </a:ext>
+            </a:extLst>
+          </p:cNvPr>
+          <p:cNvCxnSpPr>
+            <a:cxnSpLocks/>
+          </p:cNvCxnSpPr>
+          <p:nvPr/>
+        </p:nvCxnSpPr>
+        <p:spPr>
+          <a:xfrm>
+            <a:off x="5853112" y="3428410"/>
+            <a:ext cx="0" cy="114538"/>
+          </a:xfrm>
+          <a:prstGeom prst="line">
+            <a:avLst/>
+          </a:prstGeom>
+          <a:ln w="19050">
+            <a:solidFill>
+              <a:schemeClr val="bg2">
+                <a:lumMod val="75000"/>
+              </a:schemeClr>
+            </a:solidFill>
+          </a:ln>
+        </p:spPr>
+        <p:style>
+          <a:lnRef idx="1">
+            <a:schemeClr val="accent1"/>
+          </a:lnRef>
+          <a:fillRef idx="0">
+            <a:schemeClr val="accent1"/>
+          </a:fillRef>
+          <a:effectRef idx="0">
+            <a:schemeClr val="accent1"/>
+          </a:effectRef>
+          <a:fontRef idx="minor">
+            <a:schemeClr val="tx1"/>
+          </a:fontRef>
+        </p:style>
+      </p:cxnSp>
+    </p:spTree>
+    <p:extLst>
+      <p:ext uri="{BB962C8B-B14F-4D97-AF65-F5344CB8AC3E}">
+        <p14:creationId xmlns:p14="http://schemas.microsoft.com/office/powerpoint/2010/main" val="3863459172"/>
+      </p:ext>
+    </p:extLst>
+  </p:cSld>
+  <p:clrMapOvr>
+    <a:masterClrMapping/>
+  </p:clrMapOvr>
+</p:sld>
+</file>
+
 <file path=ppt/theme/theme1.xml><?xml version="1.0" encoding="utf-8"?>
 <a:theme xmlns:a="http://schemas.openxmlformats.org/drawingml/2006/main" name="1_Office Theme">
   <a:themeElements>
